--- a/chessgamem.pptx
+++ b/chessgamem.pptx
@@ -277,35 +277,35 @@
           <a:p>
             <a:pPr lvl="0"/>
             <a:r>
-              <a:rPr lang="en-US" smtClean="0"/>
+              <a:rPr lang="en-US"/>
               <a:t>Click to edit Master text styles</a:t>
             </a:r>
           </a:p>
           <a:p>
             <a:pPr lvl="1"/>
             <a:r>
-              <a:rPr lang="en-US" smtClean="0"/>
+              <a:rPr lang="en-US"/>
               <a:t>Second level</a:t>
             </a:r>
           </a:p>
           <a:p>
             <a:pPr lvl="2"/>
             <a:r>
-              <a:rPr lang="en-US" smtClean="0"/>
+              <a:rPr lang="en-US"/>
               <a:t>Third level</a:t>
             </a:r>
           </a:p>
           <a:p>
             <a:pPr lvl="3"/>
             <a:r>
-              <a:rPr lang="en-US" smtClean="0"/>
+              <a:rPr lang="en-US"/>
               <a:t>Fourth level</a:t>
             </a:r>
           </a:p>
           <a:p>
             <a:pPr lvl="4"/>
             <a:r>
-              <a:rPr lang="en-US" smtClean="0"/>
+              <a:rPr lang="en-US"/>
               <a:t>Fifth level</a:t>
             </a:r>
             <a:endParaRPr lang="ar-SY"/>
@@ -607,7 +607,7 @@
           </a:lstStyle>
           <a:p>
             <a:r>
-              <a:rPr lang="en-US" smtClean="0"/>
+              <a:rPr lang="en-US"/>
               <a:t>Click to edit Master title style</a:t>
             </a:r>
             <a:endParaRPr lang="ar-SY"/>
@@ -672,7 +672,7 @@
           </a:lstStyle>
           <a:p>
             <a:r>
-              <a:rPr lang="en-US" smtClean="0"/>
+              <a:rPr lang="en-US"/>
               <a:t>Click to edit Master subtitle style</a:t>
             </a:r>
             <a:endParaRPr lang="ar-SY"/>
@@ -790,7 +790,7 @@
           <a:lstStyle/>
           <a:p>
             <a:r>
-              <a:rPr lang="en-US" smtClean="0"/>
+              <a:rPr lang="en-US"/>
               <a:t>Click to edit Master title style</a:t>
             </a:r>
             <a:endParaRPr lang="ar-SY"/>
@@ -814,35 +814,35 @@
           <a:p>
             <a:pPr lvl="0"/>
             <a:r>
-              <a:rPr lang="en-US" smtClean="0"/>
+              <a:rPr lang="en-US"/>
               <a:t>Click to edit Master text styles</a:t>
             </a:r>
           </a:p>
           <a:p>
             <a:pPr lvl="1"/>
             <a:r>
-              <a:rPr lang="en-US" smtClean="0"/>
+              <a:rPr lang="en-US"/>
               <a:t>Second level</a:t>
             </a:r>
           </a:p>
           <a:p>
             <a:pPr lvl="2"/>
             <a:r>
-              <a:rPr lang="en-US" smtClean="0"/>
+              <a:rPr lang="en-US"/>
               <a:t>Third level</a:t>
             </a:r>
           </a:p>
           <a:p>
             <a:pPr lvl="3"/>
             <a:r>
-              <a:rPr lang="en-US" smtClean="0"/>
+              <a:rPr lang="en-US"/>
               <a:t>Fourth level</a:t>
             </a:r>
           </a:p>
           <a:p>
             <a:pPr lvl="4"/>
             <a:r>
-              <a:rPr lang="en-US" smtClean="0"/>
+              <a:rPr lang="en-US"/>
               <a:t>Fifth level</a:t>
             </a:r>
             <a:endParaRPr lang="ar-SY"/>
@@ -965,7 +965,7 @@
           <a:lstStyle/>
           <a:p>
             <a:r>
-              <a:rPr lang="en-US" smtClean="0"/>
+              <a:rPr lang="en-US"/>
               <a:t>Click to edit Master title style</a:t>
             </a:r>
             <a:endParaRPr lang="ar-SY"/>
@@ -994,35 +994,35 @@
           <a:p>
             <a:pPr lvl="0"/>
             <a:r>
-              <a:rPr lang="en-US" smtClean="0"/>
+              <a:rPr lang="en-US"/>
               <a:t>Click to edit Master text styles</a:t>
             </a:r>
           </a:p>
           <a:p>
             <a:pPr lvl="1"/>
             <a:r>
-              <a:rPr lang="en-US" smtClean="0"/>
+              <a:rPr lang="en-US"/>
               <a:t>Second level</a:t>
             </a:r>
           </a:p>
           <a:p>
             <a:pPr lvl="2"/>
             <a:r>
-              <a:rPr lang="en-US" smtClean="0"/>
+              <a:rPr lang="en-US"/>
               <a:t>Third level</a:t>
             </a:r>
           </a:p>
           <a:p>
             <a:pPr lvl="3"/>
             <a:r>
-              <a:rPr lang="en-US" smtClean="0"/>
+              <a:rPr lang="en-US"/>
               <a:t>Fourth level</a:t>
             </a:r>
           </a:p>
           <a:p>
             <a:pPr lvl="4"/>
             <a:r>
-              <a:rPr lang="en-US" smtClean="0"/>
+              <a:rPr lang="en-US"/>
               <a:t>Fifth level</a:t>
             </a:r>
             <a:endParaRPr lang="ar-SY"/>
@@ -1140,7 +1140,7 @@
           <a:lstStyle/>
           <a:p>
             <a:r>
-              <a:rPr lang="en-US" smtClean="0"/>
+              <a:rPr lang="en-US"/>
               <a:t>Click to edit Master title style</a:t>
             </a:r>
             <a:endParaRPr lang="ar-SY"/>
@@ -1164,35 +1164,35 @@
           <a:p>
             <a:pPr lvl="0"/>
             <a:r>
-              <a:rPr lang="en-US" smtClean="0"/>
+              <a:rPr lang="en-US"/>
               <a:t>Click to edit Master text styles</a:t>
             </a:r>
           </a:p>
           <a:p>
             <a:pPr lvl="1"/>
             <a:r>
-              <a:rPr lang="en-US" smtClean="0"/>
+              <a:rPr lang="en-US"/>
               <a:t>Second level</a:t>
             </a:r>
           </a:p>
           <a:p>
             <a:pPr lvl="2"/>
             <a:r>
-              <a:rPr lang="en-US" smtClean="0"/>
+              <a:rPr lang="en-US"/>
               <a:t>Third level</a:t>
             </a:r>
           </a:p>
           <a:p>
             <a:pPr lvl="3"/>
             <a:r>
-              <a:rPr lang="en-US" smtClean="0"/>
+              <a:rPr lang="en-US"/>
               <a:t>Fourth level</a:t>
             </a:r>
           </a:p>
           <a:p>
             <a:pPr lvl="4"/>
             <a:r>
-              <a:rPr lang="en-US" smtClean="0"/>
+              <a:rPr lang="en-US"/>
               <a:t>Fifth level</a:t>
             </a:r>
             <a:endParaRPr lang="ar-SY"/>
@@ -1319,7 +1319,7 @@
           </a:lstStyle>
           <a:p>
             <a:r>
-              <a:rPr lang="en-US" smtClean="0"/>
+              <a:rPr lang="en-US"/>
               <a:t>Click to edit Master title style</a:t>
             </a:r>
             <a:endParaRPr lang="ar-SY"/>
@@ -1439,7 +1439,7 @@
           <a:p>
             <a:pPr lvl="0"/>
             <a:r>
-              <a:rPr lang="en-US" smtClean="0"/>
+              <a:rPr lang="en-US"/>
               <a:t>Click to edit Master text styles</a:t>
             </a:r>
           </a:p>
@@ -1556,7 +1556,7 @@
           <a:lstStyle/>
           <a:p>
             <a:r>
-              <a:rPr lang="en-US" smtClean="0"/>
+              <a:rPr lang="en-US"/>
               <a:t>Click to edit Master title style</a:t>
             </a:r>
             <a:endParaRPr lang="ar-SY"/>
@@ -1585,35 +1585,35 @@
           <a:p>
             <a:pPr lvl="0"/>
             <a:r>
-              <a:rPr lang="en-US" smtClean="0"/>
+              <a:rPr lang="en-US"/>
               <a:t>Click to edit Master text styles</a:t>
             </a:r>
           </a:p>
           <a:p>
             <a:pPr lvl="1"/>
             <a:r>
-              <a:rPr lang="en-US" smtClean="0"/>
+              <a:rPr lang="en-US"/>
               <a:t>Second level</a:t>
             </a:r>
           </a:p>
           <a:p>
             <a:pPr lvl="2"/>
             <a:r>
-              <a:rPr lang="en-US" smtClean="0"/>
+              <a:rPr lang="en-US"/>
               <a:t>Third level</a:t>
             </a:r>
           </a:p>
           <a:p>
             <a:pPr lvl="3"/>
             <a:r>
-              <a:rPr lang="en-US" smtClean="0"/>
+              <a:rPr lang="en-US"/>
               <a:t>Fourth level</a:t>
             </a:r>
           </a:p>
           <a:p>
             <a:pPr lvl="4"/>
             <a:r>
-              <a:rPr lang="en-US" smtClean="0"/>
+              <a:rPr lang="en-US"/>
               <a:t>Fifth level</a:t>
             </a:r>
             <a:endParaRPr lang="ar-SY"/>
@@ -1642,35 +1642,35 @@
           <a:p>
             <a:pPr lvl="0"/>
             <a:r>
-              <a:rPr lang="en-US" smtClean="0"/>
+              <a:rPr lang="en-US"/>
               <a:t>Click to edit Master text styles</a:t>
             </a:r>
           </a:p>
           <a:p>
             <a:pPr lvl="1"/>
             <a:r>
-              <a:rPr lang="en-US" smtClean="0"/>
+              <a:rPr lang="en-US"/>
               <a:t>Second level</a:t>
             </a:r>
           </a:p>
           <a:p>
             <a:pPr lvl="2"/>
             <a:r>
-              <a:rPr lang="en-US" smtClean="0"/>
+              <a:rPr lang="en-US"/>
               <a:t>Third level</a:t>
             </a:r>
           </a:p>
           <a:p>
             <a:pPr lvl="3"/>
             <a:r>
-              <a:rPr lang="en-US" smtClean="0"/>
+              <a:rPr lang="en-US"/>
               <a:t>Fourth level</a:t>
             </a:r>
           </a:p>
           <a:p>
             <a:pPr lvl="4"/>
             <a:r>
-              <a:rPr lang="en-US" smtClean="0"/>
+              <a:rPr lang="en-US"/>
               <a:t>Fifth level</a:t>
             </a:r>
             <a:endParaRPr lang="ar-SY"/>
@@ -1793,7 +1793,7 @@
           <a:lstStyle/>
           <a:p>
             <a:r>
-              <a:rPr lang="en-US" smtClean="0"/>
+              <a:rPr lang="en-US"/>
               <a:t>Click to edit Master title style</a:t>
             </a:r>
             <a:endParaRPr lang="ar-SY"/>
@@ -1859,7 +1859,7 @@
           <a:p>
             <a:pPr lvl="0"/>
             <a:r>
-              <a:rPr lang="en-US" smtClean="0"/>
+              <a:rPr lang="en-US"/>
               <a:t>Click to edit Master text styles</a:t>
             </a:r>
           </a:p>
@@ -1887,35 +1887,35 @@
           <a:p>
             <a:pPr lvl="0"/>
             <a:r>
-              <a:rPr lang="en-US" smtClean="0"/>
+              <a:rPr lang="en-US"/>
               <a:t>Click to edit Master text styles</a:t>
             </a:r>
           </a:p>
           <a:p>
             <a:pPr lvl="1"/>
             <a:r>
-              <a:rPr lang="en-US" smtClean="0"/>
+              <a:rPr lang="en-US"/>
               <a:t>Second level</a:t>
             </a:r>
           </a:p>
           <a:p>
             <a:pPr lvl="2"/>
             <a:r>
-              <a:rPr lang="en-US" smtClean="0"/>
+              <a:rPr lang="en-US"/>
               <a:t>Third level</a:t>
             </a:r>
           </a:p>
           <a:p>
             <a:pPr lvl="3"/>
             <a:r>
-              <a:rPr lang="en-US" smtClean="0"/>
+              <a:rPr lang="en-US"/>
               <a:t>Fourth level</a:t>
             </a:r>
           </a:p>
           <a:p>
             <a:pPr lvl="4"/>
             <a:r>
-              <a:rPr lang="en-US" smtClean="0"/>
+              <a:rPr lang="en-US"/>
               <a:t>Fifth level</a:t>
             </a:r>
             <a:endParaRPr lang="ar-SY"/>
@@ -1981,7 +1981,7 @@
           <a:p>
             <a:pPr lvl="0"/>
             <a:r>
-              <a:rPr lang="en-US" smtClean="0"/>
+              <a:rPr lang="en-US"/>
               <a:t>Click to edit Master text styles</a:t>
             </a:r>
           </a:p>
@@ -2009,35 +2009,35 @@
           <a:p>
             <a:pPr lvl="0"/>
             <a:r>
-              <a:rPr lang="en-US" smtClean="0"/>
+              <a:rPr lang="en-US"/>
               <a:t>Click to edit Master text styles</a:t>
             </a:r>
           </a:p>
           <a:p>
             <a:pPr lvl="1"/>
             <a:r>
-              <a:rPr lang="en-US" smtClean="0"/>
+              <a:rPr lang="en-US"/>
               <a:t>Second level</a:t>
             </a:r>
           </a:p>
           <a:p>
             <a:pPr lvl="2"/>
             <a:r>
-              <a:rPr lang="en-US" smtClean="0"/>
+              <a:rPr lang="en-US"/>
               <a:t>Third level</a:t>
             </a:r>
           </a:p>
           <a:p>
             <a:pPr lvl="3"/>
             <a:r>
-              <a:rPr lang="en-US" smtClean="0"/>
+              <a:rPr lang="en-US"/>
               <a:t>Fourth level</a:t>
             </a:r>
           </a:p>
           <a:p>
             <a:pPr lvl="4"/>
             <a:r>
-              <a:rPr lang="en-US" smtClean="0"/>
+              <a:rPr lang="en-US"/>
               <a:t>Fifth level</a:t>
             </a:r>
             <a:endParaRPr lang="ar-SY"/>
@@ -2155,7 +2155,7 @@
           <a:lstStyle/>
           <a:p>
             <a:r>
-              <a:rPr lang="en-US" smtClean="0"/>
+              <a:rPr lang="en-US"/>
               <a:t>Click to edit Master title style</a:t>
             </a:r>
             <a:endParaRPr lang="ar-SY"/>
@@ -2377,7 +2377,7 @@
           </a:lstStyle>
           <a:p>
             <a:r>
-              <a:rPr lang="en-US" smtClean="0"/>
+              <a:rPr lang="en-US"/>
               <a:t>Click to edit Master title style</a:t>
             </a:r>
             <a:endParaRPr lang="ar-SY"/>
@@ -2434,35 +2434,35 @@
           <a:p>
             <a:pPr lvl="0"/>
             <a:r>
-              <a:rPr lang="en-US" smtClean="0"/>
+              <a:rPr lang="en-US"/>
               <a:t>Click to edit Master text styles</a:t>
             </a:r>
           </a:p>
           <a:p>
             <a:pPr lvl="1"/>
             <a:r>
-              <a:rPr lang="en-US" smtClean="0"/>
+              <a:rPr lang="en-US"/>
               <a:t>Second level</a:t>
             </a:r>
           </a:p>
           <a:p>
             <a:pPr lvl="2"/>
             <a:r>
-              <a:rPr lang="en-US" smtClean="0"/>
+              <a:rPr lang="en-US"/>
               <a:t>Third level</a:t>
             </a:r>
           </a:p>
           <a:p>
             <a:pPr lvl="3"/>
             <a:r>
-              <a:rPr lang="en-US" smtClean="0"/>
+              <a:rPr lang="en-US"/>
               <a:t>Fourth level</a:t>
             </a:r>
           </a:p>
           <a:p>
             <a:pPr lvl="4"/>
             <a:r>
-              <a:rPr lang="en-US" smtClean="0"/>
+              <a:rPr lang="en-US"/>
               <a:t>Fifth level</a:t>
             </a:r>
             <a:endParaRPr lang="ar-SY"/>
@@ -2528,7 +2528,7 @@
           <a:p>
             <a:pPr lvl="0"/>
             <a:r>
-              <a:rPr lang="en-US" smtClean="0"/>
+              <a:rPr lang="en-US"/>
               <a:t>Click to edit Master text styles</a:t>
             </a:r>
           </a:p>
@@ -2654,7 +2654,7 @@
           </a:lstStyle>
           <a:p>
             <a:r>
-              <a:rPr lang="en-US" smtClean="0"/>
+              <a:rPr lang="en-US"/>
               <a:t>Click to edit Master title style</a:t>
             </a:r>
             <a:endParaRPr lang="ar-SY"/>
@@ -2781,7 +2781,7 @@
           <a:p>
             <a:pPr lvl="0"/>
             <a:r>
-              <a:rPr lang="en-US" smtClean="0"/>
+              <a:rPr lang="en-US"/>
               <a:t>Click to edit Master text styles</a:t>
             </a:r>
           </a:p>
@@ -2913,7 +2913,7 @@
           <a:lstStyle/>
           <a:p>
             <a:r>
-              <a:rPr lang="en-US" smtClean="0"/>
+              <a:rPr lang="en-US"/>
               <a:t>Click to edit Master title style</a:t>
             </a:r>
             <a:endParaRPr lang="ar-SY"/>
@@ -2947,35 +2947,35 @@
           <a:p>
             <a:pPr lvl="0"/>
             <a:r>
-              <a:rPr lang="en-US" smtClean="0"/>
+              <a:rPr lang="en-US"/>
               <a:t>Click to edit Master text styles</a:t>
             </a:r>
           </a:p>
           <a:p>
             <a:pPr lvl="1"/>
             <a:r>
-              <a:rPr lang="en-US" smtClean="0"/>
+              <a:rPr lang="en-US"/>
               <a:t>Second level</a:t>
             </a:r>
           </a:p>
           <a:p>
             <a:pPr lvl="2"/>
             <a:r>
-              <a:rPr lang="en-US" smtClean="0"/>
+              <a:rPr lang="en-US"/>
               <a:t>Third level</a:t>
             </a:r>
           </a:p>
           <a:p>
             <a:pPr lvl="3"/>
             <a:r>
-              <a:rPr lang="en-US" smtClean="0"/>
+              <a:rPr lang="en-US"/>
               <a:t>Fourth level</a:t>
             </a:r>
           </a:p>
           <a:p>
             <a:pPr lvl="4"/>
             <a:r>
-              <a:rPr lang="en-US" smtClean="0"/>
+              <a:rPr lang="en-US"/>
               <a:t>Fifth level</a:t>
             </a:r>
             <a:endParaRPr lang="ar-SY"/>
@@ -3538,7 +3538,7 @@
           <a:lstStyle/>
           <a:p>
             <a:r>
-              <a:rPr lang="fa-IR" sz="4400" b="1" dirty="0" smtClean="0">
+              <a:rPr lang="fa-IR" sz="4400" b="1" dirty="0">
                 <a:solidFill>
                   <a:schemeClr val="bg1"/>
                 </a:solidFill>
@@ -3594,7 +3594,7 @@
           <a:lstStyle/>
           <a:p>
             <a:r>
-              <a:rPr lang="en-US" sz="2800" dirty="0" smtClean="0">
+              <a:rPr lang="en-US" sz="2800" dirty="0">
                 <a:solidFill>
                   <a:schemeClr val="bg1"/>
                 </a:solidFill>
@@ -4261,7 +4261,7 @@
           <a:lstStyle/>
           <a:p>
             <a:r>
-              <a:rPr lang="en-US" sz="5400" b="1" dirty="0" smtClean="0">
+              <a:rPr lang="en-US" sz="5400" b="1" dirty="0">
                 <a:solidFill>
                   <a:schemeClr val="bg1"/>
                 </a:solidFill>
@@ -4276,19 +4276,6 @@
               </a:rPr>
               <a:t>4 – The problems</a:t>
             </a:r>
-            <a:endParaRPr lang="en-US" sz="5400" b="1" dirty="0">
-              <a:solidFill>
-                <a:schemeClr val="bg1"/>
-              </a:solidFill>
-              <a:effectLst>
-                <a:outerShdw blurRad="38100" dist="38100" dir="2700000" algn="tl">
-                  <a:srgbClr val="000000">
-                    <a:alpha val="43137"/>
-                  </a:srgbClr>
-                </a:outerShdw>
-              </a:effectLst>
-              <a:latin typeface="Britannic Bold" panose="020B0903060703020204" pitchFamily="34" charset="0"/>
-            </a:endParaRPr>
           </a:p>
         </p:txBody>
       </p:sp>
@@ -4300,8 +4287,8 @@
         </p:nvSpPr>
         <p:spPr>
           <a:xfrm>
-            <a:off x="1660505" y="3937295"/>
-            <a:ext cx="3639138" cy="461665"/>
+            <a:off x="591303" y="3937295"/>
+            <a:ext cx="4708340" cy="461665"/>
           </a:xfrm>
           <a:prstGeom prst="rect">
             <a:avLst/>
@@ -4316,14 +4303,14 @@
           <a:p>
             <a:pPr algn="r" rtl="0"/>
             <a:r>
-              <a:rPr lang="fa-IR" sz="2400" dirty="0" smtClean="0">
+              <a:rPr lang="fa-IR" sz="2400" dirty="0">
                 <a:solidFill>
                   <a:schemeClr val="bg1">
                     <a:lumMod val="65000"/>
                   </a:schemeClr>
                 </a:solidFill>
               </a:rPr>
-              <a:t>3 – قابلیت حرکت نکردن در نوبت</a:t>
+              <a:t>3 – قابلیت ممنوعیت حرکت نکردن در نوبت</a:t>
             </a:r>
             <a:endParaRPr lang="ar-SY" sz="2400" dirty="0">
               <a:solidFill>
@@ -4393,7 +4380,7 @@
             <a:lstStyle/>
             <a:p>
               <a:pPr algn="ctr"/>
-              <a:endParaRPr lang="en-US" dirty="0" smtClean="0"/>
+              <a:endParaRPr lang="en-US" dirty="0"/>
             </a:p>
           </p:txBody>
         </p:sp>
@@ -4753,7 +4740,7 @@
           <a:lstStyle/>
           <a:p>
             <a:r>
-              <a:rPr lang="en-US" sz="5400" b="1" dirty="0" smtClean="0">
+              <a:rPr lang="en-US" sz="5400" b="1" dirty="0">
                 <a:solidFill>
                   <a:schemeClr val="bg1"/>
                 </a:solidFill>
@@ -4768,19 +4755,6 @@
               </a:rPr>
               <a:t>4 – The problems</a:t>
             </a:r>
-            <a:endParaRPr lang="en-US" sz="5400" b="1" dirty="0">
-              <a:solidFill>
-                <a:schemeClr val="bg1"/>
-              </a:solidFill>
-              <a:effectLst>
-                <a:outerShdw blurRad="38100" dist="38100" dir="2700000" algn="tl">
-                  <a:srgbClr val="000000">
-                    <a:alpha val="43137"/>
-                  </a:srgbClr>
-                </a:outerShdw>
-              </a:effectLst>
-              <a:latin typeface="Britannic Bold" panose="020B0903060703020204" pitchFamily="34" charset="0"/>
-            </a:endParaRPr>
           </a:p>
         </p:txBody>
       </p:sp>
@@ -4792,8 +4766,8 @@
         </p:nvSpPr>
         <p:spPr>
           <a:xfrm>
-            <a:off x="2013166" y="3937295"/>
-            <a:ext cx="3286477" cy="461665"/>
+            <a:off x="1019304" y="3937295"/>
+            <a:ext cx="4280339" cy="461665"/>
           </a:xfrm>
           <a:prstGeom prst="rect">
             <a:avLst/>
@@ -4808,14 +4782,14 @@
           <a:p>
             <a:pPr algn="r" rtl="0"/>
             <a:r>
-              <a:rPr lang="fa-IR" sz="2400" dirty="0" smtClean="0">
+              <a:rPr lang="fa-IR" sz="2400" dirty="0">
                 <a:solidFill>
                   <a:schemeClr val="bg1">
                     <a:lumMod val="65000"/>
                   </a:schemeClr>
                 </a:solidFill>
               </a:rPr>
-              <a:t>4- قابلیت انتخاب موقعیت خالی</a:t>
+              <a:t>4- قابلیت ممنوعیت انتخاب موقعیت خالی</a:t>
             </a:r>
             <a:endParaRPr lang="ar-SY" sz="2400" dirty="0">
               <a:solidFill>
@@ -4885,7 +4859,7 @@
             <a:lstStyle/>
             <a:p>
               <a:pPr algn="ctr"/>
-              <a:endParaRPr lang="en-US" dirty="0" smtClean="0"/>
+              <a:endParaRPr lang="en-US" dirty="0"/>
             </a:p>
           </p:txBody>
         </p:sp>
@@ -5245,7 +5219,7 @@
           <a:lstStyle/>
           <a:p>
             <a:r>
-              <a:rPr lang="en-US" sz="5400" b="1" dirty="0" smtClean="0">
+              <a:rPr lang="en-US" sz="5400" b="1" dirty="0">
                 <a:solidFill>
                   <a:schemeClr val="bg1"/>
                 </a:solidFill>
@@ -5260,19 +5234,6 @@
               </a:rPr>
               <a:t>4 – The problems</a:t>
             </a:r>
-            <a:endParaRPr lang="en-US" sz="5400" b="1" dirty="0">
-              <a:solidFill>
-                <a:schemeClr val="bg1"/>
-              </a:solidFill>
-              <a:effectLst>
-                <a:outerShdw blurRad="38100" dist="38100" dir="2700000" algn="tl">
-                  <a:srgbClr val="000000">
-                    <a:alpha val="43137"/>
-                  </a:srgbClr>
-                </a:outerShdw>
-              </a:effectLst>
-              <a:latin typeface="Britannic Bold" panose="020B0903060703020204" pitchFamily="34" charset="0"/>
-            </a:endParaRPr>
           </a:p>
         </p:txBody>
       </p:sp>
@@ -5300,7 +5261,7 @@
           <a:p>
             <a:pPr algn="r" rtl="0"/>
             <a:r>
-              <a:rPr lang="fa-IR" sz="2400" dirty="0" smtClean="0">
+              <a:rPr lang="fa-IR" sz="2400" dirty="0">
                 <a:solidFill>
                   <a:schemeClr val="bg1">
                     <a:lumMod val="65000"/>
@@ -5377,7 +5338,7 @@
             <a:lstStyle/>
             <a:p>
               <a:pPr algn="ctr"/>
-              <a:endParaRPr lang="en-US" dirty="0" smtClean="0"/>
+              <a:endParaRPr lang="en-US" dirty="0"/>
             </a:p>
           </p:txBody>
         </p:sp>
@@ -5737,7 +5698,7 @@
           <a:lstStyle/>
           <a:p>
             <a:r>
-              <a:rPr lang="en-US" sz="5400" b="1" dirty="0" smtClean="0">
+              <a:rPr lang="en-US" sz="5400" b="1" dirty="0">
                 <a:solidFill>
                   <a:schemeClr val="bg1"/>
                 </a:solidFill>
@@ -5752,19 +5713,6 @@
               </a:rPr>
               <a:t>5 – Features</a:t>
             </a:r>
-            <a:endParaRPr lang="en-US" sz="5400" b="1" dirty="0">
-              <a:solidFill>
-                <a:schemeClr val="bg1"/>
-              </a:solidFill>
-              <a:effectLst>
-                <a:outerShdw blurRad="38100" dist="38100" dir="2700000" algn="tl">
-                  <a:srgbClr val="000000">
-                    <a:alpha val="43137"/>
-                  </a:srgbClr>
-                </a:outerShdw>
-              </a:effectLst>
-              <a:latin typeface="Britannic Bold" panose="020B0903060703020204" pitchFamily="34" charset="0"/>
-            </a:endParaRPr>
           </a:p>
         </p:txBody>
       </p:sp>
@@ -5776,8 +5724,8 @@
         </p:nvSpPr>
         <p:spPr>
           <a:xfrm>
-            <a:off x="2013166" y="3937295"/>
-            <a:ext cx="3286477" cy="461665"/>
+            <a:off x="1448909" y="3937295"/>
+            <a:ext cx="3850734" cy="461665"/>
           </a:xfrm>
           <a:prstGeom prst="rect">
             <a:avLst/>
@@ -5792,24 +5740,14 @@
           <a:p>
             <a:pPr algn="r" rtl="0"/>
             <a:r>
-              <a:rPr lang="fa-IR" sz="2400" dirty="0" smtClean="0">
+              <a:rPr lang="fa-IR" sz="2400" dirty="0">
                 <a:solidFill>
                   <a:schemeClr val="bg1">
                     <a:lumMod val="65000"/>
                   </a:schemeClr>
                 </a:solidFill>
               </a:rPr>
-              <a:t>1 – اضافه بخش </a:t>
-            </a:r>
-            <a:r>
-              <a:rPr lang="fa-IR" sz="2400" dirty="0" smtClean="0">
-                <a:solidFill>
-                  <a:schemeClr val="bg1">
-                    <a:lumMod val="65000"/>
-                  </a:schemeClr>
-                </a:solidFill>
-              </a:rPr>
-              <a:t>اسان و سخت</a:t>
+              <a:t>1 – اضافه کردن بخش اسان و سخت</a:t>
             </a:r>
             <a:endParaRPr lang="ar-SY" sz="2400" dirty="0">
               <a:solidFill>
@@ -5879,7 +5817,7 @@
             <a:lstStyle/>
             <a:p>
               <a:pPr algn="ctr"/>
-              <a:endParaRPr lang="en-US" dirty="0" smtClean="0"/>
+              <a:endParaRPr lang="en-US" dirty="0"/>
             </a:p>
           </p:txBody>
         </p:sp>
@@ -6287,7 +6225,7 @@
             <a:p>
               <a:pPr algn="l"/>
               <a:r>
-                <a:rPr lang="en-US" dirty="0" smtClean="0">
+                <a:rPr lang="en-US" dirty="0">
                   <a:solidFill>
                     <a:schemeClr val="bg1"/>
                   </a:solidFill>
@@ -6298,7 +6236,7 @@
             <a:p>
               <a:pPr algn="l"/>
               <a:r>
-                <a:rPr lang="en-US" dirty="0" smtClean="0">
+                <a:rPr lang="en-US" dirty="0">
                   <a:solidFill>
                     <a:schemeClr val="bg1"/>
                   </a:solidFill>
@@ -6309,7 +6247,7 @@
             <a:p>
               <a:pPr algn="l"/>
               <a:r>
-                <a:rPr lang="en-US" dirty="0" smtClean="0">
+                <a:rPr lang="en-US" dirty="0">
                   <a:solidFill>
                     <a:schemeClr val="bg1"/>
                   </a:solidFill>
@@ -6317,7 +6255,7 @@
                 <a:t>	</a:t>
               </a:r>
               <a:r>
-                <a:rPr lang="en-US" dirty="0" err="1" smtClean="0">
+                <a:rPr lang="en-US" dirty="0" err="1">
                   <a:solidFill>
                     <a:schemeClr val="bg1"/>
                   </a:solidFill>
@@ -6325,7 +6263,7 @@
                 <a:t>int</a:t>
               </a:r>
               <a:r>
-                <a:rPr lang="en-US" dirty="0" smtClean="0">
+                <a:rPr lang="en-US" dirty="0">
                   <a:solidFill>
                     <a:schemeClr val="bg1"/>
                   </a:solidFill>
@@ -6336,7 +6274,7 @@
             <a:p>
               <a:pPr algn="l"/>
               <a:r>
-                <a:rPr lang="en-US" dirty="0" smtClean="0">
+                <a:rPr lang="en-US" dirty="0">
                   <a:solidFill>
                     <a:schemeClr val="bg1"/>
                   </a:solidFill>
@@ -6344,7 +6282,7 @@
                 <a:t>	</a:t>
               </a:r>
               <a:r>
-                <a:rPr lang="en-US" dirty="0" err="1" smtClean="0">
+                <a:rPr lang="en-US" dirty="0" err="1">
                   <a:solidFill>
                     <a:schemeClr val="bg1"/>
                   </a:solidFill>
@@ -6352,7 +6290,7 @@
                 <a:t>printf</a:t>
               </a:r>
               <a:r>
-                <a:rPr lang="en-US" dirty="0" smtClean="0">
+                <a:rPr lang="en-US" dirty="0">
                   <a:solidFill>
                     <a:schemeClr val="bg1"/>
                   </a:solidFill>
@@ -6363,7 +6301,7 @@
             <a:p>
               <a:pPr algn="l"/>
               <a:r>
-                <a:rPr lang="en-US" dirty="0" smtClean="0">
+                <a:rPr lang="en-US" dirty="0">
                   <a:solidFill>
                     <a:schemeClr val="bg1"/>
                   </a:solidFill>
@@ -6374,7 +6312,7 @@
             <a:p>
               <a:pPr algn="l"/>
               <a:r>
-                <a:rPr lang="en-US" dirty="0" smtClean="0">
+                <a:rPr lang="en-US" dirty="0">
                   <a:solidFill>
                     <a:schemeClr val="bg1"/>
                   </a:solidFill>
@@ -6382,7 +6320,7 @@
                 <a:t>			</a:t>
               </a:r>
               <a:r>
-                <a:rPr lang="en-US" dirty="0" err="1" smtClean="0">
+                <a:rPr lang="en-US" dirty="0" err="1">
                   <a:solidFill>
                     <a:schemeClr val="bg1"/>
                   </a:solidFill>
@@ -6390,7 +6328,7 @@
                 <a:t>printf</a:t>
               </a:r>
               <a:r>
-                <a:rPr lang="en-US" dirty="0" smtClean="0">
+                <a:rPr lang="en-US" dirty="0">
                   <a:solidFill>
                     <a:schemeClr val="bg1"/>
                   </a:solidFill>
@@ -6398,7 +6336,7 @@
                 <a:t>("1.</a:t>
               </a:r>
               <a:r>
-                <a:rPr lang="en-US" dirty="0" smtClean="0">
+                <a:rPr lang="en-US" dirty="0">
                   <a:solidFill>
                     <a:srgbClr val="C00000"/>
                   </a:solidFill>
@@ -6406,7 +6344,7 @@
                 <a:t>easy</a:t>
               </a:r>
               <a:r>
-                <a:rPr lang="en-US" dirty="0" smtClean="0">
+                <a:rPr lang="en-US" dirty="0">
                   <a:solidFill>
                     <a:schemeClr val="bg1"/>
                   </a:solidFill>
@@ -6414,7 +6352,7 @@
                 <a:t> \t\t 2</a:t>
               </a:r>
               <a:r>
-                <a:rPr lang="en-US" dirty="0" smtClean="0">
+                <a:rPr lang="en-US" dirty="0">
                   <a:solidFill>
                     <a:srgbClr val="C00000"/>
                   </a:solidFill>
@@ -6422,7 +6360,7 @@
                 <a:t>.hard</a:t>
               </a:r>
               <a:r>
-                <a:rPr lang="en-US" dirty="0" smtClean="0">
+                <a:rPr lang="en-US" dirty="0">
                   <a:solidFill>
                     <a:schemeClr val="bg1"/>
                   </a:solidFill>
@@ -6433,7 +6371,7 @@
             <a:p>
               <a:pPr algn="l"/>
               <a:r>
-                <a:rPr lang="en-US" dirty="0" smtClean="0">
+                <a:rPr lang="en-US" dirty="0">
                   <a:solidFill>
                     <a:schemeClr val="bg1"/>
                   </a:solidFill>
@@ -6441,7 +6379,7 @@
                 <a:t>       		</a:t>
               </a:r>
               <a:r>
-                <a:rPr lang="en-US" dirty="0" err="1" smtClean="0">
+                <a:rPr lang="en-US" dirty="0" err="1">
                   <a:solidFill>
                     <a:schemeClr val="bg1"/>
                   </a:solidFill>
@@ -6449,7 +6387,7 @@
                 <a:t>scanf</a:t>
               </a:r>
               <a:r>
-                <a:rPr lang="en-US" dirty="0" smtClean="0">
+                <a:rPr lang="en-US" dirty="0">
                   <a:solidFill>
                     <a:schemeClr val="bg1"/>
                   </a:solidFill>
@@ -6457,7 +6395,7 @@
                 <a:t>("%</a:t>
               </a:r>
               <a:r>
-                <a:rPr lang="en-US" dirty="0" err="1" smtClean="0">
+                <a:rPr lang="en-US" dirty="0" err="1">
                   <a:solidFill>
                     <a:schemeClr val="bg1"/>
                   </a:solidFill>
@@ -6465,7 +6403,7 @@
                 <a:t>d",&amp;b</a:t>
               </a:r>
               <a:r>
-                <a:rPr lang="en-US" dirty="0" smtClean="0">
+                <a:rPr lang="en-US" dirty="0">
                   <a:solidFill>
                     <a:schemeClr val="bg1"/>
                   </a:solidFill>
@@ -6476,7 +6414,7 @@
             <a:p>
               <a:pPr algn="l"/>
               <a:r>
-                <a:rPr lang="en-US" dirty="0" smtClean="0">
+                <a:rPr lang="en-US" dirty="0">
                   <a:solidFill>
                     <a:schemeClr val="bg1"/>
                   </a:solidFill>
@@ -6487,7 +6425,7 @@
             <a:p>
               <a:pPr algn="l"/>
               <a:r>
-                <a:rPr lang="en-US" dirty="0" smtClean="0">
+                <a:rPr lang="en-US" dirty="0">
                   <a:solidFill>
                     <a:schemeClr val="bg1"/>
                   </a:solidFill>
@@ -6498,7 +6436,7 @@
             <a:p>
               <a:pPr algn="l"/>
               <a:r>
-                <a:rPr lang="en-US" dirty="0" smtClean="0">
+                <a:rPr lang="en-US" dirty="0">
                   <a:solidFill>
                     <a:schemeClr val="bg1"/>
                   </a:solidFill>
@@ -6509,7 +6447,7 @@
             <a:p>
               <a:pPr algn="l"/>
               <a:r>
-                <a:rPr lang="en-US" dirty="0" smtClean="0">
+                <a:rPr lang="en-US" dirty="0">
                   <a:solidFill>
                     <a:schemeClr val="bg1"/>
                   </a:solidFill>
@@ -6517,7 +6455,7 @@
                 <a:t>       					</a:t>
               </a:r>
               <a:r>
-                <a:rPr lang="en-US" dirty="0" err="1" smtClean="0">
+                <a:rPr lang="en-US" dirty="0" err="1">
                   <a:solidFill>
                     <a:schemeClr val="bg1"/>
                   </a:solidFill>
@@ -6525,7 +6463,7 @@
                 <a:t>printf</a:t>
               </a:r>
               <a:r>
-                <a:rPr lang="en-US" dirty="0" smtClean="0">
+                <a:rPr lang="en-US" dirty="0">
                   <a:solidFill>
                     <a:schemeClr val="bg1"/>
                   </a:solidFill>
@@ -6533,7 +6471,7 @@
                 <a:t>("You choose easy We will show you \</a:t>
               </a:r>
               <a:r>
-                <a:rPr lang="en-US" dirty="0" err="1" smtClean="0">
+                <a:rPr lang="en-US" dirty="0" err="1">
                   <a:solidFill>
                     <a:schemeClr val="bg1"/>
                   </a:solidFill>
@@ -6541,7 +6479,7 @@
                 <a:t>nthe</a:t>
               </a:r>
               <a:r>
-                <a:rPr lang="en-US" dirty="0" smtClean="0">
+                <a:rPr lang="en-US" dirty="0">
                   <a:solidFill>
                     <a:schemeClr val="bg1"/>
                   </a:solidFill>
@@ -6549,7 +6487,7 @@
                 <a:t> full movements of each </a:t>
               </a:r>
               <a:r>
-                <a:rPr lang="en-US" dirty="0" err="1" smtClean="0">
+                <a:rPr lang="en-US" dirty="0" err="1">
                   <a:solidFill>
                     <a:schemeClr val="bg1"/>
                   </a:solidFill>
@@ -6557,7 +6495,7 @@
                 <a:t>elemnts</a:t>
               </a:r>
               <a:r>
-                <a:rPr lang="en-US" dirty="0" smtClean="0">
+                <a:rPr lang="en-US" dirty="0">
                   <a:solidFill>
                     <a:schemeClr val="bg1"/>
                   </a:solidFill>
@@ -6568,7 +6506,7 @@
             <a:p>
               <a:pPr algn="l"/>
               <a:r>
-                <a:rPr lang="en-US" dirty="0" smtClean="0">
+                <a:rPr lang="en-US" dirty="0">
                   <a:solidFill>
                     <a:schemeClr val="bg1"/>
                   </a:solidFill>
@@ -6576,7 +6514,7 @@
                 <a:t>       					</a:t>
               </a:r>
               <a:r>
-                <a:rPr lang="en-US" dirty="0" err="1" smtClean="0">
+                <a:rPr lang="en-US" dirty="0" err="1">
                   <a:solidFill>
                     <a:schemeClr val="bg1"/>
                   </a:solidFill>
@@ -6584,7 +6522,7 @@
                 <a:t>ctr</a:t>
               </a:r>
               <a:r>
-                <a:rPr lang="en-US" dirty="0" smtClean="0">
+                <a:rPr lang="en-US" dirty="0">
                   <a:solidFill>
                     <a:schemeClr val="bg1"/>
                   </a:solidFill>
@@ -6726,23 +6664,18 @@
             <a:p>
               <a:pPr algn="l"/>
               <a:r>
-                <a:rPr lang="en-US" sz="1400" dirty="0" smtClean="0">
+                <a:rPr lang="en-US" sz="1400" dirty="0">
                   <a:solidFill>
                     <a:schemeClr val="bg1"/>
                   </a:solidFill>
                 </a:rPr>
                 <a:t> 	</a:t>
               </a:r>
-              <a:endParaRPr lang="en-US" sz="1400" dirty="0">
-                <a:solidFill>
-                  <a:schemeClr val="bg1"/>
-                </a:solidFill>
-              </a:endParaRPr>
-            </a:p>
-            <a:p>
-              <a:pPr algn="l"/>
-              <a:r>
-                <a:rPr lang="en-US" sz="1400" dirty="0" err="1" smtClean="0">
+            </a:p>
+            <a:p>
+              <a:pPr algn="l"/>
+              <a:r>
+                <a:rPr lang="en-US" sz="1400" dirty="0" err="1">
                   <a:solidFill>
                     <a:schemeClr val="bg1"/>
                   </a:solidFill>
@@ -6750,7 +6683,7 @@
                 <a:t>getch</a:t>
               </a:r>
               <a:r>
-                <a:rPr lang="en-US" sz="1400" dirty="0" smtClean="0">
+                <a:rPr lang="en-US" sz="1400" dirty="0">
                   <a:solidFill>
                     <a:schemeClr val="bg1"/>
                   </a:solidFill>
@@ -6761,7 +6694,7 @@
             <a:p>
               <a:pPr algn="l"/>
               <a:r>
-                <a:rPr lang="en-US" sz="1400" dirty="0" smtClean="0">
+                <a:rPr lang="en-US" sz="1400" dirty="0">
                   <a:solidFill>
                     <a:schemeClr val="bg1"/>
                   </a:solidFill>
@@ -6772,7 +6705,7 @@
             <a:p>
               <a:pPr algn="l"/>
               <a:r>
-                <a:rPr lang="en-US" sz="1400" dirty="0" smtClean="0">
+                <a:rPr lang="en-US" sz="1400" dirty="0">
                   <a:solidFill>
                     <a:schemeClr val="bg1"/>
                   </a:solidFill>
@@ -6783,7 +6716,7 @@
             <a:p>
               <a:pPr algn="l"/>
               <a:r>
-                <a:rPr lang="en-US" sz="1400" dirty="0" smtClean="0">
+                <a:rPr lang="en-US" sz="1400" dirty="0">
                   <a:solidFill>
                     <a:schemeClr val="bg1"/>
                   </a:solidFill>
@@ -6794,7 +6727,7 @@
             <a:p>
               <a:pPr algn="l"/>
               <a:r>
-                <a:rPr lang="en-US" sz="1400" dirty="0" smtClean="0">
+                <a:rPr lang="en-US" sz="1400" dirty="0">
                   <a:solidFill>
                     <a:schemeClr val="bg1"/>
                   </a:solidFill>
@@ -6805,7 +6738,7 @@
             <a:p>
               <a:pPr algn="l"/>
               <a:r>
-                <a:rPr lang="en-US" sz="1400" dirty="0" smtClean="0">
+                <a:rPr lang="en-US" sz="1400" dirty="0">
                   <a:solidFill>
                     <a:schemeClr val="bg1"/>
                   </a:solidFill>
@@ -6816,7 +6749,7 @@
             <a:p>
               <a:pPr algn="l"/>
               <a:r>
-                <a:rPr lang="en-US" sz="1400" dirty="0" smtClean="0">
+                <a:rPr lang="en-US" sz="1400" dirty="0">
                   <a:solidFill>
                     <a:schemeClr val="bg1"/>
                   </a:solidFill>
@@ -6824,7 +6757,7 @@
                 <a:t>        				</a:t>
               </a:r>
               <a:r>
-                <a:rPr lang="en-US" sz="1400" dirty="0" err="1" smtClean="0">
+                <a:rPr lang="en-US" sz="1400" dirty="0" err="1">
                   <a:solidFill>
                     <a:schemeClr val="bg1"/>
                   </a:solidFill>
@@ -6832,7 +6765,7 @@
                 <a:t>printf</a:t>
               </a:r>
               <a:r>
-                <a:rPr lang="en-US" sz="1400" dirty="0" smtClean="0">
+                <a:rPr lang="en-US" sz="1400" dirty="0">
                   <a:solidFill>
                     <a:schemeClr val="bg1"/>
                   </a:solidFill>
@@ -6843,7 +6776,7 @@
             <a:p>
               <a:pPr algn="l"/>
               <a:r>
-                <a:rPr lang="en-US" sz="1400" dirty="0" smtClean="0">
+                <a:rPr lang="en-US" sz="1400" dirty="0">
                   <a:solidFill>
                     <a:schemeClr val="bg1"/>
                   </a:solidFill>
@@ -6851,7 +6784,7 @@
                 <a:t>        				</a:t>
               </a:r>
               <a:r>
-                <a:rPr lang="en-US" sz="1400" dirty="0" err="1" smtClean="0">
+                <a:rPr lang="en-US" sz="1400" dirty="0" err="1">
                   <a:solidFill>
                     <a:schemeClr val="bg1"/>
                   </a:solidFill>
@@ -6859,7 +6792,7 @@
                 <a:t>getch</a:t>
               </a:r>
               <a:r>
-                <a:rPr lang="en-US" sz="1400" dirty="0" smtClean="0">
+                <a:rPr lang="en-US" sz="1400" dirty="0">
                   <a:solidFill>
                     <a:schemeClr val="bg1"/>
                   </a:solidFill>
@@ -6870,7 +6803,7 @@
             <a:p>
               <a:pPr algn="l"/>
               <a:r>
-                <a:rPr lang="en-US" sz="1400" dirty="0" smtClean="0">
+                <a:rPr lang="en-US" sz="1400" dirty="0">
                   <a:solidFill>
                     <a:schemeClr val="bg1"/>
                   </a:solidFill>
@@ -6878,7 +6811,7 @@
                 <a:t>        				system( "</a:t>
               </a:r>
               <a:r>
-                <a:rPr lang="en-US" sz="1400" dirty="0" err="1" smtClean="0">
+                <a:rPr lang="en-US" sz="1400" dirty="0" err="1">
                   <a:solidFill>
                     <a:schemeClr val="bg1"/>
                   </a:solidFill>
@@ -6886,7 +6819,7 @@
                 <a:t>cls</a:t>
               </a:r>
               <a:r>
-                <a:rPr lang="en-US" sz="1400" dirty="0" smtClean="0">
+                <a:rPr lang="en-US" sz="1400" dirty="0">
                   <a:solidFill>
                     <a:schemeClr val="bg1"/>
                   </a:solidFill>
@@ -6897,7 +6830,7 @@
             <a:p>
               <a:pPr algn="l"/>
               <a:r>
-                <a:rPr lang="en-US" sz="1400" dirty="0" smtClean="0">
+                <a:rPr lang="en-US" sz="1400" dirty="0">
                   <a:solidFill>
                     <a:schemeClr val="bg1"/>
                   </a:solidFill>
@@ -6908,7 +6841,7 @@
             <a:p>
               <a:pPr algn="l"/>
               <a:r>
-                <a:rPr lang="en-US" sz="1400" dirty="0" smtClean="0">
+                <a:rPr lang="en-US" sz="1400" dirty="0">
                   <a:solidFill>
                     <a:schemeClr val="bg1"/>
                   </a:solidFill>
@@ -6919,18 +6852,13 @@
             <a:p>
               <a:pPr algn="l"/>
               <a:r>
-                <a:rPr lang="en-US" sz="1400" dirty="0" smtClean="0">
+                <a:rPr lang="en-US" sz="1400" dirty="0">
                   <a:solidFill>
                     <a:schemeClr val="bg1"/>
                   </a:solidFill>
                 </a:rPr>
                 <a:t>    	</a:t>
               </a:r>
-              <a:endParaRPr lang="en-US" sz="1400" dirty="0">
-                <a:solidFill>
-                  <a:schemeClr val="bg1"/>
-                </a:solidFill>
-              </a:endParaRPr>
             </a:p>
           </p:txBody>
         </p:sp>
@@ -7525,7 +7453,7 @@
           <a:lstStyle/>
           <a:p>
             <a:r>
-              <a:rPr lang="en-US" sz="5400" b="1" dirty="0" smtClean="0">
+              <a:rPr lang="en-US" sz="5400" b="1" dirty="0">
                 <a:solidFill>
                   <a:schemeClr val="bg1"/>
                 </a:solidFill>
@@ -7540,19 +7468,6 @@
               </a:rPr>
               <a:t>5 – Features</a:t>
             </a:r>
-            <a:endParaRPr lang="en-US" sz="5400" b="1" dirty="0">
-              <a:solidFill>
-                <a:schemeClr val="bg1"/>
-              </a:solidFill>
-              <a:effectLst>
-                <a:outerShdw blurRad="38100" dist="38100" dir="2700000" algn="tl">
-                  <a:srgbClr val="000000">
-                    <a:alpha val="43137"/>
-                  </a:srgbClr>
-                </a:outerShdw>
-              </a:effectLst>
-              <a:latin typeface="Britannic Bold" panose="020B0903060703020204" pitchFamily="34" charset="0"/>
-            </a:endParaRPr>
           </a:p>
         </p:txBody>
       </p:sp>
@@ -7564,8 +7479,8 @@
         </p:nvSpPr>
         <p:spPr>
           <a:xfrm>
-            <a:off x="1982014" y="3875740"/>
-            <a:ext cx="3106941" cy="461665"/>
+            <a:off x="1358447" y="3875740"/>
+            <a:ext cx="3730508" cy="461665"/>
           </a:xfrm>
           <a:prstGeom prst="rect">
             <a:avLst/>
@@ -7580,14 +7495,14 @@
           <a:p>
             <a:pPr algn="r" rtl="0"/>
             <a:r>
-              <a:rPr lang="fa-IR" sz="2400" dirty="0" smtClean="0">
+              <a:rPr lang="fa-IR" sz="2400" dirty="0">
                 <a:solidFill>
                   <a:schemeClr val="bg1">
                     <a:lumMod val="65000"/>
                   </a:schemeClr>
                 </a:solidFill>
               </a:rPr>
-              <a:t>2- اضافه تنظیمات توی بازی</a:t>
+              <a:t>2- اضافه کردن تنظیمات توی بازی</a:t>
             </a:r>
           </a:p>
         </p:txBody>
@@ -7650,7 +7565,7 @@
             <a:lstStyle/>
             <a:p>
               <a:pPr algn="ctr"/>
-              <a:endParaRPr lang="en-US" dirty="0" smtClean="0"/>
+              <a:endParaRPr lang="en-US" dirty="0"/>
             </a:p>
           </p:txBody>
         </p:sp>
@@ -7970,7 +7885,7 @@
             <a:p>
               <a:pPr algn="l"/>
               <a:r>
-                <a:rPr lang="en-US" dirty="0" err="1" smtClean="0">
+                <a:rPr lang="en-US" dirty="0" err="1">
                   <a:solidFill>
                     <a:schemeClr val="bg1"/>
                   </a:solidFill>
@@ -7978,7 +7893,7 @@
                 <a:t>printf</a:t>
               </a:r>
               <a:r>
-                <a:rPr lang="en-US" dirty="0" smtClean="0">
+                <a:rPr lang="en-US" dirty="0">
                   <a:solidFill>
                     <a:schemeClr val="bg1"/>
                   </a:solidFill>
@@ -7989,7 +7904,7 @@
             <a:p>
               <a:pPr algn="l"/>
               <a:r>
-                <a:rPr lang="en-US" dirty="0" smtClean="0">
+                <a:rPr lang="en-US" dirty="0">
                   <a:solidFill>
                     <a:schemeClr val="bg1"/>
                   </a:solidFill>
@@ -7997,7 +7912,7 @@
                 <a:t> 1.</a:t>
               </a:r>
               <a:r>
-                <a:rPr lang="en-US" dirty="0" smtClean="0">
+                <a:rPr lang="en-US" dirty="0">
                   <a:solidFill>
                     <a:srgbClr val="C00000"/>
                   </a:solidFill>
@@ -8005,7 +7920,7 @@
                 <a:t>Background</a:t>
               </a:r>
               <a:r>
-                <a:rPr lang="en-US" dirty="0" smtClean="0">
+                <a:rPr lang="en-US" dirty="0">
                   <a:solidFill>
                     <a:schemeClr val="bg1"/>
                   </a:solidFill>
@@ -8013,7 +7928,7 @@
                 <a:t> .  \n  2.</a:t>
               </a:r>
               <a:r>
-                <a:rPr lang="en-US" dirty="0" smtClean="0">
+                <a:rPr lang="en-US" dirty="0">
                   <a:solidFill>
                     <a:srgbClr val="C00000"/>
                   </a:solidFill>
@@ -8021,7 +7936,7 @@
                 <a:t>Text</a:t>
               </a:r>
               <a:r>
-                <a:rPr lang="en-US" dirty="0" smtClean="0">
+                <a:rPr lang="en-US" dirty="0">
                   <a:solidFill>
                     <a:schemeClr val="bg1"/>
                   </a:solidFill>
@@ -8029,7 +7944,7 @@
                 <a:t> .   \n  </a:t>
               </a:r>
               <a:r>
-                <a:rPr lang="en-US" dirty="0" smtClean="0">
+                <a:rPr lang="en-US" dirty="0">
                   <a:solidFill>
                     <a:srgbClr val="C00000"/>
                   </a:solidFill>
@@ -8037,7 +7952,7 @@
                 <a:t>3.Both of Them</a:t>
               </a:r>
               <a:r>
-                <a:rPr lang="en-US" dirty="0" smtClean="0">
+                <a:rPr lang="en-US" dirty="0">
                   <a:solidFill>
                     <a:schemeClr val="bg1"/>
                   </a:solidFill>
@@ -8048,7 +7963,7 @@
             <a:p>
               <a:pPr algn="l"/>
               <a:r>
-                <a:rPr lang="en-US" dirty="0" smtClean="0">
+                <a:rPr lang="en-US" dirty="0">
                   <a:solidFill>
                     <a:schemeClr val="bg1"/>
                   </a:solidFill>
@@ -8059,7 +7974,7 @@
             <a:p>
               <a:pPr algn="l"/>
               <a:r>
-                <a:rPr lang="en-US" dirty="0" smtClean="0">
+                <a:rPr lang="en-US" dirty="0">
                   <a:solidFill>
                     <a:schemeClr val="bg1"/>
                   </a:solidFill>
@@ -8067,7 +7982,7 @@
                 <a:t>	</a:t>
               </a:r>
               <a:r>
-                <a:rPr lang="en-US" dirty="0" err="1" smtClean="0">
+                <a:rPr lang="en-US" dirty="0" err="1">
                   <a:solidFill>
                     <a:schemeClr val="bg1"/>
                   </a:solidFill>
@@ -8075,7 +7990,7 @@
                 <a:t>fflush</a:t>
               </a:r>
               <a:r>
-                <a:rPr lang="en-US" dirty="0" smtClean="0">
+                <a:rPr lang="en-US" dirty="0">
                   <a:solidFill>
                     <a:schemeClr val="bg1"/>
                   </a:solidFill>
@@ -8083,7 +7998,7 @@
                 <a:t>(</a:t>
               </a:r>
               <a:r>
-                <a:rPr lang="en-US" dirty="0" err="1" smtClean="0">
+                <a:rPr lang="en-US" dirty="0" err="1">
                   <a:solidFill>
                     <a:schemeClr val="bg1"/>
                   </a:solidFill>
@@ -8091,7 +8006,7 @@
                 <a:t>stdin</a:t>
               </a:r>
               <a:r>
-                <a:rPr lang="en-US" dirty="0" smtClean="0">
+                <a:rPr lang="en-US" dirty="0">
                   <a:solidFill>
                     <a:schemeClr val="bg1"/>
                   </a:solidFill>
@@ -8102,7 +8017,7 @@
             <a:p>
               <a:pPr algn="l"/>
               <a:r>
-                <a:rPr lang="en-US" dirty="0" smtClean="0">
+                <a:rPr lang="en-US" dirty="0">
                   <a:solidFill>
                     <a:schemeClr val="bg1"/>
                   </a:solidFill>
@@ -8110,7 +8025,7 @@
                 <a:t>    </a:t>
               </a:r>
               <a:r>
-                <a:rPr lang="en-US" dirty="0" err="1" smtClean="0">
+                <a:rPr lang="en-US" dirty="0" err="1">
                   <a:solidFill>
                     <a:schemeClr val="bg1"/>
                   </a:solidFill>
@@ -8118,7 +8033,7 @@
                 <a:t>scanf</a:t>
               </a:r>
               <a:r>
-                <a:rPr lang="en-US" dirty="0" smtClean="0">
+                <a:rPr lang="en-US" dirty="0">
                   <a:solidFill>
                     <a:schemeClr val="bg1"/>
                   </a:solidFill>
@@ -8126,7 +8041,7 @@
                 <a:t>("%</a:t>
               </a:r>
               <a:r>
-                <a:rPr lang="en-US" dirty="0" err="1" smtClean="0">
+                <a:rPr lang="en-US" dirty="0" err="1">
                   <a:solidFill>
                     <a:schemeClr val="bg1"/>
                   </a:solidFill>
@@ -8134,7 +8049,7 @@
                 <a:t>d",&amp;user</a:t>
               </a:r>
               <a:r>
-                <a:rPr lang="en-US" dirty="0" smtClean="0">
+                <a:rPr lang="en-US" dirty="0">
                   <a:solidFill>
                     <a:schemeClr val="bg1"/>
                   </a:solidFill>
@@ -8145,7 +8060,7 @@
             <a:p>
               <a:pPr algn="l"/>
               <a:r>
-                <a:rPr lang="en-US" dirty="0" smtClean="0">
+                <a:rPr lang="en-US" dirty="0">
                   <a:solidFill>
                     <a:schemeClr val="bg1"/>
                   </a:solidFill>
@@ -8153,7 +8068,7 @@
                 <a:t>    </a:t>
               </a:r>
               <a:r>
-                <a:rPr lang="en-US" dirty="0" err="1" smtClean="0">
+                <a:rPr lang="en-US" dirty="0" err="1">
                   <a:solidFill>
                     <a:schemeClr val="bg1"/>
                   </a:solidFill>
@@ -8161,7 +8076,7 @@
                 <a:t>printf</a:t>
               </a:r>
               <a:r>
-                <a:rPr lang="en-US" dirty="0" smtClean="0">
+                <a:rPr lang="en-US" dirty="0">
                   <a:solidFill>
                     <a:schemeClr val="bg1"/>
                   </a:solidFill>
@@ -8172,7 +8087,7 @@
             <a:p>
               <a:pPr algn="l"/>
               <a:r>
-                <a:rPr lang="en-US" dirty="0" smtClean="0">
+                <a:rPr lang="en-US" dirty="0">
                   <a:solidFill>
                     <a:schemeClr val="bg1"/>
                   </a:solidFill>
@@ -8183,7 +8098,7 @@
             <a:p>
               <a:pPr algn="l"/>
               <a:r>
-                <a:rPr lang="en-US" dirty="0" smtClean="0">
+                <a:rPr lang="en-US" dirty="0">
                   <a:solidFill>
                     <a:schemeClr val="bg1"/>
                   </a:solidFill>
@@ -8194,7 +8109,7 @@
             <a:p>
               <a:pPr algn="l"/>
               <a:r>
-                <a:rPr lang="en-US" dirty="0" smtClean="0">
+                <a:rPr lang="en-US" dirty="0">
                   <a:solidFill>
                     <a:schemeClr val="bg1"/>
                   </a:solidFill>
@@ -8205,7 +8120,7 @@
             <a:p>
               <a:pPr algn="l"/>
               <a:r>
-                <a:rPr lang="en-US" dirty="0" smtClean="0">
+                <a:rPr lang="en-US" dirty="0">
                   <a:solidFill>
                     <a:schemeClr val="bg1"/>
                   </a:solidFill>
@@ -8216,7 +8131,7 @@
             <a:p>
               <a:pPr algn="l"/>
               <a:r>
-                <a:rPr lang="en-US" dirty="0" smtClean="0">
+                <a:rPr lang="en-US" dirty="0">
                   <a:solidFill>
                     <a:schemeClr val="bg1"/>
                   </a:solidFill>
@@ -8224,7 +8139,7 @@
                 <a:t>                </a:t>
               </a:r>
               <a:r>
-                <a:rPr lang="en-US" dirty="0" err="1" smtClean="0">
+                <a:rPr lang="en-US" dirty="0" err="1">
                   <a:solidFill>
                     <a:schemeClr val="bg1"/>
                   </a:solidFill>
@@ -8232,7 +8147,7 @@
                 <a:t>printf</a:t>
               </a:r>
               <a:r>
-                <a:rPr lang="en-US" dirty="0" smtClean="0">
+                <a:rPr lang="en-US" dirty="0">
                   <a:solidFill>
                     <a:schemeClr val="bg1"/>
                   </a:solidFill>
@@ -8243,7 +8158,7 @@
             <a:p>
               <a:pPr algn="l"/>
               <a:r>
-                <a:rPr lang="en-US" dirty="0" smtClean="0">
+                <a:rPr lang="en-US" dirty="0">
                   <a:solidFill>
                     <a:schemeClr val="bg1"/>
                   </a:solidFill>
@@ -8251,7 +8166,7 @@
                 <a:t>                </a:t>
               </a:r>
               <a:r>
-                <a:rPr lang="en-US" dirty="0" err="1" smtClean="0">
+                <a:rPr lang="en-US" dirty="0" err="1">
                   <a:solidFill>
                     <a:schemeClr val="bg1"/>
                   </a:solidFill>
@@ -8259,7 +8174,7 @@
                 <a:t>fflush</a:t>
               </a:r>
               <a:r>
-                <a:rPr lang="en-US" dirty="0" smtClean="0">
+                <a:rPr lang="en-US" dirty="0">
                   <a:solidFill>
                     <a:schemeClr val="bg1"/>
                   </a:solidFill>
@@ -8267,7 +8182,7 @@
                 <a:t>(</a:t>
               </a:r>
               <a:r>
-                <a:rPr lang="en-US" dirty="0" err="1" smtClean="0">
+                <a:rPr lang="en-US" dirty="0" err="1">
                   <a:solidFill>
                     <a:schemeClr val="bg1"/>
                   </a:solidFill>
@@ -8275,7 +8190,7 @@
                 <a:t>stdin</a:t>
               </a:r>
               <a:r>
-                <a:rPr lang="en-US" dirty="0" smtClean="0">
+                <a:rPr lang="en-US" dirty="0">
                   <a:solidFill>
                     <a:schemeClr val="bg1"/>
                   </a:solidFill>
@@ -8286,7 +8201,7 @@
             <a:p>
               <a:pPr algn="l"/>
               <a:r>
-                <a:rPr lang="en-US" dirty="0" smtClean="0">
+                <a:rPr lang="en-US" dirty="0">
                   <a:solidFill>
                     <a:schemeClr val="bg1"/>
                   </a:solidFill>
@@ -8294,7 +8209,7 @@
                 <a:t>          </a:t>
               </a:r>
               <a:r>
-                <a:rPr lang="en-US" dirty="0" err="1" smtClean="0">
+                <a:rPr lang="en-US" dirty="0" err="1">
                   <a:solidFill>
                     <a:schemeClr val="bg1"/>
                   </a:solidFill>
@@ -8302,7 +8217,7 @@
                 <a:t>scanf</a:t>
               </a:r>
               <a:r>
-                <a:rPr lang="en-US" dirty="0" smtClean="0">
+                <a:rPr lang="en-US" dirty="0">
                   <a:solidFill>
                     <a:schemeClr val="bg1"/>
                   </a:solidFill>
@@ -8310,7 +8225,7 @@
                 <a:t>("%</a:t>
               </a:r>
               <a:r>
-                <a:rPr lang="en-US" dirty="0" err="1" smtClean="0">
+                <a:rPr lang="en-US" dirty="0" err="1">
                   <a:solidFill>
                     <a:schemeClr val="bg1"/>
                   </a:solidFill>
@@ -8318,7 +8233,7 @@
                 <a:t>c",&amp;x</a:t>
               </a:r>
               <a:r>
-                <a:rPr lang="en-US" dirty="0" smtClean="0">
+                <a:rPr lang="en-US" dirty="0">
                   <a:solidFill>
                     <a:schemeClr val="bg1"/>
                   </a:solidFill>
@@ -8329,7 +8244,7 @@
             <a:p>
               <a:pPr algn="l"/>
               <a:r>
-                <a:rPr lang="en-US" dirty="0" smtClean="0">
+                <a:rPr lang="en-US" dirty="0">
                   <a:solidFill>
                     <a:schemeClr val="bg1"/>
                   </a:solidFill>
@@ -8340,7 +8255,7 @@
             <a:p>
               <a:pPr algn="l"/>
               <a:r>
-                <a:rPr lang="en-US" dirty="0" smtClean="0">
+                <a:rPr lang="en-US" dirty="0">
                   <a:solidFill>
                     <a:schemeClr val="bg1"/>
                   </a:solidFill>
@@ -8351,7 +8266,7 @@
             <a:p>
               <a:pPr algn="l"/>
               <a:r>
-                <a:rPr lang="en-US" dirty="0" smtClean="0">
+                <a:rPr lang="en-US" dirty="0">
                   <a:solidFill>
                     <a:schemeClr val="bg1"/>
                   </a:solidFill>
@@ -8362,7 +8277,7 @@
             <a:p>
               <a:pPr algn="l"/>
               <a:r>
-                <a:rPr lang="en-US" dirty="0" smtClean="0">
+                <a:rPr lang="en-US" dirty="0">
                   <a:solidFill>
                     <a:schemeClr val="bg1"/>
                   </a:solidFill>
@@ -8504,7 +8419,7 @@
             <a:p>
               <a:pPr algn="l"/>
               <a:r>
-                <a:rPr lang="en-US" sz="1400" dirty="0" smtClean="0">
+                <a:rPr lang="en-US" sz="1400" dirty="0">
                   <a:solidFill>
                     <a:schemeClr val="bg1"/>
                   </a:solidFill>
@@ -8515,7 +8430,7 @@
             <a:p>
               <a:pPr algn="l"/>
               <a:r>
-                <a:rPr lang="en-US" sz="1400" dirty="0" smtClean="0">
+                <a:rPr lang="en-US" sz="1400" dirty="0">
                   <a:solidFill>
                     <a:schemeClr val="bg1"/>
                   </a:solidFill>
@@ -8526,7 +8441,7 @@
             <a:p>
               <a:pPr algn="l"/>
               <a:r>
-                <a:rPr lang="en-US" sz="1400" dirty="0" smtClean="0">
+                <a:rPr lang="en-US" sz="1400" dirty="0">
                   <a:solidFill>
                     <a:schemeClr val="bg1"/>
                   </a:solidFill>
@@ -8534,7 +8449,7 @@
                 <a:t>           		</a:t>
               </a:r>
               <a:r>
-                <a:rPr lang="en-US" sz="1400" dirty="0" err="1" smtClean="0">
+                <a:rPr lang="en-US" sz="1400" dirty="0" err="1">
                   <a:solidFill>
                     <a:schemeClr val="bg1"/>
                   </a:solidFill>
@@ -8542,7 +8457,7 @@
                 <a:t>printf</a:t>
               </a:r>
               <a:r>
-                <a:rPr lang="en-US" sz="1400" dirty="0" smtClean="0">
+                <a:rPr lang="en-US" sz="1400" dirty="0">
                   <a:solidFill>
                     <a:schemeClr val="bg1"/>
                   </a:solidFill>
@@ -8553,7 +8468,7 @@
             <a:p>
               <a:pPr algn="l"/>
               <a:r>
-                <a:rPr lang="en-US" sz="1400" dirty="0" smtClean="0">
+                <a:rPr lang="en-US" sz="1400" dirty="0">
                   <a:solidFill>
                     <a:schemeClr val="bg1"/>
                   </a:solidFill>
@@ -8564,7 +8479,7 @@
             <a:p>
               <a:pPr algn="l"/>
               <a:r>
-                <a:rPr lang="en-US" sz="1400" dirty="0" smtClean="0">
+                <a:rPr lang="en-US" sz="1400" dirty="0">
                   <a:solidFill>
                     <a:schemeClr val="bg1"/>
                   </a:solidFill>
@@ -8572,7 +8487,7 @@
                 <a:t>    			</a:t>
               </a:r>
               <a:r>
-                <a:rPr lang="en-US" sz="1400" dirty="0" err="1" smtClean="0">
+                <a:rPr lang="en-US" sz="1400" dirty="0" err="1">
                   <a:solidFill>
                     <a:schemeClr val="bg1"/>
                   </a:solidFill>
@@ -8580,7 +8495,7 @@
                 <a:t>fflush</a:t>
               </a:r>
               <a:r>
-                <a:rPr lang="en-US" sz="1400" dirty="0" smtClean="0">
+                <a:rPr lang="en-US" sz="1400" dirty="0">
                   <a:solidFill>
                     <a:schemeClr val="bg1"/>
                   </a:solidFill>
@@ -8588,7 +8503,7 @@
                 <a:t>(</a:t>
               </a:r>
               <a:r>
-                <a:rPr lang="en-US" sz="1400" dirty="0" err="1" smtClean="0">
+                <a:rPr lang="en-US" sz="1400" dirty="0" err="1">
                   <a:solidFill>
                     <a:schemeClr val="bg1"/>
                   </a:solidFill>
@@ -8596,7 +8511,7 @@
                 <a:t>stdin</a:t>
               </a:r>
               <a:r>
-                <a:rPr lang="en-US" sz="1400" dirty="0" smtClean="0">
+                <a:rPr lang="en-US" sz="1400" dirty="0">
                   <a:solidFill>
                     <a:schemeClr val="bg1"/>
                   </a:solidFill>
@@ -8607,7 +8522,7 @@
             <a:p>
               <a:pPr algn="l"/>
               <a:r>
-                <a:rPr lang="en-US" sz="1400" dirty="0" smtClean="0">
+                <a:rPr lang="en-US" sz="1400" dirty="0">
                   <a:solidFill>
                     <a:schemeClr val="bg1"/>
                   </a:solidFill>
@@ -8615,7 +8530,7 @@
                 <a:t>    	</a:t>
               </a:r>
               <a:r>
-                <a:rPr lang="en-US" sz="1400" dirty="0" err="1" smtClean="0">
+                <a:rPr lang="en-US" sz="1400" dirty="0" err="1">
                   <a:solidFill>
                     <a:schemeClr val="bg1"/>
                   </a:solidFill>
@@ -8623,7 +8538,7 @@
                 <a:t>scanf</a:t>
               </a:r>
               <a:r>
-                <a:rPr lang="en-US" sz="1400" dirty="0" smtClean="0">
+                <a:rPr lang="en-US" sz="1400" dirty="0">
                   <a:solidFill>
                     <a:schemeClr val="bg1"/>
                   </a:solidFill>
@@ -8631,7 +8546,7 @@
                 <a:t>("%</a:t>
               </a:r>
               <a:r>
-                <a:rPr lang="en-US" sz="1400" dirty="0" err="1" smtClean="0">
+                <a:rPr lang="en-US" sz="1400" dirty="0" err="1">
                   <a:solidFill>
                     <a:schemeClr val="bg1"/>
                   </a:solidFill>
@@ -8639,7 +8554,7 @@
                 <a:t>c",&amp;x</a:t>
               </a:r>
               <a:r>
-                <a:rPr lang="en-US" sz="1400" dirty="0" smtClean="0">
+                <a:rPr lang="en-US" sz="1400" dirty="0">
                   <a:solidFill>
                     <a:schemeClr val="bg1"/>
                   </a:solidFill>
@@ -8650,7 +8565,7 @@
             <a:p>
               <a:pPr algn="l"/>
               <a:r>
-                <a:rPr lang="en-US" sz="1400" dirty="0" smtClean="0">
+                <a:rPr lang="en-US" sz="1400" dirty="0">
                   <a:solidFill>
                     <a:schemeClr val="bg1"/>
                   </a:solidFill>
@@ -8661,7 +8576,7 @@
             <a:p>
               <a:pPr algn="l"/>
               <a:r>
-                <a:rPr lang="en-US" sz="1400" dirty="0" smtClean="0">
+                <a:rPr lang="en-US" sz="1400" dirty="0">
                   <a:solidFill>
                     <a:schemeClr val="bg1"/>
                   </a:solidFill>
@@ -8672,7 +8587,7 @@
             <a:p>
               <a:pPr algn="l"/>
               <a:r>
-                <a:rPr lang="en-US" sz="1400" dirty="0" smtClean="0">
+                <a:rPr lang="en-US" sz="1400" dirty="0">
                   <a:solidFill>
                     <a:schemeClr val="bg1"/>
                   </a:solidFill>
@@ -8683,7 +8598,7 @@
             <a:p>
               <a:pPr algn="l"/>
               <a:r>
-                <a:rPr lang="en-US" sz="1400" dirty="0" smtClean="0">
+                <a:rPr lang="en-US" sz="1400" dirty="0">
                   <a:solidFill>
                     <a:schemeClr val="bg1"/>
                   </a:solidFill>
@@ -8694,7 +8609,7 @@
             <a:p>
               <a:pPr algn="l"/>
               <a:r>
-                <a:rPr lang="en-US" sz="1400" dirty="0" smtClean="0">
+                <a:rPr lang="en-US" sz="1400" dirty="0">
                   <a:solidFill>
                     <a:schemeClr val="bg1"/>
                   </a:solidFill>
@@ -8702,7 +8617,7 @@
                 <a:t>        		</a:t>
               </a:r>
               <a:r>
-                <a:rPr lang="en-US" sz="1400" dirty="0" err="1" smtClean="0">
+                <a:rPr lang="en-US" sz="1400" dirty="0" err="1">
                   <a:solidFill>
                     <a:schemeClr val="bg1"/>
                   </a:solidFill>
@@ -8710,7 +8625,7 @@
                 <a:t>printf</a:t>
               </a:r>
               <a:r>
-                <a:rPr lang="en-US" sz="1400" dirty="0" smtClean="0">
+                <a:rPr lang="en-US" sz="1400" dirty="0">
                   <a:solidFill>
                     <a:schemeClr val="bg1"/>
                   </a:solidFill>
@@ -8721,7 +8636,7 @@
             <a:p>
               <a:pPr algn="l"/>
               <a:r>
-                <a:rPr lang="en-US" sz="1400" dirty="0" smtClean="0">
+                <a:rPr lang="en-US" sz="1400" dirty="0">
                   <a:solidFill>
                     <a:schemeClr val="bg1"/>
                   </a:solidFill>
@@ -8729,7 +8644,7 @@
                 <a:t>    	</a:t>
               </a:r>
               <a:r>
-                <a:rPr lang="en-US" sz="1400" dirty="0" err="1" smtClean="0">
+                <a:rPr lang="en-US" sz="1400" dirty="0" err="1">
                   <a:solidFill>
                     <a:schemeClr val="bg1"/>
                   </a:solidFill>
@@ -8737,7 +8652,7 @@
                 <a:t>fflush</a:t>
               </a:r>
               <a:r>
-                <a:rPr lang="en-US" sz="1400" dirty="0" smtClean="0">
+                <a:rPr lang="en-US" sz="1400" dirty="0">
                   <a:solidFill>
                     <a:schemeClr val="bg1"/>
                   </a:solidFill>
@@ -8745,7 +8660,7 @@
                 <a:t>(</a:t>
               </a:r>
               <a:r>
-                <a:rPr lang="en-US" sz="1400" dirty="0" err="1" smtClean="0">
+                <a:rPr lang="en-US" sz="1400" dirty="0" err="1">
                   <a:solidFill>
                     <a:schemeClr val="bg1"/>
                   </a:solidFill>
@@ -8753,7 +8668,7 @@
                 <a:t>stdin</a:t>
               </a:r>
               <a:r>
-                <a:rPr lang="en-US" sz="1400" dirty="0" smtClean="0">
+                <a:rPr lang="en-US" sz="1400" dirty="0">
                   <a:solidFill>
                     <a:schemeClr val="bg1"/>
                   </a:solidFill>
@@ -8764,7 +8679,7 @@
             <a:p>
               <a:pPr algn="l"/>
               <a:r>
-                <a:rPr lang="en-US" sz="1400" dirty="0" smtClean="0">
+                <a:rPr lang="en-US" sz="1400" dirty="0">
                   <a:solidFill>
                     <a:schemeClr val="bg1"/>
                   </a:solidFill>
@@ -8772,7 +8687,7 @@
                 <a:t>    	</a:t>
               </a:r>
               <a:r>
-                <a:rPr lang="en-US" sz="1400" dirty="0" err="1" smtClean="0">
+                <a:rPr lang="en-US" sz="1400" dirty="0" err="1">
                   <a:solidFill>
                     <a:schemeClr val="bg1"/>
                   </a:solidFill>
@@ -8780,7 +8695,7 @@
                 <a:t>scanf</a:t>
               </a:r>
               <a:r>
-                <a:rPr lang="en-US" sz="1400" dirty="0" smtClean="0">
+                <a:rPr lang="en-US" sz="1400" dirty="0">
                   <a:solidFill>
                     <a:schemeClr val="bg1"/>
                   </a:solidFill>
@@ -8788,7 +8703,7 @@
                 <a:t>("%</a:t>
               </a:r>
               <a:r>
-                <a:rPr lang="en-US" sz="1400" dirty="0" err="1" smtClean="0">
+                <a:rPr lang="en-US" sz="1400" dirty="0" err="1">
                   <a:solidFill>
                     <a:schemeClr val="bg1"/>
                   </a:solidFill>
@@ -8796,7 +8711,7 @@
                 <a:t>c",&amp;x</a:t>
               </a:r>
               <a:r>
-                <a:rPr lang="en-US" sz="1400" dirty="0" smtClean="0">
+                <a:rPr lang="en-US" sz="1400" dirty="0">
                   <a:solidFill>
                     <a:schemeClr val="bg1"/>
                   </a:solidFill>
@@ -8807,7 +8722,7 @@
             <a:p>
               <a:pPr algn="l"/>
               <a:r>
-                <a:rPr lang="en-US" sz="1400" dirty="0" smtClean="0">
+                <a:rPr lang="en-US" sz="1400" dirty="0">
                   <a:solidFill>
                     <a:schemeClr val="bg1"/>
                   </a:solidFill>
@@ -8815,7 +8730,7 @@
                 <a:t>    	</a:t>
               </a:r>
               <a:r>
-                <a:rPr lang="en-US" sz="1400" dirty="0" err="1" smtClean="0">
+                <a:rPr lang="en-US" sz="1400" dirty="0" err="1">
                   <a:solidFill>
                     <a:schemeClr val="bg1"/>
                   </a:solidFill>
@@ -8823,7 +8738,7 @@
                 <a:t>printf</a:t>
               </a:r>
               <a:r>
-                <a:rPr lang="en-US" sz="1400" dirty="0" smtClean="0">
+                <a:rPr lang="en-US" sz="1400" dirty="0">
                   <a:solidFill>
                     <a:schemeClr val="bg1"/>
                   </a:solidFill>
@@ -8834,7 +8749,7 @@
             <a:p>
               <a:pPr algn="l"/>
               <a:r>
-                <a:rPr lang="en-US" sz="1400" dirty="0" smtClean="0">
+                <a:rPr lang="en-US" sz="1400" dirty="0">
                   <a:solidFill>
                     <a:schemeClr val="bg1"/>
                   </a:solidFill>
@@ -8842,7 +8757,7 @@
                 <a:t>    	</a:t>
               </a:r>
               <a:r>
-                <a:rPr lang="en-US" sz="1400" dirty="0" err="1" smtClean="0">
+                <a:rPr lang="en-US" sz="1400" dirty="0" err="1">
                   <a:solidFill>
                     <a:schemeClr val="bg1"/>
                   </a:solidFill>
@@ -8850,7 +8765,7 @@
                 <a:t>fflush</a:t>
               </a:r>
               <a:r>
-                <a:rPr lang="en-US" sz="1400" dirty="0" smtClean="0">
+                <a:rPr lang="en-US" sz="1400" dirty="0">
                   <a:solidFill>
                     <a:schemeClr val="bg1"/>
                   </a:solidFill>
@@ -8858,7 +8773,7 @@
                 <a:t>(</a:t>
               </a:r>
               <a:r>
-                <a:rPr lang="en-US" sz="1400" dirty="0" err="1" smtClean="0">
+                <a:rPr lang="en-US" sz="1400" dirty="0" err="1">
                   <a:solidFill>
                     <a:schemeClr val="bg1"/>
                   </a:solidFill>
@@ -8866,7 +8781,7 @@
                 <a:t>stdin</a:t>
               </a:r>
               <a:r>
-                <a:rPr lang="en-US" sz="1400" dirty="0" smtClean="0">
+                <a:rPr lang="en-US" sz="1400" dirty="0">
                   <a:solidFill>
                     <a:schemeClr val="bg1"/>
                   </a:solidFill>
@@ -8877,7 +8792,7 @@
             <a:p>
               <a:pPr algn="l"/>
               <a:r>
-                <a:rPr lang="en-US" sz="1400" dirty="0" smtClean="0">
+                <a:rPr lang="en-US" sz="1400" dirty="0">
                   <a:solidFill>
                     <a:schemeClr val="bg1"/>
                   </a:solidFill>
@@ -8885,7 +8800,7 @@
                 <a:t>    	</a:t>
               </a:r>
               <a:r>
-                <a:rPr lang="en-US" sz="1400" dirty="0" err="1" smtClean="0">
+                <a:rPr lang="en-US" sz="1400" dirty="0" err="1">
                   <a:solidFill>
                     <a:schemeClr val="bg1"/>
                   </a:solidFill>
@@ -8893,7 +8808,7 @@
                 <a:t>scanf</a:t>
               </a:r>
               <a:r>
-                <a:rPr lang="en-US" sz="1400" dirty="0" smtClean="0">
+                <a:rPr lang="en-US" sz="1400" dirty="0">
                   <a:solidFill>
                     <a:schemeClr val="bg1"/>
                   </a:solidFill>
@@ -8901,7 +8816,7 @@
                 <a:t>("%</a:t>
               </a:r>
               <a:r>
-                <a:rPr lang="en-US" sz="1400" dirty="0" err="1" smtClean="0">
+                <a:rPr lang="en-US" sz="1400" dirty="0" err="1">
                   <a:solidFill>
                     <a:schemeClr val="bg1"/>
                   </a:solidFill>
@@ -8909,7 +8824,7 @@
                 <a:t>c",&amp;x</a:t>
               </a:r>
               <a:r>
-                <a:rPr lang="en-US" sz="1400" dirty="0" smtClean="0">
+                <a:rPr lang="en-US" sz="1400" dirty="0">
                   <a:solidFill>
                     <a:schemeClr val="bg1"/>
                   </a:solidFill>
@@ -8920,7 +8835,7 @@
             <a:p>
               <a:pPr algn="l"/>
               <a:r>
-                <a:rPr lang="en-US" sz="1400" dirty="0" smtClean="0">
+                <a:rPr lang="en-US" sz="1400" dirty="0">
                   <a:solidFill>
                     <a:schemeClr val="bg1"/>
                   </a:solidFill>
@@ -8931,7 +8846,7 @@
             <a:p>
               <a:pPr algn="l"/>
               <a:r>
-                <a:rPr lang="en-US" sz="1400" dirty="0" smtClean="0">
+                <a:rPr lang="en-US" sz="1400" dirty="0">
                   <a:solidFill>
                     <a:schemeClr val="bg1"/>
                   </a:solidFill>
@@ -8942,7 +8857,7 @@
             <a:p>
               <a:pPr algn="l"/>
               <a:r>
-                <a:rPr lang="en-US" sz="1400" dirty="0" smtClean="0">
+                <a:rPr lang="en-US" sz="1400" dirty="0">
                   <a:solidFill>
                     <a:schemeClr val="bg1"/>
                   </a:solidFill>
@@ -8953,18 +8868,13 @@
             <a:p>
               <a:pPr algn="l"/>
               <a:r>
-                <a:rPr lang="en-US" sz="1400" dirty="0" smtClean="0">
+                <a:rPr lang="en-US" sz="1400" dirty="0">
                   <a:solidFill>
                     <a:schemeClr val="bg1"/>
                   </a:solidFill>
                 </a:rPr>
                 <a:t>      case 0:</a:t>
               </a:r>
-              <a:endParaRPr lang="en-US" sz="1400" dirty="0">
-                <a:solidFill>
-                  <a:schemeClr val="bg1"/>
-                </a:solidFill>
-              </a:endParaRPr>
             </a:p>
           </p:txBody>
         </p:sp>
@@ -9457,7 +9367,7 @@
           </p:nvSpPr>
           <p:spPr>
             <a:xfrm>
-              <a:off x="491319" y="1067071"/>
+              <a:off x="415904" y="959177"/>
               <a:ext cx="11620964" cy="5617338"/>
             </a:xfrm>
             <a:prstGeom prst="rect">
@@ -9521,7 +9431,7 @@
           <a:lstStyle/>
           <a:p>
             <a:r>
-              <a:rPr lang="en-US" sz="5400" b="1" dirty="0" smtClean="0">
+              <a:rPr lang="en-US" sz="5400" b="1" dirty="0">
                 <a:solidFill>
                   <a:schemeClr val="bg1"/>
                 </a:solidFill>
@@ -9536,19 +9446,6 @@
               </a:rPr>
               <a:t>5 – Features</a:t>
             </a:r>
-            <a:endParaRPr lang="en-US" sz="5400" b="1" dirty="0">
-              <a:solidFill>
-                <a:schemeClr val="bg1"/>
-              </a:solidFill>
-              <a:effectLst>
-                <a:outerShdw blurRad="38100" dist="38100" dir="2700000" algn="tl">
-                  <a:srgbClr val="000000">
-                    <a:alpha val="43137"/>
-                  </a:srgbClr>
-                </a:outerShdw>
-              </a:effectLst>
-              <a:latin typeface="Britannic Bold" panose="020B0903060703020204" pitchFamily="34" charset="0"/>
-            </a:endParaRPr>
           </a:p>
         </p:txBody>
       </p:sp>
@@ -9560,8 +9457,8 @@
         </p:nvSpPr>
         <p:spPr>
           <a:xfrm>
-            <a:off x="3245182" y="3875740"/>
-            <a:ext cx="2305439" cy="461665"/>
+            <a:off x="2041413" y="3593375"/>
+            <a:ext cx="3847528" cy="461665"/>
           </a:xfrm>
           <a:prstGeom prst="rect">
             <a:avLst/>
@@ -9576,22 +9473,15 @@
           <a:p>
             <a:pPr lvl="1" algn="l" rtl="0"/>
             <a:r>
-              <a:rPr lang="fa-IR" sz="2400" dirty="0" smtClean="0">
+              <a:rPr lang="fa-IR" sz="2400" dirty="0">
                 <a:solidFill>
                   <a:schemeClr val="bg1">
                     <a:lumMod val="65000"/>
                   </a:schemeClr>
                 </a:solidFill>
               </a:rPr>
-              <a:t>3- اضافه کردن </a:t>
+              <a:t>3- اضافه کردن هوش مصنوعی</a:t>
             </a:r>
-            <a:endParaRPr lang="fa-IR" sz="2400" dirty="0" smtClean="0">
-              <a:solidFill>
-                <a:schemeClr val="bg1">
-                  <a:lumMod val="65000"/>
-                </a:schemeClr>
-              </a:solidFill>
-            </a:endParaRPr>
           </a:p>
         </p:txBody>
       </p:sp>
@@ -9653,7 +9543,7 @@
             <a:lstStyle/>
             <a:p>
               <a:pPr algn="ctr"/>
-              <a:endParaRPr lang="en-US" dirty="0" smtClean="0"/>
+              <a:endParaRPr lang="en-US" dirty="0"/>
             </a:p>
           </p:txBody>
         </p:sp>
@@ -9699,7 +9589,7 @@
         </p:nvSpPr>
         <p:spPr>
           <a:xfrm>
-            <a:off x="1763450" y="3889164"/>
+            <a:off x="1280191" y="4307091"/>
             <a:ext cx="2379486" cy="954107"/>
           </a:xfrm>
           <a:prstGeom prst="rect">
@@ -9715,7 +9605,7 @@
           <a:p>
             <a:pPr algn="l"/>
             <a:r>
-              <a:rPr lang="en-US" sz="2800" dirty="0" smtClean="0">
+              <a:rPr lang="en-US" sz="2800" dirty="0">
                 <a:solidFill>
                   <a:schemeClr val="bg1">
                     <a:lumMod val="65000"/>
@@ -9728,7 +9618,7 @@
           <a:p>
             <a:pPr algn="l"/>
             <a:r>
-              <a:rPr lang="en-US" sz="2800" dirty="0" smtClean="0">
+              <a:rPr lang="en-US" sz="2800" dirty="0">
                 <a:solidFill>
                   <a:schemeClr val="bg1">
                     <a:lumMod val="65000"/>
@@ -10049,7 +9939,7 @@
           <a:lstStyle/>
           <a:p>
             <a:r>
-              <a:rPr lang="en-US" sz="3600" b="1" dirty="0" smtClean="0">
+              <a:rPr lang="en-US" sz="3600" b="1" dirty="0">
                 <a:solidFill>
                   <a:schemeClr val="bg1"/>
                 </a:solidFill>
@@ -10064,19 +9954,6 @@
               </a:rPr>
               <a:t>1 - Chessboard</a:t>
             </a:r>
-            <a:endParaRPr lang="en-US" sz="3600" b="1" dirty="0">
-              <a:solidFill>
-                <a:schemeClr val="bg1"/>
-              </a:solidFill>
-              <a:effectLst>
-                <a:outerShdw blurRad="38100" dist="38100" dir="2700000" algn="tl">
-                  <a:srgbClr val="000000">
-                    <a:alpha val="43137"/>
-                  </a:srgbClr>
-                </a:outerShdw>
-              </a:effectLst>
-              <a:latin typeface="Britannic Bold" panose="020B0903060703020204" pitchFamily="34" charset="0"/>
-            </a:endParaRPr>
           </a:p>
         </p:txBody>
       </p:sp>
@@ -10090,13 +9967,6 @@
   <p:clrMapOvr>
     <a:masterClrMapping/>
   </p:clrMapOvr>
-  <p:timing>
-    <p:tnLst>
-      <p:par>
-        <p:cTn id="1" dur="indefinite" restart="never" nodeType="tmRoot"/>
-      </p:par>
-    </p:tnLst>
-  </p:timing>
 </p:sld>
 </file>
 
@@ -10247,7 +10117,7 @@
             <a:p>
               <a:pPr algn="l"/>
               <a:r>
-                <a:rPr lang="en-US" dirty="0" smtClean="0">
+                <a:rPr lang="en-US" dirty="0">
                   <a:solidFill>
                     <a:schemeClr val="bg1"/>
                   </a:solidFill>
@@ -10258,7 +10128,7 @@
             <a:p>
               <a:pPr algn="l"/>
               <a:r>
-                <a:rPr lang="en-US" dirty="0" smtClean="0">
+                <a:rPr lang="en-US" dirty="0">
                   <a:solidFill>
                     <a:schemeClr val="bg1"/>
                   </a:solidFill>
@@ -10269,7 +10139,7 @@
             <a:p>
               <a:pPr algn="l"/>
               <a:r>
-                <a:rPr lang="en-US" dirty="0" smtClean="0">
+                <a:rPr lang="en-US" dirty="0">
                   <a:solidFill>
                     <a:schemeClr val="bg1"/>
                   </a:solidFill>
@@ -10280,7 +10150,7 @@
             <a:p>
               <a:pPr algn="l"/>
               <a:r>
-                <a:rPr lang="en-US" dirty="0" smtClean="0">
+                <a:rPr lang="en-US" dirty="0">
                   <a:solidFill>
                     <a:schemeClr val="bg1"/>
                   </a:solidFill>
@@ -10291,7 +10161,7 @@
             <a:p>
               <a:pPr algn="l"/>
               <a:r>
-                <a:rPr lang="en-US" dirty="0" smtClean="0">
+                <a:rPr lang="en-US" dirty="0">
                   <a:solidFill>
                     <a:schemeClr val="bg1"/>
                   </a:solidFill>
@@ -10302,7 +10172,7 @@
             <a:p>
               <a:pPr algn="l"/>
               <a:r>
-                <a:rPr lang="en-US" dirty="0" smtClean="0">
+                <a:rPr lang="en-US" dirty="0">
                   <a:solidFill>
                     <a:schemeClr val="bg1"/>
                   </a:solidFill>
@@ -10313,7 +10183,7 @@
             <a:p>
               <a:pPr algn="l"/>
               <a:r>
-                <a:rPr lang="en-US" dirty="0" smtClean="0">
+                <a:rPr lang="en-US" dirty="0">
                   <a:solidFill>
                     <a:schemeClr val="bg1"/>
                   </a:solidFill>
@@ -10324,7 +10194,7 @@
             <a:p>
               <a:pPr algn="l"/>
               <a:r>
-                <a:rPr lang="en-US" dirty="0" smtClean="0">
+                <a:rPr lang="en-US" dirty="0">
                   <a:solidFill>
                     <a:schemeClr val="bg1"/>
                   </a:solidFill>
@@ -10335,7 +10205,7 @@
             <a:p>
               <a:pPr algn="l"/>
               <a:r>
-                <a:rPr lang="en-US" dirty="0" smtClean="0">
+                <a:rPr lang="en-US" dirty="0">
                   <a:solidFill>
                     <a:schemeClr val="bg1"/>
                   </a:solidFill>
@@ -10346,7 +10216,7 @@
             <a:p>
               <a:pPr algn="l"/>
               <a:r>
-                <a:rPr lang="en-US" dirty="0" smtClean="0">
+                <a:rPr lang="en-US" dirty="0">
                   <a:solidFill>
                     <a:schemeClr val="bg1"/>
                   </a:solidFill>
@@ -10493,7 +10363,7 @@
             <a:p>
               <a:pPr algn="l"/>
               <a:r>
-                <a:rPr lang="en-US" sz="1400" dirty="0" smtClean="0">
+                <a:rPr lang="en-US" sz="1400" dirty="0">
                   <a:solidFill>
                     <a:schemeClr val="bg1"/>
                   </a:solidFill>
@@ -10504,7 +10374,7 @@
             <a:p>
               <a:pPr algn="l"/>
               <a:r>
-                <a:rPr lang="en-US" sz="1400" dirty="0" smtClean="0">
+                <a:rPr lang="en-US" sz="1400" dirty="0">
                   <a:solidFill>
                     <a:schemeClr val="bg1"/>
                   </a:solidFill>
@@ -10515,7 +10385,7 @@
             <a:p>
               <a:pPr algn="l"/>
               <a:r>
-                <a:rPr lang="en-US" sz="1400" dirty="0" smtClean="0">
+                <a:rPr lang="en-US" sz="1400" dirty="0">
                   <a:solidFill>
                     <a:schemeClr val="bg1"/>
                   </a:solidFill>
@@ -10523,7 +10393,7 @@
                 <a:t>    </a:t>
               </a:r>
               <a:r>
-                <a:rPr lang="en-US" sz="1400" dirty="0" err="1" smtClean="0">
+                <a:rPr lang="en-US" sz="1400" dirty="0" err="1">
                   <a:solidFill>
                     <a:schemeClr val="bg1"/>
                   </a:solidFill>
@@ -10531,7 +10401,7 @@
                 <a:t>int</a:t>
               </a:r>
               <a:r>
-                <a:rPr lang="en-US" sz="1400" dirty="0" smtClean="0">
+                <a:rPr lang="en-US" sz="1400" dirty="0">
                   <a:solidFill>
                     <a:schemeClr val="bg1"/>
                   </a:solidFill>
@@ -10539,7 +10409,7 @@
                 <a:t> </a:t>
               </a:r>
               <a:r>
-                <a:rPr lang="en-US" sz="1400" dirty="0" err="1" smtClean="0">
+                <a:rPr lang="en-US" sz="1400" dirty="0" err="1">
                   <a:solidFill>
                     <a:schemeClr val="bg1"/>
                   </a:solidFill>
@@ -10547,7 +10417,7 @@
                 <a:t>i</a:t>
               </a:r>
               <a:r>
-                <a:rPr lang="en-US" sz="1400" dirty="0" smtClean="0">
+                <a:rPr lang="en-US" sz="1400" dirty="0">
                   <a:solidFill>
                     <a:schemeClr val="bg1"/>
                   </a:solidFill>
@@ -10557,554 +10427,549 @@
             </a:p>
             <a:p>
               <a:pPr algn="l"/>
-              <a:endParaRPr lang="en-US" sz="1400" dirty="0" smtClean="0">
-                <a:solidFill>
-                  <a:schemeClr val="bg1"/>
-                </a:solidFill>
-              </a:endParaRPr>
-            </a:p>
-            <a:p>
-              <a:pPr algn="l"/>
-              <a:r>
-                <a:rPr lang="en-US" sz="1400" dirty="0" smtClean="0">
-                  <a:solidFill>
-                    <a:schemeClr val="bg1"/>
-                  </a:solidFill>
-                </a:rPr>
-                <a:t>    </a:t>
-              </a:r>
-              <a:r>
-                <a:rPr lang="en-US" sz="1400" dirty="0" err="1" smtClean="0">
-                  <a:solidFill>
-                    <a:schemeClr val="bg1"/>
-                  </a:solidFill>
-                </a:rPr>
-                <a:t>printf</a:t>
-              </a:r>
-              <a:r>
-                <a:rPr lang="en-US" sz="1400" dirty="0" smtClean="0">
-                  <a:solidFill>
-                    <a:schemeClr val="bg1"/>
-                  </a:solidFill>
-                </a:rPr>
-                <a:t>( " " ) ;</a:t>
-              </a:r>
-            </a:p>
-            <a:p>
-              <a:pPr algn="l"/>
-              <a:r>
-                <a:rPr lang="en-US" sz="1400" dirty="0" smtClean="0">
-                  <a:solidFill>
-                    <a:schemeClr val="bg1"/>
-                  </a:solidFill>
-                </a:rPr>
-                <a:t>    for( </a:t>
-              </a:r>
-              <a:r>
-                <a:rPr lang="en-US" sz="1400" dirty="0" err="1" smtClean="0">
-                  <a:solidFill>
-                    <a:schemeClr val="bg1"/>
-                  </a:solidFill>
-                </a:rPr>
-                <a:t>i</a:t>
-              </a:r>
-              <a:r>
-                <a:rPr lang="en-US" sz="1400" dirty="0" smtClean="0">
-                  <a:solidFill>
-                    <a:schemeClr val="bg1"/>
-                  </a:solidFill>
-                </a:rPr>
-                <a:t>=0 ; </a:t>
-              </a:r>
-              <a:r>
-                <a:rPr lang="en-US" sz="1400" dirty="0" err="1" smtClean="0">
-                  <a:solidFill>
-                    <a:schemeClr val="bg1"/>
-                  </a:solidFill>
-                </a:rPr>
-                <a:t>i</a:t>
-              </a:r>
-              <a:r>
-                <a:rPr lang="en-US" sz="1400" dirty="0" smtClean="0">
-                  <a:solidFill>
-                    <a:schemeClr val="bg1"/>
-                  </a:solidFill>
-                </a:rPr>
-                <a:t>&lt;8 ; </a:t>
-              </a:r>
-              <a:r>
-                <a:rPr lang="en-US" sz="1400" dirty="0" err="1" smtClean="0">
-                  <a:solidFill>
-                    <a:schemeClr val="bg1"/>
-                  </a:solidFill>
-                </a:rPr>
-                <a:t>i</a:t>
-              </a:r>
-              <a:r>
-                <a:rPr lang="en-US" sz="1400" dirty="0" smtClean="0">
-                  <a:solidFill>
-                    <a:schemeClr val="bg1"/>
-                  </a:solidFill>
-                </a:rPr>
-                <a:t>++ ) </a:t>
-              </a:r>
-              <a:r>
-                <a:rPr lang="en-US" sz="1400" dirty="0" err="1" smtClean="0">
-                  <a:solidFill>
-                    <a:schemeClr val="bg1"/>
-                  </a:solidFill>
-                </a:rPr>
-                <a:t>printf</a:t>
-              </a:r>
-              <a:r>
-                <a:rPr lang="en-US" sz="1400" dirty="0" smtClean="0">
-                  <a:solidFill>
-                    <a:schemeClr val="bg1"/>
-                  </a:solidFill>
-                </a:rPr>
-                <a:t>( "    %d" , </a:t>
-              </a:r>
-              <a:r>
-                <a:rPr lang="en-US" sz="1400" dirty="0" err="1" smtClean="0">
-                  <a:solidFill>
-                    <a:schemeClr val="bg1"/>
-                  </a:solidFill>
-                </a:rPr>
-                <a:t>i</a:t>
-              </a:r>
-              <a:r>
-                <a:rPr lang="en-US" sz="1400" dirty="0" smtClean="0">
-                  <a:solidFill>
-                    <a:schemeClr val="bg1"/>
-                  </a:solidFill>
-                </a:rPr>
-                <a:t> ) ; </a:t>
-              </a:r>
-              <a:r>
-                <a:rPr lang="en-US" sz="1400" dirty="0" err="1" smtClean="0">
-                  <a:solidFill>
-                    <a:schemeClr val="bg1"/>
-                  </a:solidFill>
-                </a:rPr>
-                <a:t>printf</a:t>
-              </a:r>
-              <a:r>
-                <a:rPr lang="en-US" sz="1400" dirty="0" smtClean="0">
-                  <a:solidFill>
-                    <a:schemeClr val="bg1"/>
-                  </a:solidFill>
-                </a:rPr>
-                <a:t>( "\n" ) ;</a:t>
-              </a:r>
-            </a:p>
-            <a:p>
-              <a:pPr algn="l"/>
-              <a:endParaRPr lang="en-US" sz="1400" dirty="0" smtClean="0">
-                <a:solidFill>
-                  <a:schemeClr val="bg1"/>
-                </a:solidFill>
-              </a:endParaRPr>
-            </a:p>
-            <a:p>
-              <a:pPr algn="l"/>
-              <a:r>
-                <a:rPr lang="en-US" sz="1400" dirty="0" smtClean="0">
-                  <a:solidFill>
-                    <a:schemeClr val="bg1"/>
-                  </a:solidFill>
-                </a:rPr>
-                <a:t>    for( k=0 ; k&lt;8 ; k++ )</a:t>
-              </a:r>
-            </a:p>
-            <a:p>
-              <a:pPr algn="l"/>
-              <a:r>
-                <a:rPr lang="en-US" sz="1400" dirty="0" smtClean="0">
-                  <a:solidFill>
-                    <a:schemeClr val="bg1"/>
-                  </a:solidFill>
-                </a:rPr>
-                <a:t>    {</a:t>
-              </a:r>
-            </a:p>
-            <a:p>
-              <a:pPr algn="l"/>
-              <a:r>
-                <a:rPr lang="en-US" sz="1400" dirty="0" smtClean="0">
-                  <a:solidFill>
-                    <a:schemeClr val="bg1"/>
-                  </a:solidFill>
-                </a:rPr>
-                <a:t>    </a:t>
-              </a:r>
-              <a:r>
-                <a:rPr lang="en-US" sz="1400" dirty="0" err="1" smtClean="0">
-                  <a:solidFill>
-                    <a:schemeClr val="bg1"/>
-                  </a:solidFill>
-                </a:rPr>
-                <a:t>printf</a:t>
-              </a:r>
-              <a:r>
-                <a:rPr lang="en-US" sz="1400" dirty="0" smtClean="0">
-                  <a:solidFill>
-                    <a:schemeClr val="bg1"/>
-                  </a:solidFill>
-                </a:rPr>
-                <a:t>( "  " ) ;</a:t>
-              </a:r>
-            </a:p>
-            <a:p>
-              <a:pPr algn="l"/>
-              <a:r>
-                <a:rPr lang="en-US" sz="1400" dirty="0" smtClean="0">
-                  <a:solidFill>
-                    <a:schemeClr val="bg1"/>
-                  </a:solidFill>
-                </a:rPr>
-                <a:t>    for( </a:t>
-              </a:r>
-              <a:r>
-                <a:rPr lang="en-US" sz="1400" dirty="0" err="1" smtClean="0">
-                  <a:solidFill>
-                    <a:schemeClr val="bg1"/>
-                  </a:solidFill>
-                </a:rPr>
-                <a:t>i</a:t>
-              </a:r>
-              <a:r>
-                <a:rPr lang="en-US" sz="1400" dirty="0" smtClean="0">
-                  <a:solidFill>
-                    <a:schemeClr val="bg1"/>
-                  </a:solidFill>
-                </a:rPr>
-                <a:t>=0 ; </a:t>
-              </a:r>
-              <a:r>
-                <a:rPr lang="en-US" sz="1400" dirty="0" err="1" smtClean="0">
-                  <a:solidFill>
-                    <a:schemeClr val="bg1"/>
-                  </a:solidFill>
-                </a:rPr>
-                <a:t>i</a:t>
-              </a:r>
-              <a:r>
-                <a:rPr lang="en-US" sz="1400" dirty="0" smtClean="0">
-                  <a:solidFill>
-                    <a:schemeClr val="bg1"/>
-                  </a:solidFill>
-                </a:rPr>
-                <a:t>&lt;42 ; </a:t>
-              </a:r>
-              <a:r>
-                <a:rPr lang="en-US" sz="1400" dirty="0" err="1" smtClean="0">
-                  <a:solidFill>
-                    <a:schemeClr val="bg1"/>
-                  </a:solidFill>
-                </a:rPr>
-                <a:t>i</a:t>
-              </a:r>
-              <a:r>
-                <a:rPr lang="en-US" sz="1400" dirty="0" smtClean="0">
-                  <a:solidFill>
-                    <a:schemeClr val="bg1"/>
-                  </a:solidFill>
-                </a:rPr>
-                <a:t>++ ) { </a:t>
-              </a:r>
-              <a:r>
-                <a:rPr lang="en-US" sz="1400" dirty="0" err="1" smtClean="0">
-                  <a:solidFill>
-                    <a:schemeClr val="bg1"/>
-                  </a:solidFill>
-                </a:rPr>
-                <a:t>printf</a:t>
-              </a:r>
-              <a:r>
-                <a:rPr lang="en-US" sz="1400" dirty="0" smtClean="0">
-                  <a:solidFill>
-                    <a:schemeClr val="bg1"/>
-                  </a:solidFill>
-                </a:rPr>
-                <a:t>( "-" ) ; } </a:t>
-              </a:r>
-              <a:r>
-                <a:rPr lang="en-US" sz="1400" dirty="0" err="1" smtClean="0">
-                  <a:solidFill>
-                    <a:schemeClr val="bg1"/>
-                  </a:solidFill>
-                </a:rPr>
-                <a:t>printf</a:t>
-              </a:r>
-              <a:r>
-                <a:rPr lang="en-US" sz="1400" dirty="0" smtClean="0">
-                  <a:solidFill>
-                    <a:schemeClr val="bg1"/>
-                  </a:solidFill>
-                </a:rPr>
-                <a:t>( "\n" ) ; </a:t>
-              </a:r>
-              <a:r>
-                <a:rPr lang="en-US" sz="1400" dirty="0" err="1" smtClean="0">
-                  <a:solidFill>
-                    <a:schemeClr val="bg1"/>
-                  </a:solidFill>
-                </a:rPr>
-                <a:t>printf</a:t>
-              </a:r>
-              <a:r>
-                <a:rPr lang="en-US" sz="1400" dirty="0" smtClean="0">
-                  <a:solidFill>
-                    <a:schemeClr val="bg1"/>
-                  </a:solidFill>
-                </a:rPr>
-                <a:t>( "%d " , k ) ;</a:t>
-              </a:r>
-            </a:p>
-            <a:p>
-              <a:pPr algn="l"/>
-              <a:endParaRPr lang="en-US" sz="1400" dirty="0" smtClean="0">
-                <a:solidFill>
-                  <a:schemeClr val="bg1"/>
-                </a:solidFill>
-              </a:endParaRPr>
-            </a:p>
-            <a:p>
-              <a:pPr algn="l"/>
-              <a:r>
-                <a:rPr lang="en-US" sz="1400" dirty="0" smtClean="0">
-                  <a:solidFill>
-                    <a:schemeClr val="bg1"/>
-                  </a:solidFill>
-                </a:rPr>
-                <a:t>    for( j=0 ; j&lt;8 ; j++ ) { </a:t>
-              </a:r>
-              <a:r>
-                <a:rPr lang="en-US" sz="1400" dirty="0" err="1" smtClean="0">
-                  <a:solidFill>
-                    <a:schemeClr val="bg1"/>
-                  </a:solidFill>
-                </a:rPr>
-                <a:t>printf</a:t>
-              </a:r>
-              <a:r>
-                <a:rPr lang="en-US" sz="1400" dirty="0" smtClean="0">
-                  <a:solidFill>
-                    <a:schemeClr val="bg1"/>
-                  </a:solidFill>
-                </a:rPr>
-                <a:t>( "|| %c " , board[k][j] ) ; }</a:t>
-              </a:r>
-            </a:p>
-            <a:p>
-              <a:pPr algn="l"/>
-              <a:r>
-                <a:rPr lang="en-US" sz="1400" dirty="0" smtClean="0">
-                  <a:solidFill>
-                    <a:schemeClr val="bg1"/>
-                  </a:solidFill>
-                </a:rPr>
-                <a:t>    </a:t>
-              </a:r>
-              <a:r>
-                <a:rPr lang="en-US" sz="1400" dirty="0" err="1" smtClean="0">
-                  <a:solidFill>
-                    <a:schemeClr val="bg1"/>
-                  </a:solidFill>
-                </a:rPr>
-                <a:t>printf</a:t>
-              </a:r>
-              <a:r>
-                <a:rPr lang="en-US" sz="1400" dirty="0" smtClean="0">
-                  <a:solidFill>
-                    <a:schemeClr val="bg1"/>
-                  </a:solidFill>
-                </a:rPr>
-                <a:t>( "|| \n" ) ;</a:t>
-              </a:r>
-            </a:p>
-            <a:p>
-              <a:pPr algn="l"/>
-              <a:r>
-                <a:rPr lang="en-US" sz="1400" dirty="0" smtClean="0">
-                  <a:solidFill>
-                    <a:schemeClr val="bg1"/>
-                  </a:solidFill>
-                </a:rPr>
-                <a:t>    }</a:t>
-              </a:r>
-            </a:p>
-            <a:p>
-              <a:pPr algn="l"/>
-              <a:endParaRPr lang="en-US" sz="1400" dirty="0" smtClean="0">
-                <a:solidFill>
-                  <a:schemeClr val="bg1"/>
-                </a:solidFill>
-              </a:endParaRPr>
-            </a:p>
-            <a:p>
-              <a:pPr algn="l"/>
-              <a:r>
-                <a:rPr lang="en-US" sz="1400" dirty="0" smtClean="0">
-                  <a:solidFill>
-                    <a:schemeClr val="bg1"/>
-                  </a:solidFill>
-                </a:rPr>
-                <a:t>    </a:t>
-              </a:r>
-              <a:r>
-                <a:rPr lang="en-US" sz="1400" dirty="0" err="1" smtClean="0">
-                  <a:solidFill>
-                    <a:schemeClr val="bg1"/>
-                  </a:solidFill>
-                </a:rPr>
-                <a:t>printf</a:t>
-              </a:r>
-              <a:r>
-                <a:rPr lang="en-US" sz="1400" dirty="0" smtClean="0">
-                  <a:solidFill>
-                    <a:schemeClr val="bg1"/>
-                  </a:solidFill>
-                </a:rPr>
-                <a:t>( "  " ) ;</a:t>
-              </a:r>
-            </a:p>
-            <a:p>
-              <a:pPr algn="l"/>
-              <a:r>
-                <a:rPr lang="en-US" sz="1400" dirty="0" smtClean="0">
-                  <a:solidFill>
-                    <a:schemeClr val="bg1"/>
-                  </a:solidFill>
-                </a:rPr>
-                <a:t>    for( </a:t>
-              </a:r>
-              <a:r>
-                <a:rPr lang="en-US" sz="1400" dirty="0" err="1" smtClean="0">
-                  <a:solidFill>
-                    <a:schemeClr val="bg1"/>
-                  </a:solidFill>
-                </a:rPr>
-                <a:t>i</a:t>
-              </a:r>
-              <a:r>
-                <a:rPr lang="en-US" sz="1400" dirty="0" smtClean="0">
-                  <a:solidFill>
-                    <a:schemeClr val="bg1"/>
-                  </a:solidFill>
-                </a:rPr>
-                <a:t>=0 ; </a:t>
-              </a:r>
-              <a:r>
-                <a:rPr lang="en-US" sz="1400" dirty="0" err="1" smtClean="0">
-                  <a:solidFill>
-                    <a:schemeClr val="bg1"/>
-                  </a:solidFill>
-                </a:rPr>
-                <a:t>i</a:t>
-              </a:r>
-              <a:r>
-                <a:rPr lang="en-US" sz="1400" dirty="0" smtClean="0">
-                  <a:solidFill>
-                    <a:schemeClr val="bg1"/>
-                  </a:solidFill>
-                </a:rPr>
-                <a:t>&lt;42 ; </a:t>
-              </a:r>
-              <a:r>
-                <a:rPr lang="en-US" sz="1400" dirty="0" err="1" smtClean="0">
-                  <a:solidFill>
-                    <a:schemeClr val="bg1"/>
-                  </a:solidFill>
-                </a:rPr>
-                <a:t>i</a:t>
-              </a:r>
-              <a:r>
-                <a:rPr lang="en-US" sz="1400" dirty="0" smtClean="0">
-                  <a:solidFill>
-                    <a:schemeClr val="bg1"/>
-                  </a:solidFill>
-                </a:rPr>
-                <a:t>++ ) { </a:t>
-              </a:r>
-              <a:r>
-                <a:rPr lang="en-US" sz="1400" dirty="0" err="1" smtClean="0">
-                  <a:solidFill>
-                    <a:schemeClr val="bg1"/>
-                  </a:solidFill>
-                </a:rPr>
-                <a:t>printf</a:t>
-              </a:r>
-              <a:r>
-                <a:rPr lang="en-US" sz="1400" dirty="0" smtClean="0">
-                  <a:solidFill>
-                    <a:schemeClr val="bg1"/>
-                  </a:solidFill>
-                </a:rPr>
-                <a:t>( "-" ) ; } </a:t>
-              </a:r>
-              <a:r>
-                <a:rPr lang="en-US" sz="1400" dirty="0" err="1" smtClean="0">
-                  <a:solidFill>
-                    <a:schemeClr val="bg1"/>
-                  </a:solidFill>
-                </a:rPr>
-                <a:t>printf</a:t>
-              </a:r>
-              <a:r>
-                <a:rPr lang="en-US" sz="1400" dirty="0" smtClean="0">
-                  <a:solidFill>
-                    <a:schemeClr val="bg1"/>
-                  </a:solidFill>
-                </a:rPr>
-                <a:t>( "\n" ) ;</a:t>
-              </a:r>
-            </a:p>
-            <a:p>
-              <a:pPr algn="l"/>
-              <a:r>
-                <a:rPr lang="en-US" sz="1400" dirty="0" smtClean="0">
-                  <a:solidFill>
-                    <a:schemeClr val="bg1"/>
-                  </a:solidFill>
-                </a:rPr>
-                <a:t>    </a:t>
-              </a:r>
-            </a:p>
-            <a:p>
-              <a:pPr algn="l"/>
-              <a:r>
-                <a:rPr lang="en-US" sz="1400" dirty="0" smtClean="0">
-                  <a:solidFill>
-                    <a:schemeClr val="bg1"/>
-                  </a:solidFill>
-                </a:rPr>
-                <a:t>    </a:t>
-              </a:r>
-            </a:p>
-            <a:p>
-              <a:pPr algn="l"/>
-              <a:endParaRPr lang="en-US" sz="1400" dirty="0" smtClean="0">
-                <a:solidFill>
-                  <a:schemeClr val="bg1"/>
-                </a:solidFill>
-              </a:endParaRPr>
-            </a:p>
-            <a:p>
-              <a:pPr algn="l"/>
-              <a:r>
-                <a:rPr lang="en-US" sz="1400" dirty="0" smtClean="0">
-                  <a:solidFill>
-                    <a:schemeClr val="bg1"/>
-                  </a:solidFill>
-                </a:rPr>
-                <a:t>}</a:t>
-              </a:r>
               <a:endParaRPr lang="en-US" sz="1400" dirty="0">
                 <a:solidFill>
                   <a:schemeClr val="bg1"/>
                 </a:solidFill>
               </a:endParaRPr>
+            </a:p>
+            <a:p>
+              <a:pPr algn="l"/>
+              <a:r>
+                <a:rPr lang="en-US" sz="1400" dirty="0">
+                  <a:solidFill>
+                    <a:schemeClr val="bg1"/>
+                  </a:solidFill>
+                </a:rPr>
+                <a:t>    </a:t>
+              </a:r>
+              <a:r>
+                <a:rPr lang="en-US" sz="1400" dirty="0" err="1">
+                  <a:solidFill>
+                    <a:schemeClr val="bg1"/>
+                  </a:solidFill>
+                </a:rPr>
+                <a:t>printf</a:t>
+              </a:r>
+              <a:r>
+                <a:rPr lang="en-US" sz="1400" dirty="0">
+                  <a:solidFill>
+                    <a:schemeClr val="bg1"/>
+                  </a:solidFill>
+                </a:rPr>
+                <a:t>( " " ) ;</a:t>
+              </a:r>
+            </a:p>
+            <a:p>
+              <a:pPr algn="l"/>
+              <a:r>
+                <a:rPr lang="en-US" sz="1400" dirty="0">
+                  <a:solidFill>
+                    <a:schemeClr val="bg1"/>
+                  </a:solidFill>
+                </a:rPr>
+                <a:t>    for( </a:t>
+              </a:r>
+              <a:r>
+                <a:rPr lang="en-US" sz="1400" dirty="0" err="1">
+                  <a:solidFill>
+                    <a:schemeClr val="bg1"/>
+                  </a:solidFill>
+                </a:rPr>
+                <a:t>i</a:t>
+              </a:r>
+              <a:r>
+                <a:rPr lang="en-US" sz="1400" dirty="0">
+                  <a:solidFill>
+                    <a:schemeClr val="bg1"/>
+                  </a:solidFill>
+                </a:rPr>
+                <a:t>=0 ; </a:t>
+              </a:r>
+              <a:r>
+                <a:rPr lang="en-US" sz="1400" dirty="0" err="1">
+                  <a:solidFill>
+                    <a:schemeClr val="bg1"/>
+                  </a:solidFill>
+                </a:rPr>
+                <a:t>i</a:t>
+              </a:r>
+              <a:r>
+                <a:rPr lang="en-US" sz="1400" dirty="0">
+                  <a:solidFill>
+                    <a:schemeClr val="bg1"/>
+                  </a:solidFill>
+                </a:rPr>
+                <a:t>&lt;8 ; </a:t>
+              </a:r>
+              <a:r>
+                <a:rPr lang="en-US" sz="1400" dirty="0" err="1">
+                  <a:solidFill>
+                    <a:schemeClr val="bg1"/>
+                  </a:solidFill>
+                </a:rPr>
+                <a:t>i</a:t>
+              </a:r>
+              <a:r>
+                <a:rPr lang="en-US" sz="1400" dirty="0">
+                  <a:solidFill>
+                    <a:schemeClr val="bg1"/>
+                  </a:solidFill>
+                </a:rPr>
+                <a:t>++ ) </a:t>
+              </a:r>
+              <a:r>
+                <a:rPr lang="en-US" sz="1400" dirty="0" err="1">
+                  <a:solidFill>
+                    <a:schemeClr val="bg1"/>
+                  </a:solidFill>
+                </a:rPr>
+                <a:t>printf</a:t>
+              </a:r>
+              <a:r>
+                <a:rPr lang="en-US" sz="1400" dirty="0">
+                  <a:solidFill>
+                    <a:schemeClr val="bg1"/>
+                  </a:solidFill>
+                </a:rPr>
+                <a:t>( "    %d" , </a:t>
+              </a:r>
+              <a:r>
+                <a:rPr lang="en-US" sz="1400" dirty="0" err="1">
+                  <a:solidFill>
+                    <a:schemeClr val="bg1"/>
+                  </a:solidFill>
+                </a:rPr>
+                <a:t>i</a:t>
+              </a:r>
+              <a:r>
+                <a:rPr lang="en-US" sz="1400" dirty="0">
+                  <a:solidFill>
+                    <a:schemeClr val="bg1"/>
+                  </a:solidFill>
+                </a:rPr>
+                <a:t> ) ; </a:t>
+              </a:r>
+              <a:r>
+                <a:rPr lang="en-US" sz="1400" dirty="0" err="1">
+                  <a:solidFill>
+                    <a:schemeClr val="bg1"/>
+                  </a:solidFill>
+                </a:rPr>
+                <a:t>printf</a:t>
+              </a:r>
+              <a:r>
+                <a:rPr lang="en-US" sz="1400" dirty="0">
+                  <a:solidFill>
+                    <a:schemeClr val="bg1"/>
+                  </a:solidFill>
+                </a:rPr>
+                <a:t>( "\n" ) ;</a:t>
+              </a:r>
+            </a:p>
+            <a:p>
+              <a:pPr algn="l"/>
+              <a:endParaRPr lang="en-US" sz="1400" dirty="0">
+                <a:solidFill>
+                  <a:schemeClr val="bg1"/>
+                </a:solidFill>
+              </a:endParaRPr>
+            </a:p>
+            <a:p>
+              <a:pPr algn="l"/>
+              <a:r>
+                <a:rPr lang="en-US" sz="1400" dirty="0">
+                  <a:solidFill>
+                    <a:schemeClr val="bg1"/>
+                  </a:solidFill>
+                </a:rPr>
+                <a:t>    for( k=0 ; k&lt;8 ; k++ )</a:t>
+              </a:r>
+            </a:p>
+            <a:p>
+              <a:pPr algn="l"/>
+              <a:r>
+                <a:rPr lang="en-US" sz="1400" dirty="0">
+                  <a:solidFill>
+                    <a:schemeClr val="bg1"/>
+                  </a:solidFill>
+                </a:rPr>
+                <a:t>    {</a:t>
+              </a:r>
+            </a:p>
+            <a:p>
+              <a:pPr algn="l"/>
+              <a:r>
+                <a:rPr lang="en-US" sz="1400" dirty="0">
+                  <a:solidFill>
+                    <a:schemeClr val="bg1"/>
+                  </a:solidFill>
+                </a:rPr>
+                <a:t>    </a:t>
+              </a:r>
+              <a:r>
+                <a:rPr lang="en-US" sz="1400" dirty="0" err="1">
+                  <a:solidFill>
+                    <a:schemeClr val="bg1"/>
+                  </a:solidFill>
+                </a:rPr>
+                <a:t>printf</a:t>
+              </a:r>
+              <a:r>
+                <a:rPr lang="en-US" sz="1400" dirty="0">
+                  <a:solidFill>
+                    <a:schemeClr val="bg1"/>
+                  </a:solidFill>
+                </a:rPr>
+                <a:t>( "  " ) ;</a:t>
+              </a:r>
+            </a:p>
+            <a:p>
+              <a:pPr algn="l"/>
+              <a:r>
+                <a:rPr lang="en-US" sz="1400" dirty="0">
+                  <a:solidFill>
+                    <a:schemeClr val="bg1"/>
+                  </a:solidFill>
+                </a:rPr>
+                <a:t>    for( </a:t>
+              </a:r>
+              <a:r>
+                <a:rPr lang="en-US" sz="1400" dirty="0" err="1">
+                  <a:solidFill>
+                    <a:schemeClr val="bg1"/>
+                  </a:solidFill>
+                </a:rPr>
+                <a:t>i</a:t>
+              </a:r>
+              <a:r>
+                <a:rPr lang="en-US" sz="1400" dirty="0">
+                  <a:solidFill>
+                    <a:schemeClr val="bg1"/>
+                  </a:solidFill>
+                </a:rPr>
+                <a:t>=0 ; </a:t>
+              </a:r>
+              <a:r>
+                <a:rPr lang="en-US" sz="1400" dirty="0" err="1">
+                  <a:solidFill>
+                    <a:schemeClr val="bg1"/>
+                  </a:solidFill>
+                </a:rPr>
+                <a:t>i</a:t>
+              </a:r>
+              <a:r>
+                <a:rPr lang="en-US" sz="1400" dirty="0">
+                  <a:solidFill>
+                    <a:schemeClr val="bg1"/>
+                  </a:solidFill>
+                </a:rPr>
+                <a:t>&lt;42 ; </a:t>
+              </a:r>
+              <a:r>
+                <a:rPr lang="en-US" sz="1400" dirty="0" err="1">
+                  <a:solidFill>
+                    <a:schemeClr val="bg1"/>
+                  </a:solidFill>
+                </a:rPr>
+                <a:t>i</a:t>
+              </a:r>
+              <a:r>
+                <a:rPr lang="en-US" sz="1400" dirty="0">
+                  <a:solidFill>
+                    <a:schemeClr val="bg1"/>
+                  </a:solidFill>
+                </a:rPr>
+                <a:t>++ ) { </a:t>
+              </a:r>
+              <a:r>
+                <a:rPr lang="en-US" sz="1400" dirty="0" err="1">
+                  <a:solidFill>
+                    <a:schemeClr val="bg1"/>
+                  </a:solidFill>
+                </a:rPr>
+                <a:t>printf</a:t>
+              </a:r>
+              <a:r>
+                <a:rPr lang="en-US" sz="1400" dirty="0">
+                  <a:solidFill>
+                    <a:schemeClr val="bg1"/>
+                  </a:solidFill>
+                </a:rPr>
+                <a:t>( "-" ) ; } </a:t>
+              </a:r>
+              <a:r>
+                <a:rPr lang="en-US" sz="1400" dirty="0" err="1">
+                  <a:solidFill>
+                    <a:schemeClr val="bg1"/>
+                  </a:solidFill>
+                </a:rPr>
+                <a:t>printf</a:t>
+              </a:r>
+              <a:r>
+                <a:rPr lang="en-US" sz="1400" dirty="0">
+                  <a:solidFill>
+                    <a:schemeClr val="bg1"/>
+                  </a:solidFill>
+                </a:rPr>
+                <a:t>( "\n" ) ; </a:t>
+              </a:r>
+              <a:r>
+                <a:rPr lang="en-US" sz="1400" dirty="0" err="1">
+                  <a:solidFill>
+                    <a:schemeClr val="bg1"/>
+                  </a:solidFill>
+                </a:rPr>
+                <a:t>printf</a:t>
+              </a:r>
+              <a:r>
+                <a:rPr lang="en-US" sz="1400" dirty="0">
+                  <a:solidFill>
+                    <a:schemeClr val="bg1"/>
+                  </a:solidFill>
+                </a:rPr>
+                <a:t>( "%d " , k ) ;</a:t>
+              </a:r>
+            </a:p>
+            <a:p>
+              <a:pPr algn="l"/>
+              <a:endParaRPr lang="en-US" sz="1400" dirty="0">
+                <a:solidFill>
+                  <a:schemeClr val="bg1"/>
+                </a:solidFill>
+              </a:endParaRPr>
+            </a:p>
+            <a:p>
+              <a:pPr algn="l"/>
+              <a:r>
+                <a:rPr lang="en-US" sz="1400" dirty="0">
+                  <a:solidFill>
+                    <a:schemeClr val="bg1"/>
+                  </a:solidFill>
+                </a:rPr>
+                <a:t>    for( j=0 ; j&lt;8 ; j++ ) { </a:t>
+              </a:r>
+              <a:r>
+                <a:rPr lang="en-US" sz="1400" dirty="0" err="1">
+                  <a:solidFill>
+                    <a:schemeClr val="bg1"/>
+                  </a:solidFill>
+                </a:rPr>
+                <a:t>printf</a:t>
+              </a:r>
+              <a:r>
+                <a:rPr lang="en-US" sz="1400" dirty="0">
+                  <a:solidFill>
+                    <a:schemeClr val="bg1"/>
+                  </a:solidFill>
+                </a:rPr>
+                <a:t>( "|| %c " , board[k][j] ) ; }</a:t>
+              </a:r>
+            </a:p>
+            <a:p>
+              <a:pPr algn="l"/>
+              <a:r>
+                <a:rPr lang="en-US" sz="1400" dirty="0">
+                  <a:solidFill>
+                    <a:schemeClr val="bg1"/>
+                  </a:solidFill>
+                </a:rPr>
+                <a:t>    </a:t>
+              </a:r>
+              <a:r>
+                <a:rPr lang="en-US" sz="1400" dirty="0" err="1">
+                  <a:solidFill>
+                    <a:schemeClr val="bg1"/>
+                  </a:solidFill>
+                </a:rPr>
+                <a:t>printf</a:t>
+              </a:r>
+              <a:r>
+                <a:rPr lang="en-US" sz="1400" dirty="0">
+                  <a:solidFill>
+                    <a:schemeClr val="bg1"/>
+                  </a:solidFill>
+                </a:rPr>
+                <a:t>( "|| \n" ) ;</a:t>
+              </a:r>
+            </a:p>
+            <a:p>
+              <a:pPr algn="l"/>
+              <a:r>
+                <a:rPr lang="en-US" sz="1400" dirty="0">
+                  <a:solidFill>
+                    <a:schemeClr val="bg1"/>
+                  </a:solidFill>
+                </a:rPr>
+                <a:t>    }</a:t>
+              </a:r>
+            </a:p>
+            <a:p>
+              <a:pPr algn="l"/>
+              <a:endParaRPr lang="en-US" sz="1400" dirty="0">
+                <a:solidFill>
+                  <a:schemeClr val="bg1"/>
+                </a:solidFill>
+              </a:endParaRPr>
+            </a:p>
+            <a:p>
+              <a:pPr algn="l"/>
+              <a:r>
+                <a:rPr lang="en-US" sz="1400" dirty="0">
+                  <a:solidFill>
+                    <a:schemeClr val="bg1"/>
+                  </a:solidFill>
+                </a:rPr>
+                <a:t>    </a:t>
+              </a:r>
+              <a:r>
+                <a:rPr lang="en-US" sz="1400" dirty="0" err="1">
+                  <a:solidFill>
+                    <a:schemeClr val="bg1"/>
+                  </a:solidFill>
+                </a:rPr>
+                <a:t>printf</a:t>
+              </a:r>
+              <a:r>
+                <a:rPr lang="en-US" sz="1400" dirty="0">
+                  <a:solidFill>
+                    <a:schemeClr val="bg1"/>
+                  </a:solidFill>
+                </a:rPr>
+                <a:t>( "  " ) ;</a:t>
+              </a:r>
+            </a:p>
+            <a:p>
+              <a:pPr algn="l"/>
+              <a:r>
+                <a:rPr lang="en-US" sz="1400" dirty="0">
+                  <a:solidFill>
+                    <a:schemeClr val="bg1"/>
+                  </a:solidFill>
+                </a:rPr>
+                <a:t>    for( </a:t>
+              </a:r>
+              <a:r>
+                <a:rPr lang="en-US" sz="1400" dirty="0" err="1">
+                  <a:solidFill>
+                    <a:schemeClr val="bg1"/>
+                  </a:solidFill>
+                </a:rPr>
+                <a:t>i</a:t>
+              </a:r>
+              <a:r>
+                <a:rPr lang="en-US" sz="1400" dirty="0">
+                  <a:solidFill>
+                    <a:schemeClr val="bg1"/>
+                  </a:solidFill>
+                </a:rPr>
+                <a:t>=0 ; </a:t>
+              </a:r>
+              <a:r>
+                <a:rPr lang="en-US" sz="1400" dirty="0" err="1">
+                  <a:solidFill>
+                    <a:schemeClr val="bg1"/>
+                  </a:solidFill>
+                </a:rPr>
+                <a:t>i</a:t>
+              </a:r>
+              <a:r>
+                <a:rPr lang="en-US" sz="1400" dirty="0">
+                  <a:solidFill>
+                    <a:schemeClr val="bg1"/>
+                  </a:solidFill>
+                </a:rPr>
+                <a:t>&lt;42 ; </a:t>
+              </a:r>
+              <a:r>
+                <a:rPr lang="en-US" sz="1400" dirty="0" err="1">
+                  <a:solidFill>
+                    <a:schemeClr val="bg1"/>
+                  </a:solidFill>
+                </a:rPr>
+                <a:t>i</a:t>
+              </a:r>
+              <a:r>
+                <a:rPr lang="en-US" sz="1400" dirty="0">
+                  <a:solidFill>
+                    <a:schemeClr val="bg1"/>
+                  </a:solidFill>
+                </a:rPr>
+                <a:t>++ ) { </a:t>
+              </a:r>
+              <a:r>
+                <a:rPr lang="en-US" sz="1400" dirty="0" err="1">
+                  <a:solidFill>
+                    <a:schemeClr val="bg1"/>
+                  </a:solidFill>
+                </a:rPr>
+                <a:t>printf</a:t>
+              </a:r>
+              <a:r>
+                <a:rPr lang="en-US" sz="1400" dirty="0">
+                  <a:solidFill>
+                    <a:schemeClr val="bg1"/>
+                  </a:solidFill>
+                </a:rPr>
+                <a:t>( "-" ) ; } </a:t>
+              </a:r>
+              <a:r>
+                <a:rPr lang="en-US" sz="1400" dirty="0" err="1">
+                  <a:solidFill>
+                    <a:schemeClr val="bg1"/>
+                  </a:solidFill>
+                </a:rPr>
+                <a:t>printf</a:t>
+              </a:r>
+              <a:r>
+                <a:rPr lang="en-US" sz="1400" dirty="0">
+                  <a:solidFill>
+                    <a:schemeClr val="bg1"/>
+                  </a:solidFill>
+                </a:rPr>
+                <a:t>( "\n" ) ;</a:t>
+              </a:r>
+            </a:p>
+            <a:p>
+              <a:pPr algn="l"/>
+              <a:r>
+                <a:rPr lang="en-US" sz="1400" dirty="0">
+                  <a:solidFill>
+                    <a:schemeClr val="bg1"/>
+                  </a:solidFill>
+                </a:rPr>
+                <a:t>    </a:t>
+              </a:r>
+            </a:p>
+            <a:p>
+              <a:pPr algn="l"/>
+              <a:r>
+                <a:rPr lang="en-US" sz="1400" dirty="0">
+                  <a:solidFill>
+                    <a:schemeClr val="bg1"/>
+                  </a:solidFill>
+                </a:rPr>
+                <a:t>    </a:t>
+              </a:r>
+            </a:p>
+            <a:p>
+              <a:pPr algn="l"/>
+              <a:endParaRPr lang="en-US" sz="1400" dirty="0">
+                <a:solidFill>
+                  <a:schemeClr val="bg1"/>
+                </a:solidFill>
+              </a:endParaRPr>
+            </a:p>
+            <a:p>
+              <a:pPr algn="l"/>
+              <a:r>
+                <a:rPr lang="en-US" sz="1400" dirty="0">
+                  <a:solidFill>
+                    <a:schemeClr val="bg1"/>
+                  </a:solidFill>
+                </a:rPr>
+                <a:t>}</a:t>
+              </a:r>
             </a:p>
           </p:txBody>
         </p:sp>
@@ -11585,7 +11450,7 @@
           <a:lstStyle/>
           <a:p>
             <a:r>
-              <a:rPr lang="en-US" sz="5400" b="1" dirty="0" smtClean="0">
+              <a:rPr lang="en-US" sz="5400" b="1" dirty="0">
                 <a:solidFill>
                   <a:schemeClr val="bg1"/>
                 </a:solidFill>
@@ -11600,19 +11465,6 @@
               </a:rPr>
               <a:t>2 - Piece </a:t>
             </a:r>
-            <a:endParaRPr lang="en-US" sz="5400" b="1" dirty="0">
-              <a:solidFill>
-                <a:schemeClr val="bg1"/>
-              </a:solidFill>
-              <a:effectLst>
-                <a:outerShdw blurRad="38100" dist="38100" dir="2700000" algn="tl">
-                  <a:srgbClr val="000000">
-                    <a:alpha val="43137"/>
-                  </a:srgbClr>
-                </a:outerShdw>
-              </a:effectLst>
-              <a:latin typeface="Britannic Bold" panose="020B0903060703020204" pitchFamily="34" charset="0"/>
-            </a:endParaRPr>
           </a:p>
         </p:txBody>
       </p:sp>
@@ -11640,7 +11492,7 @@
           <a:p>
             <a:pPr algn="l"/>
             <a:r>
-              <a:rPr lang="en-US" dirty="0" smtClean="0">
+              <a:rPr lang="en-US" dirty="0">
                 <a:solidFill>
                   <a:schemeClr val="bg1">
                     <a:lumMod val="65000"/>
@@ -11653,7 +11505,7 @@
           <a:p>
             <a:pPr algn="l"/>
             <a:r>
-              <a:rPr lang="en-US" dirty="0" smtClean="0">
+              <a:rPr lang="en-US" dirty="0">
                 <a:solidFill>
                   <a:schemeClr val="bg1">
                     <a:lumMod val="65000"/>
@@ -11666,7 +11518,7 @@
           <a:p>
             <a:pPr algn="l"/>
             <a:r>
-              <a:rPr lang="en-US" dirty="0" smtClean="0">
+              <a:rPr lang="en-US" dirty="0">
                 <a:solidFill>
                   <a:schemeClr val="bg1">
                     <a:lumMod val="65000"/>
@@ -12309,7 +12161,7 @@
             <a:p>
               <a:pPr algn="l"/>
               <a:r>
-                <a:rPr lang="en-US" sz="2400" dirty="0" smtClean="0">
+                <a:rPr lang="en-US" sz="2400" dirty="0">
                   <a:solidFill>
                     <a:schemeClr val="bg1"/>
                   </a:solidFill>
@@ -12317,7 +12169,7 @@
                 <a:t>void </a:t>
               </a:r>
               <a:r>
-                <a:rPr lang="en-US" sz="2400" dirty="0" smtClean="0">
+                <a:rPr lang="en-US" sz="2400" dirty="0">
                   <a:solidFill>
                     <a:srgbClr val="C00000"/>
                   </a:solidFill>
@@ -12325,7 +12177,7 @@
                 <a:t>pawn</a:t>
               </a:r>
               <a:r>
-                <a:rPr lang="en-US" sz="2400" dirty="0" smtClean="0">
+                <a:rPr lang="en-US" sz="2400" dirty="0">
                   <a:solidFill>
                     <a:schemeClr val="bg1"/>
                   </a:solidFill>
@@ -12333,7 +12185,7 @@
                 <a:t>(</a:t>
               </a:r>
               <a:r>
-                <a:rPr lang="en-US" sz="2400" dirty="0" err="1" smtClean="0">
+                <a:rPr lang="en-US" sz="2400" dirty="0" err="1">
                   <a:solidFill>
                     <a:schemeClr val="bg1"/>
                   </a:solidFill>
@@ -12341,7 +12193,7 @@
                 <a:t>int</a:t>
               </a:r>
               <a:r>
-                <a:rPr lang="en-US" sz="2400" dirty="0" smtClean="0">
+                <a:rPr lang="en-US" sz="2400" dirty="0">
                   <a:solidFill>
                     <a:schemeClr val="bg1"/>
                   </a:solidFill>
@@ -12349,7 +12201,7 @@
                 <a:t> , </a:t>
               </a:r>
               <a:r>
-                <a:rPr lang="en-US" sz="2400" dirty="0" err="1" smtClean="0">
+                <a:rPr lang="en-US" sz="2400" dirty="0" err="1">
                   <a:solidFill>
                     <a:schemeClr val="bg1"/>
                   </a:solidFill>
@@ -12357,7 +12209,7 @@
                 <a:t>int</a:t>
               </a:r>
               <a:r>
-                <a:rPr lang="en-US" sz="2400" dirty="0" smtClean="0">
+                <a:rPr lang="en-US" sz="2400" dirty="0">
                   <a:solidFill>
                     <a:schemeClr val="bg1"/>
                   </a:solidFill>
@@ -12368,7 +12220,7 @@
             <a:p>
               <a:pPr algn="l"/>
               <a:r>
-                <a:rPr lang="en-US" sz="2400" dirty="0" smtClean="0">
+                <a:rPr lang="en-US" sz="2400" dirty="0">
                   <a:solidFill>
                     <a:schemeClr val="bg1"/>
                   </a:solidFill>
@@ -12376,7 +12228,7 @@
                 <a:t>void </a:t>
               </a:r>
               <a:r>
-                <a:rPr lang="en-US" sz="2400" dirty="0" smtClean="0">
+                <a:rPr lang="en-US" sz="2400" dirty="0">
                   <a:solidFill>
                     <a:srgbClr val="C00000"/>
                   </a:solidFill>
@@ -12384,7 +12236,7 @@
                 <a:t>rook</a:t>
               </a:r>
               <a:r>
-                <a:rPr lang="en-US" sz="2400" dirty="0" smtClean="0">
+                <a:rPr lang="en-US" sz="2400" dirty="0">
                   <a:solidFill>
                     <a:schemeClr val="bg1"/>
                   </a:solidFill>
@@ -12392,7 +12244,7 @@
                 <a:t>(</a:t>
               </a:r>
               <a:r>
-                <a:rPr lang="en-US" sz="2400" dirty="0" err="1" smtClean="0">
+                <a:rPr lang="en-US" sz="2400" dirty="0" err="1">
                   <a:solidFill>
                     <a:schemeClr val="bg1"/>
                   </a:solidFill>
@@ -12400,7 +12252,7 @@
                 <a:t>int</a:t>
               </a:r>
               <a:r>
-                <a:rPr lang="en-US" sz="2400" dirty="0" smtClean="0">
+                <a:rPr lang="en-US" sz="2400" dirty="0">
                   <a:solidFill>
                     <a:schemeClr val="bg1"/>
                   </a:solidFill>
@@ -12408,7 +12260,7 @@
                 <a:t> , </a:t>
               </a:r>
               <a:r>
-                <a:rPr lang="en-US" sz="2400" dirty="0" err="1" smtClean="0">
+                <a:rPr lang="en-US" sz="2400" dirty="0" err="1">
                   <a:solidFill>
                     <a:schemeClr val="bg1"/>
                   </a:solidFill>
@@ -12416,7 +12268,7 @@
                 <a:t>int</a:t>
               </a:r>
               <a:r>
-                <a:rPr lang="en-US" sz="2400" dirty="0" smtClean="0">
+                <a:rPr lang="en-US" sz="2400" dirty="0">
                   <a:solidFill>
                     <a:schemeClr val="bg1"/>
                   </a:solidFill>
@@ -12427,7 +12279,7 @@
             <a:p>
               <a:pPr algn="l"/>
               <a:r>
-                <a:rPr lang="en-US" sz="2400" dirty="0" smtClean="0">
+                <a:rPr lang="en-US" sz="2400" dirty="0">
                   <a:solidFill>
                     <a:schemeClr val="bg1"/>
                   </a:solidFill>
@@ -12435,7 +12287,7 @@
                 <a:t>void </a:t>
               </a:r>
               <a:r>
-                <a:rPr lang="en-US" sz="2400" dirty="0" smtClean="0">
+                <a:rPr lang="en-US" sz="2400" dirty="0">
                   <a:solidFill>
                     <a:srgbClr val="C00000"/>
                   </a:solidFill>
@@ -12443,7 +12295,7 @@
                 <a:t>horse</a:t>
               </a:r>
               <a:r>
-                <a:rPr lang="en-US" sz="2400" dirty="0" smtClean="0">
+                <a:rPr lang="en-US" sz="2400" dirty="0">
                   <a:solidFill>
                     <a:schemeClr val="bg1"/>
                   </a:solidFill>
@@ -12451,7 +12303,7 @@
                 <a:t>(</a:t>
               </a:r>
               <a:r>
-                <a:rPr lang="en-US" sz="2400" dirty="0" err="1" smtClean="0">
+                <a:rPr lang="en-US" sz="2400" dirty="0" err="1">
                   <a:solidFill>
                     <a:schemeClr val="bg1"/>
                   </a:solidFill>
@@ -12459,7 +12311,7 @@
                 <a:t>int</a:t>
               </a:r>
               <a:r>
-                <a:rPr lang="en-US" sz="2400" dirty="0" smtClean="0">
+                <a:rPr lang="en-US" sz="2400" dirty="0">
                   <a:solidFill>
                     <a:schemeClr val="bg1"/>
                   </a:solidFill>
@@ -12467,7 +12319,7 @@
                 <a:t> , </a:t>
               </a:r>
               <a:r>
-                <a:rPr lang="en-US" sz="2400" dirty="0" err="1" smtClean="0">
+                <a:rPr lang="en-US" sz="2400" dirty="0" err="1">
                   <a:solidFill>
                     <a:schemeClr val="bg1"/>
                   </a:solidFill>
@@ -12475,7 +12327,7 @@
                 <a:t>int</a:t>
               </a:r>
               <a:r>
-                <a:rPr lang="en-US" sz="2400" dirty="0" smtClean="0">
+                <a:rPr lang="en-US" sz="2400" dirty="0">
                   <a:solidFill>
                     <a:schemeClr val="bg1"/>
                   </a:solidFill>
@@ -12486,7 +12338,7 @@
             <a:p>
               <a:pPr algn="l"/>
               <a:r>
-                <a:rPr lang="en-US" sz="2400" dirty="0" smtClean="0">
+                <a:rPr lang="en-US" sz="2400" dirty="0">
                   <a:solidFill>
                     <a:schemeClr val="bg1"/>
                   </a:solidFill>
@@ -12494,7 +12346,7 @@
                 <a:t>void </a:t>
               </a:r>
               <a:r>
-                <a:rPr lang="en-US" sz="2400" dirty="0" smtClean="0">
+                <a:rPr lang="en-US" sz="2400" dirty="0">
                   <a:solidFill>
                     <a:srgbClr val="C00000"/>
                   </a:solidFill>
@@ -12502,7 +12354,7 @@
                 <a:t>camel</a:t>
               </a:r>
               <a:r>
-                <a:rPr lang="en-US" sz="2400" dirty="0" smtClean="0">
+                <a:rPr lang="en-US" sz="2400" dirty="0">
                   <a:solidFill>
                     <a:schemeClr val="bg1"/>
                   </a:solidFill>
@@ -12510,7 +12362,7 @@
                 <a:t>( </a:t>
               </a:r>
               <a:r>
-                <a:rPr lang="en-US" sz="2400" dirty="0" err="1" smtClean="0">
+                <a:rPr lang="en-US" sz="2400" dirty="0" err="1">
                   <a:solidFill>
                     <a:schemeClr val="bg1"/>
                   </a:solidFill>
@@ -12518,7 +12370,7 @@
                 <a:t>int</a:t>
               </a:r>
               <a:r>
-                <a:rPr lang="en-US" sz="2400" dirty="0" smtClean="0">
+                <a:rPr lang="en-US" sz="2400" dirty="0">
                   <a:solidFill>
                     <a:schemeClr val="bg1"/>
                   </a:solidFill>
@@ -12526,7 +12378,7 @@
                 <a:t> , </a:t>
               </a:r>
               <a:r>
-                <a:rPr lang="en-US" sz="2400" dirty="0" err="1" smtClean="0">
+                <a:rPr lang="en-US" sz="2400" dirty="0" err="1">
                   <a:solidFill>
                     <a:schemeClr val="bg1"/>
                   </a:solidFill>
@@ -12534,7 +12386,7 @@
                 <a:t>int</a:t>
               </a:r>
               <a:r>
-                <a:rPr lang="en-US" sz="2400" dirty="0" smtClean="0">
+                <a:rPr lang="en-US" sz="2400" dirty="0">
                   <a:solidFill>
                     <a:schemeClr val="bg1"/>
                   </a:solidFill>
@@ -12545,7 +12397,7 @@
             <a:p>
               <a:pPr algn="l"/>
               <a:r>
-                <a:rPr lang="en-US" sz="2400" dirty="0" smtClean="0">
+                <a:rPr lang="en-US" sz="2400" dirty="0">
                   <a:solidFill>
                     <a:schemeClr val="bg1"/>
                   </a:solidFill>
@@ -12553,7 +12405,7 @@
                 <a:t>void </a:t>
               </a:r>
               <a:r>
-                <a:rPr lang="en-US" sz="2400" dirty="0" smtClean="0">
+                <a:rPr lang="en-US" sz="2400" dirty="0">
                   <a:solidFill>
                     <a:srgbClr val="C00000"/>
                   </a:solidFill>
@@ -12561,7 +12413,7 @@
                 <a:t>king</a:t>
               </a:r>
               <a:r>
-                <a:rPr lang="en-US" sz="2400" dirty="0" smtClean="0">
+                <a:rPr lang="en-US" sz="2400" dirty="0">
                   <a:solidFill>
                     <a:schemeClr val="bg1"/>
                   </a:solidFill>
@@ -12569,7 +12421,7 @@
                 <a:t>( </a:t>
               </a:r>
               <a:r>
-                <a:rPr lang="en-US" sz="2400" dirty="0" err="1" smtClean="0">
+                <a:rPr lang="en-US" sz="2400" dirty="0" err="1">
                   <a:solidFill>
                     <a:schemeClr val="bg1"/>
                   </a:solidFill>
@@ -12577,7 +12429,7 @@
                 <a:t>int</a:t>
               </a:r>
               <a:r>
-                <a:rPr lang="en-US" sz="2400" dirty="0" smtClean="0">
+                <a:rPr lang="en-US" sz="2400" dirty="0">
                   <a:solidFill>
                     <a:schemeClr val="bg1"/>
                   </a:solidFill>
@@ -12585,7 +12437,7 @@
                 <a:t> , </a:t>
               </a:r>
               <a:r>
-                <a:rPr lang="en-US" sz="2400" dirty="0" err="1" smtClean="0">
+                <a:rPr lang="en-US" sz="2400" dirty="0" err="1">
                   <a:solidFill>
                     <a:schemeClr val="bg1"/>
                   </a:solidFill>
@@ -12593,7 +12445,7 @@
                 <a:t>int</a:t>
               </a:r>
               <a:r>
-                <a:rPr lang="en-US" sz="2400" dirty="0" smtClean="0">
+                <a:rPr lang="en-US" sz="2400" dirty="0">
                   <a:solidFill>
                     <a:schemeClr val="bg1"/>
                   </a:solidFill>
@@ -12604,7 +12456,7 @@
             <a:p>
               <a:pPr algn="l"/>
               <a:r>
-                <a:rPr lang="en-US" sz="2400" dirty="0" smtClean="0">
+                <a:rPr lang="en-US" sz="2400" dirty="0">
                   <a:solidFill>
                     <a:schemeClr val="bg1"/>
                   </a:solidFill>
@@ -12612,7 +12464,7 @@
                 <a:t>void </a:t>
               </a:r>
               <a:r>
-                <a:rPr lang="en-US" sz="2400" dirty="0" smtClean="0">
+                <a:rPr lang="en-US" sz="2400" dirty="0">
                   <a:solidFill>
                     <a:srgbClr val="C00000"/>
                   </a:solidFill>
@@ -12620,7 +12472,7 @@
                 <a:t>queen</a:t>
               </a:r>
               <a:r>
-                <a:rPr lang="en-US" sz="2400" dirty="0" smtClean="0">
+                <a:rPr lang="en-US" sz="2400" dirty="0">
                   <a:solidFill>
                     <a:schemeClr val="bg1"/>
                   </a:solidFill>
@@ -12628,7 +12480,7 @@
                 <a:t>( </a:t>
               </a:r>
               <a:r>
-                <a:rPr lang="en-US" sz="2400" dirty="0" err="1" smtClean="0">
+                <a:rPr lang="en-US" sz="2400" dirty="0" err="1">
                   <a:solidFill>
                     <a:schemeClr val="bg1"/>
                   </a:solidFill>
@@ -12636,7 +12488,7 @@
                 <a:t>int</a:t>
               </a:r>
               <a:r>
-                <a:rPr lang="en-US" sz="2400" dirty="0" smtClean="0">
+                <a:rPr lang="en-US" sz="2400" dirty="0">
                   <a:solidFill>
                     <a:schemeClr val="bg1"/>
                   </a:solidFill>
@@ -12644,7 +12496,7 @@
                 <a:t> , </a:t>
               </a:r>
               <a:r>
-                <a:rPr lang="en-US" sz="2400" dirty="0" err="1" smtClean="0">
+                <a:rPr lang="en-US" sz="2400" dirty="0" err="1">
                   <a:solidFill>
                     <a:schemeClr val="bg1"/>
                   </a:solidFill>
@@ -12652,7 +12504,7 @@
                 <a:t>int</a:t>
               </a:r>
               <a:r>
-                <a:rPr lang="en-US" sz="2400" dirty="0" smtClean="0">
+                <a:rPr lang="en-US" sz="2400" dirty="0">
                   <a:solidFill>
                     <a:schemeClr val="bg1"/>
                   </a:solidFill>
@@ -12663,7 +12515,7 @@
             <a:p>
               <a:pPr algn="l"/>
               <a:r>
-                <a:rPr lang="en-US" sz="2400" dirty="0" smtClean="0">
+                <a:rPr lang="en-US" sz="2400" dirty="0">
                   <a:solidFill>
                     <a:schemeClr val="bg1"/>
                   </a:solidFill>
@@ -12671,7 +12523,7 @@
                 <a:t>void </a:t>
               </a:r>
               <a:r>
-                <a:rPr lang="en-US" sz="2400" dirty="0" err="1" smtClean="0">
+                <a:rPr lang="en-US" sz="2400" dirty="0" err="1">
                   <a:solidFill>
                     <a:srgbClr val="C00000"/>
                   </a:solidFill>
@@ -12679,7 +12531,7 @@
                 <a:t>pawnb</a:t>
               </a:r>
               <a:r>
-                <a:rPr lang="en-US" sz="2400" dirty="0" smtClean="0">
+                <a:rPr lang="en-US" sz="2400" dirty="0">
                   <a:solidFill>
                     <a:schemeClr val="bg1"/>
                   </a:solidFill>
@@ -12687,7 +12539,7 @@
                 <a:t>( </a:t>
               </a:r>
               <a:r>
-                <a:rPr lang="en-US" sz="2400" dirty="0" err="1" smtClean="0">
+                <a:rPr lang="en-US" sz="2400" dirty="0" err="1">
                   <a:solidFill>
                     <a:schemeClr val="bg1"/>
                   </a:solidFill>
@@ -12695,7 +12547,7 @@
                 <a:t>int</a:t>
               </a:r>
               <a:r>
-                <a:rPr lang="en-US" sz="2400" dirty="0" smtClean="0">
+                <a:rPr lang="en-US" sz="2400" dirty="0">
                   <a:solidFill>
                     <a:schemeClr val="bg1"/>
                   </a:solidFill>
@@ -12703,7 +12555,7 @@
                 <a:t> , </a:t>
               </a:r>
               <a:r>
-                <a:rPr lang="en-US" sz="2400" dirty="0" err="1" smtClean="0">
+                <a:rPr lang="en-US" sz="2400" dirty="0" err="1">
                   <a:solidFill>
                     <a:schemeClr val="bg1"/>
                   </a:solidFill>
@@ -12711,7 +12563,7 @@
                 <a:t>int</a:t>
               </a:r>
               <a:r>
-                <a:rPr lang="en-US" sz="2400" dirty="0" smtClean="0">
+                <a:rPr lang="en-US" sz="2400" dirty="0">
                   <a:solidFill>
                     <a:schemeClr val="bg1"/>
                   </a:solidFill>
@@ -12858,7 +12710,7 @@
             <a:p>
               <a:pPr algn="l"/>
               <a:r>
-                <a:rPr lang="en-US" sz="1600" dirty="0" smtClean="0">
+                <a:rPr lang="en-US" sz="1600" dirty="0">
                   <a:solidFill>
                     <a:schemeClr val="bg1"/>
                   </a:solidFill>
@@ -12866,7 +12718,7 @@
                 <a:t>void pawn( </a:t>
               </a:r>
               <a:r>
-                <a:rPr lang="en-US" sz="1600" dirty="0" err="1" smtClean="0">
+                <a:rPr lang="en-US" sz="1600" dirty="0" err="1">
                   <a:solidFill>
                     <a:schemeClr val="bg1"/>
                   </a:solidFill>
@@ -12874,7 +12726,7 @@
                 <a:t>int</a:t>
               </a:r>
               <a:r>
-                <a:rPr lang="en-US" sz="1600" dirty="0" smtClean="0">
+                <a:rPr lang="en-US" sz="1600" dirty="0">
                   <a:solidFill>
                     <a:schemeClr val="bg1"/>
                   </a:solidFill>
@@ -12882,7 +12734,7 @@
                 <a:t> r1 , </a:t>
               </a:r>
               <a:r>
-                <a:rPr lang="en-US" sz="1600" dirty="0" err="1" smtClean="0">
+                <a:rPr lang="en-US" sz="1600" dirty="0" err="1">
                   <a:solidFill>
                     <a:schemeClr val="bg1"/>
                   </a:solidFill>
@@ -12890,7 +12742,7 @@
                 <a:t>int</a:t>
               </a:r>
               <a:r>
-                <a:rPr lang="en-US" sz="1600" dirty="0" smtClean="0">
+                <a:rPr lang="en-US" sz="1600" dirty="0">
                   <a:solidFill>
                     <a:schemeClr val="bg1"/>
                   </a:solidFill>
@@ -12898,442 +12750,437 @@
                 <a:t> c1 ) // </a:t>
               </a:r>
               <a:r>
-                <a:rPr lang="en-US" sz="1600" dirty="0" err="1" smtClean="0">
+                <a:rPr lang="en-US" sz="1600" dirty="0" err="1">
                   <a:solidFill>
                     <a:schemeClr val="bg1"/>
                   </a:solidFill>
                 </a:rPr>
                 <a:t>paido</a:t>
-              </a:r>
-              <a:endParaRPr lang="en-US" sz="1600" dirty="0" smtClean="0">
-                <a:solidFill>
-                  <a:schemeClr val="bg1"/>
-                </a:solidFill>
-              </a:endParaRPr>
-            </a:p>
-            <a:p>
-              <a:pPr algn="l"/>
-              <a:r>
-                <a:rPr lang="en-US" sz="1600" dirty="0" smtClean="0">
-                  <a:solidFill>
-                    <a:schemeClr val="bg1"/>
-                  </a:solidFill>
-                </a:rPr>
-                <a:t>{</a:t>
-              </a:r>
-            </a:p>
-            <a:p>
-              <a:pPr algn="l"/>
-              <a:r>
-                <a:rPr lang="en-US" sz="1600" dirty="0" smtClean="0">
-                  <a:solidFill>
-                    <a:schemeClr val="bg1"/>
-                  </a:solidFill>
-                </a:rPr>
-                <a:t>    </a:t>
-              </a:r>
-              <a:r>
-                <a:rPr lang="en-US" sz="1600" dirty="0" err="1" smtClean="0">
-                  <a:solidFill>
-                    <a:schemeClr val="bg1"/>
-                  </a:solidFill>
-                </a:rPr>
-                <a:t>int</a:t>
-              </a:r>
-              <a:r>
-                <a:rPr lang="en-US" sz="1600" dirty="0" smtClean="0">
-                  <a:solidFill>
-                    <a:schemeClr val="bg1"/>
-                  </a:solidFill>
-                </a:rPr>
-                <a:t> </a:t>
-              </a:r>
-              <a:r>
-                <a:rPr lang="en-US" sz="1600" dirty="0" err="1" smtClean="0">
-                  <a:solidFill>
-                    <a:schemeClr val="bg1"/>
-                  </a:solidFill>
-                </a:rPr>
-                <a:t>i</a:t>
-              </a:r>
-              <a:r>
-                <a:rPr lang="en-US" sz="1600" dirty="0" smtClean="0">
-                  <a:solidFill>
-                    <a:schemeClr val="bg1"/>
-                  </a:solidFill>
-                </a:rPr>
-                <a:t>;</a:t>
-              </a:r>
-            </a:p>
-            <a:p>
-              <a:pPr algn="l"/>
-              <a:r>
-                <a:rPr lang="en-US" sz="1600" dirty="0" smtClean="0">
-                  <a:solidFill>
-                    <a:schemeClr val="bg1"/>
-                  </a:solidFill>
-                </a:rPr>
-                <a:t>    </a:t>
-              </a:r>
-            </a:p>
-            <a:p>
-              <a:pPr algn="l"/>
-              <a:r>
-                <a:rPr lang="en-US" sz="1600" dirty="0" smtClean="0">
-                  <a:solidFill>
-                    <a:schemeClr val="bg1"/>
-                  </a:solidFill>
-                </a:rPr>
-                <a:t>	</a:t>
-              </a:r>
-              <a:r>
-                <a:rPr lang="en-US" sz="1600" dirty="0" err="1" smtClean="0">
-                  <a:solidFill>
-                    <a:schemeClr val="bg1"/>
-                  </a:solidFill>
-                </a:rPr>
-                <a:t>pwstatus</a:t>
-              </a:r>
-              <a:r>
-                <a:rPr lang="en-US" sz="1600" dirty="0" smtClean="0">
-                  <a:solidFill>
-                    <a:schemeClr val="bg1"/>
-                  </a:solidFill>
-                </a:rPr>
-                <a:t>[c1]++;</a:t>
-              </a:r>
-            </a:p>
-            <a:p>
-              <a:pPr algn="l"/>
-              <a:r>
-                <a:rPr lang="en-US" sz="1600" dirty="0" smtClean="0">
-                  <a:solidFill>
-                    <a:schemeClr val="bg1"/>
-                  </a:solidFill>
-                </a:rPr>
-                <a:t>		</a:t>
-              </a:r>
-            </a:p>
-            <a:p>
-              <a:pPr algn="l"/>
-              <a:r>
-                <a:rPr lang="en-US" sz="1600" dirty="0" smtClean="0">
-                  <a:solidFill>
-                    <a:schemeClr val="bg1"/>
-                  </a:solidFill>
-                </a:rPr>
-                <a:t>	for (</a:t>
-              </a:r>
-              <a:r>
-                <a:rPr lang="en-US" sz="1600" dirty="0" err="1" smtClean="0">
-                  <a:solidFill>
-                    <a:schemeClr val="bg1"/>
-                  </a:solidFill>
-                </a:rPr>
-                <a:t>i</a:t>
-              </a:r>
-              <a:r>
-                <a:rPr lang="en-US" sz="1600" dirty="0" smtClean="0">
-                  <a:solidFill>
-                    <a:schemeClr val="bg1"/>
-                  </a:solidFill>
-                </a:rPr>
-                <a:t>=0;i&lt;100;++</a:t>
-              </a:r>
-              <a:r>
-                <a:rPr lang="en-US" sz="1600" dirty="0" err="1" smtClean="0">
-                  <a:solidFill>
-                    <a:schemeClr val="bg1"/>
-                  </a:solidFill>
-                </a:rPr>
-                <a:t>i</a:t>
-              </a:r>
-              <a:r>
-                <a:rPr lang="en-US" sz="1600" dirty="0" smtClean="0">
-                  <a:solidFill>
-                    <a:schemeClr val="bg1"/>
-                  </a:solidFill>
-                </a:rPr>
-                <a:t>){</a:t>
-              </a:r>
-            </a:p>
-            <a:p>
-              <a:pPr algn="l"/>
-              <a:r>
-                <a:rPr lang="en-US" sz="1600" dirty="0" smtClean="0">
-                  <a:solidFill>
-                    <a:schemeClr val="bg1"/>
-                  </a:solidFill>
-                </a:rPr>
-                <a:t>		</a:t>
-              </a:r>
-              <a:r>
-                <a:rPr lang="en-US" sz="1600" dirty="0" err="1" smtClean="0">
-                  <a:solidFill>
-                    <a:schemeClr val="bg1"/>
-                  </a:solidFill>
-                </a:rPr>
-                <a:t>lim</a:t>
-              </a:r>
-              <a:r>
-                <a:rPr lang="en-US" sz="1600" dirty="0" smtClean="0">
-                  <a:solidFill>
-                    <a:schemeClr val="bg1"/>
-                  </a:solidFill>
-                </a:rPr>
-                <a:t>[</a:t>
-              </a:r>
-              <a:r>
-                <a:rPr lang="en-US" sz="1600" dirty="0" err="1" smtClean="0">
-                  <a:solidFill>
-                    <a:schemeClr val="bg1"/>
-                  </a:solidFill>
-                </a:rPr>
-                <a:t>i</a:t>
-              </a:r>
-              <a:r>
-                <a:rPr lang="en-US" sz="1600" dirty="0" smtClean="0">
-                  <a:solidFill>
-                    <a:schemeClr val="bg1"/>
-                  </a:solidFill>
-                </a:rPr>
-                <a:t>]=0;</a:t>
-              </a:r>
-            </a:p>
-            <a:p>
-              <a:pPr algn="l"/>
-              <a:r>
-                <a:rPr lang="en-US" sz="1600" dirty="0" smtClean="0">
-                  <a:solidFill>
-                    <a:schemeClr val="bg1"/>
-                  </a:solidFill>
-                </a:rPr>
-                <a:t>	}</a:t>
-              </a:r>
-            </a:p>
-            <a:p>
-              <a:pPr algn="l"/>
-              <a:r>
-                <a:rPr lang="en-US" sz="1600" dirty="0" smtClean="0">
-                  <a:solidFill>
-                    <a:schemeClr val="bg1"/>
-                  </a:solidFill>
-                </a:rPr>
-                <a:t>	</a:t>
-              </a:r>
-            </a:p>
-            <a:p>
-              <a:pPr algn="l"/>
-              <a:r>
-                <a:rPr lang="en-US" sz="1600" dirty="0" smtClean="0">
-                  <a:solidFill>
-                    <a:schemeClr val="bg1"/>
-                  </a:solidFill>
-                </a:rPr>
-                <a:t>	</a:t>
-              </a:r>
-              <a:r>
-                <a:rPr lang="en-US" sz="1600" dirty="0" err="1" smtClean="0">
-                  <a:solidFill>
-                    <a:schemeClr val="bg1"/>
-                  </a:solidFill>
-                </a:rPr>
-                <a:t>i</a:t>
-              </a:r>
-              <a:r>
-                <a:rPr lang="en-US" sz="1600" dirty="0" smtClean="0">
-                  <a:solidFill>
-                    <a:schemeClr val="bg1"/>
-                  </a:solidFill>
-                </a:rPr>
-                <a:t>=0;</a:t>
-              </a:r>
-            </a:p>
-            <a:p>
-              <a:pPr algn="l"/>
-              <a:r>
-                <a:rPr lang="en-US" sz="1600" dirty="0" smtClean="0">
-                  <a:solidFill>
-                    <a:schemeClr val="bg1"/>
-                  </a:solidFill>
-                </a:rPr>
-                <a:t>	</a:t>
-              </a:r>
-            </a:p>
-            <a:p>
-              <a:pPr algn="l"/>
-              <a:r>
-                <a:rPr lang="en-US" sz="1600" dirty="0" smtClean="0">
-                  <a:solidFill>
-                    <a:schemeClr val="bg1"/>
-                  </a:solidFill>
-                </a:rPr>
-                <a:t>    </a:t>
-              </a:r>
-              <a:r>
-                <a:rPr lang="en-US" sz="1600" dirty="0" err="1" smtClean="0">
-                  <a:solidFill>
-                    <a:schemeClr val="bg1"/>
-                  </a:solidFill>
-                </a:rPr>
-                <a:t>printf</a:t>
-              </a:r>
-              <a:r>
-                <a:rPr lang="en-US" sz="1600" dirty="0" smtClean="0">
-                  <a:solidFill>
-                    <a:schemeClr val="bg1"/>
-                  </a:solidFill>
-                </a:rPr>
-                <a:t>( "Available are: \n" ) ;</a:t>
-              </a:r>
-            </a:p>
-            <a:p>
-              <a:pPr algn="l"/>
-              <a:endParaRPr lang="en-US" sz="1600" dirty="0" smtClean="0">
-                <a:solidFill>
-                  <a:schemeClr val="bg1"/>
-                </a:solidFill>
-              </a:endParaRPr>
-            </a:p>
-            <a:p>
-              <a:pPr algn="l"/>
-              <a:r>
-                <a:rPr lang="en-US" sz="1600" dirty="0" smtClean="0">
-                  <a:solidFill>
-                    <a:schemeClr val="bg1"/>
-                  </a:solidFill>
-                </a:rPr>
-                <a:t>   if( </a:t>
-              </a:r>
-              <a:r>
-                <a:rPr lang="en-US" sz="1600" dirty="0" err="1" smtClean="0">
-                  <a:solidFill>
-                    <a:schemeClr val="bg1"/>
-                  </a:solidFill>
-                </a:rPr>
-                <a:t>pwstatus</a:t>
-              </a:r>
-              <a:r>
-                <a:rPr lang="en-US" sz="1600" dirty="0" smtClean="0">
-                  <a:solidFill>
-                    <a:schemeClr val="bg1"/>
-                  </a:solidFill>
-                </a:rPr>
-                <a:t>[c1] == 1 )</a:t>
-              </a:r>
-            </a:p>
-            <a:p>
-              <a:pPr algn="l"/>
-              <a:r>
-                <a:rPr lang="en-US" sz="1600" dirty="0" smtClean="0">
-                  <a:solidFill>
-                    <a:schemeClr val="bg1"/>
-                  </a:solidFill>
-                </a:rPr>
-                <a:t>    {</a:t>
-              </a:r>
-            </a:p>
-            <a:p>
-              <a:pPr algn="l"/>
-              <a:r>
-                <a:rPr lang="en-US" sz="1600" dirty="0" smtClean="0">
-                  <a:solidFill>
-                    <a:schemeClr val="bg1"/>
-                  </a:solidFill>
-                </a:rPr>
-                <a:t>        if( board[r1+1][c1] == ' ' ){</a:t>
-              </a:r>
-            </a:p>
-            <a:p>
-              <a:pPr algn="l"/>
-              <a:r>
-                <a:rPr lang="en-US" sz="1600" dirty="0" smtClean="0">
-                  <a:solidFill>
-                    <a:schemeClr val="bg1"/>
-                  </a:solidFill>
-                </a:rPr>
-                <a:t>        	</a:t>
-              </a:r>
-              <a:r>
-                <a:rPr lang="en-US" sz="1600" dirty="0" err="1" smtClean="0">
-                  <a:solidFill>
-                    <a:schemeClr val="bg1"/>
-                  </a:solidFill>
-                </a:rPr>
-                <a:t>printf</a:t>
-              </a:r>
-              <a:r>
-                <a:rPr lang="en-US" sz="1600" dirty="0" smtClean="0">
-                  <a:solidFill>
-                    <a:schemeClr val="bg1"/>
-                  </a:solidFill>
-                </a:rPr>
-                <a:t>( "%</a:t>
-              </a:r>
-              <a:r>
-                <a:rPr lang="en-US" sz="1600" dirty="0" err="1" smtClean="0">
-                  <a:solidFill>
-                    <a:schemeClr val="bg1"/>
-                  </a:solidFill>
-                </a:rPr>
-                <a:t>d%d</a:t>
-              </a:r>
-              <a:r>
-                <a:rPr lang="en-US" sz="1600" dirty="0" smtClean="0">
-                  <a:solidFill>
-                    <a:schemeClr val="bg1"/>
-                  </a:solidFill>
-                </a:rPr>
-                <a:t> , " , r1+1 , c1 ) ;</a:t>
-              </a:r>
-            </a:p>
-            <a:p>
-              <a:pPr algn="l"/>
-              <a:r>
-                <a:rPr lang="en-US" sz="1600" dirty="0" smtClean="0">
-                  <a:solidFill>
-                    <a:schemeClr val="bg1"/>
-                  </a:solidFill>
-                </a:rPr>
-                <a:t>        	</a:t>
-              </a:r>
-              <a:r>
-                <a:rPr lang="en-US" sz="1600" dirty="0" err="1" smtClean="0">
-                  <a:solidFill>
-                    <a:schemeClr val="bg1"/>
-                  </a:solidFill>
-                </a:rPr>
-                <a:t>lim</a:t>
-              </a:r>
-              <a:r>
-                <a:rPr lang="en-US" sz="1600" dirty="0" smtClean="0">
-                  <a:solidFill>
-                    <a:schemeClr val="bg1"/>
-                  </a:solidFill>
-                </a:rPr>
-                <a:t>[</a:t>
-              </a:r>
-              <a:r>
-                <a:rPr lang="en-US" sz="1600" dirty="0" err="1" smtClean="0">
-                  <a:solidFill>
-                    <a:schemeClr val="bg1"/>
-                  </a:solidFill>
-                </a:rPr>
-                <a:t>i</a:t>
-              </a:r>
-              <a:r>
-                <a:rPr lang="en-US" sz="1600" dirty="0" smtClean="0">
-                  <a:solidFill>
-                    <a:schemeClr val="bg1"/>
-                  </a:solidFill>
-                </a:rPr>
-                <a:t>]=((r1+1)*10)+c1;</a:t>
               </a:r>
               <a:endParaRPr lang="en-US" sz="1600" dirty="0">
                 <a:solidFill>
                   <a:schemeClr val="bg1"/>
                 </a:solidFill>
               </a:endParaRPr>
+            </a:p>
+            <a:p>
+              <a:pPr algn="l"/>
+              <a:r>
+                <a:rPr lang="en-US" sz="1600" dirty="0">
+                  <a:solidFill>
+                    <a:schemeClr val="bg1"/>
+                  </a:solidFill>
+                </a:rPr>
+                <a:t>{</a:t>
+              </a:r>
+            </a:p>
+            <a:p>
+              <a:pPr algn="l"/>
+              <a:r>
+                <a:rPr lang="en-US" sz="1600" dirty="0">
+                  <a:solidFill>
+                    <a:schemeClr val="bg1"/>
+                  </a:solidFill>
+                </a:rPr>
+                <a:t>    </a:t>
+              </a:r>
+              <a:r>
+                <a:rPr lang="en-US" sz="1600" dirty="0" err="1">
+                  <a:solidFill>
+                    <a:schemeClr val="bg1"/>
+                  </a:solidFill>
+                </a:rPr>
+                <a:t>int</a:t>
+              </a:r>
+              <a:r>
+                <a:rPr lang="en-US" sz="1600" dirty="0">
+                  <a:solidFill>
+                    <a:schemeClr val="bg1"/>
+                  </a:solidFill>
+                </a:rPr>
+                <a:t> </a:t>
+              </a:r>
+              <a:r>
+                <a:rPr lang="en-US" sz="1600" dirty="0" err="1">
+                  <a:solidFill>
+                    <a:schemeClr val="bg1"/>
+                  </a:solidFill>
+                </a:rPr>
+                <a:t>i</a:t>
+              </a:r>
+              <a:r>
+                <a:rPr lang="en-US" sz="1600" dirty="0">
+                  <a:solidFill>
+                    <a:schemeClr val="bg1"/>
+                  </a:solidFill>
+                </a:rPr>
+                <a:t>;</a:t>
+              </a:r>
+            </a:p>
+            <a:p>
+              <a:pPr algn="l"/>
+              <a:r>
+                <a:rPr lang="en-US" sz="1600" dirty="0">
+                  <a:solidFill>
+                    <a:schemeClr val="bg1"/>
+                  </a:solidFill>
+                </a:rPr>
+                <a:t>    </a:t>
+              </a:r>
+            </a:p>
+            <a:p>
+              <a:pPr algn="l"/>
+              <a:r>
+                <a:rPr lang="en-US" sz="1600" dirty="0">
+                  <a:solidFill>
+                    <a:schemeClr val="bg1"/>
+                  </a:solidFill>
+                </a:rPr>
+                <a:t>	</a:t>
+              </a:r>
+              <a:r>
+                <a:rPr lang="en-US" sz="1600" dirty="0" err="1">
+                  <a:solidFill>
+                    <a:schemeClr val="bg1"/>
+                  </a:solidFill>
+                </a:rPr>
+                <a:t>pwstatus</a:t>
+              </a:r>
+              <a:r>
+                <a:rPr lang="en-US" sz="1600" dirty="0">
+                  <a:solidFill>
+                    <a:schemeClr val="bg1"/>
+                  </a:solidFill>
+                </a:rPr>
+                <a:t>[c1]++;</a:t>
+              </a:r>
+            </a:p>
+            <a:p>
+              <a:pPr algn="l"/>
+              <a:r>
+                <a:rPr lang="en-US" sz="1600" dirty="0">
+                  <a:solidFill>
+                    <a:schemeClr val="bg1"/>
+                  </a:solidFill>
+                </a:rPr>
+                <a:t>		</a:t>
+              </a:r>
+            </a:p>
+            <a:p>
+              <a:pPr algn="l"/>
+              <a:r>
+                <a:rPr lang="en-US" sz="1600" dirty="0">
+                  <a:solidFill>
+                    <a:schemeClr val="bg1"/>
+                  </a:solidFill>
+                </a:rPr>
+                <a:t>	for (</a:t>
+              </a:r>
+              <a:r>
+                <a:rPr lang="en-US" sz="1600" dirty="0" err="1">
+                  <a:solidFill>
+                    <a:schemeClr val="bg1"/>
+                  </a:solidFill>
+                </a:rPr>
+                <a:t>i</a:t>
+              </a:r>
+              <a:r>
+                <a:rPr lang="en-US" sz="1600" dirty="0">
+                  <a:solidFill>
+                    <a:schemeClr val="bg1"/>
+                  </a:solidFill>
+                </a:rPr>
+                <a:t>=0;i&lt;100;++</a:t>
+              </a:r>
+              <a:r>
+                <a:rPr lang="en-US" sz="1600" dirty="0" err="1">
+                  <a:solidFill>
+                    <a:schemeClr val="bg1"/>
+                  </a:solidFill>
+                </a:rPr>
+                <a:t>i</a:t>
+              </a:r>
+              <a:r>
+                <a:rPr lang="en-US" sz="1600" dirty="0">
+                  <a:solidFill>
+                    <a:schemeClr val="bg1"/>
+                  </a:solidFill>
+                </a:rPr>
+                <a:t>){</a:t>
+              </a:r>
+            </a:p>
+            <a:p>
+              <a:pPr algn="l"/>
+              <a:r>
+                <a:rPr lang="en-US" sz="1600" dirty="0">
+                  <a:solidFill>
+                    <a:schemeClr val="bg1"/>
+                  </a:solidFill>
+                </a:rPr>
+                <a:t>		</a:t>
+              </a:r>
+              <a:r>
+                <a:rPr lang="en-US" sz="1600" dirty="0" err="1">
+                  <a:solidFill>
+                    <a:schemeClr val="bg1"/>
+                  </a:solidFill>
+                </a:rPr>
+                <a:t>lim</a:t>
+              </a:r>
+              <a:r>
+                <a:rPr lang="en-US" sz="1600" dirty="0">
+                  <a:solidFill>
+                    <a:schemeClr val="bg1"/>
+                  </a:solidFill>
+                </a:rPr>
+                <a:t>[</a:t>
+              </a:r>
+              <a:r>
+                <a:rPr lang="en-US" sz="1600" dirty="0" err="1">
+                  <a:solidFill>
+                    <a:schemeClr val="bg1"/>
+                  </a:solidFill>
+                </a:rPr>
+                <a:t>i</a:t>
+              </a:r>
+              <a:r>
+                <a:rPr lang="en-US" sz="1600" dirty="0">
+                  <a:solidFill>
+                    <a:schemeClr val="bg1"/>
+                  </a:solidFill>
+                </a:rPr>
+                <a:t>]=0;</a:t>
+              </a:r>
+            </a:p>
+            <a:p>
+              <a:pPr algn="l"/>
+              <a:r>
+                <a:rPr lang="en-US" sz="1600" dirty="0">
+                  <a:solidFill>
+                    <a:schemeClr val="bg1"/>
+                  </a:solidFill>
+                </a:rPr>
+                <a:t>	}</a:t>
+              </a:r>
+            </a:p>
+            <a:p>
+              <a:pPr algn="l"/>
+              <a:r>
+                <a:rPr lang="en-US" sz="1600" dirty="0">
+                  <a:solidFill>
+                    <a:schemeClr val="bg1"/>
+                  </a:solidFill>
+                </a:rPr>
+                <a:t>	</a:t>
+              </a:r>
+            </a:p>
+            <a:p>
+              <a:pPr algn="l"/>
+              <a:r>
+                <a:rPr lang="en-US" sz="1600" dirty="0">
+                  <a:solidFill>
+                    <a:schemeClr val="bg1"/>
+                  </a:solidFill>
+                </a:rPr>
+                <a:t>	</a:t>
+              </a:r>
+              <a:r>
+                <a:rPr lang="en-US" sz="1600" dirty="0" err="1">
+                  <a:solidFill>
+                    <a:schemeClr val="bg1"/>
+                  </a:solidFill>
+                </a:rPr>
+                <a:t>i</a:t>
+              </a:r>
+              <a:r>
+                <a:rPr lang="en-US" sz="1600" dirty="0">
+                  <a:solidFill>
+                    <a:schemeClr val="bg1"/>
+                  </a:solidFill>
+                </a:rPr>
+                <a:t>=0;</a:t>
+              </a:r>
+            </a:p>
+            <a:p>
+              <a:pPr algn="l"/>
+              <a:r>
+                <a:rPr lang="en-US" sz="1600" dirty="0">
+                  <a:solidFill>
+                    <a:schemeClr val="bg1"/>
+                  </a:solidFill>
+                </a:rPr>
+                <a:t>	</a:t>
+              </a:r>
+            </a:p>
+            <a:p>
+              <a:pPr algn="l"/>
+              <a:r>
+                <a:rPr lang="en-US" sz="1600" dirty="0">
+                  <a:solidFill>
+                    <a:schemeClr val="bg1"/>
+                  </a:solidFill>
+                </a:rPr>
+                <a:t>    </a:t>
+              </a:r>
+              <a:r>
+                <a:rPr lang="en-US" sz="1600" dirty="0" err="1">
+                  <a:solidFill>
+                    <a:schemeClr val="bg1"/>
+                  </a:solidFill>
+                </a:rPr>
+                <a:t>printf</a:t>
+              </a:r>
+              <a:r>
+                <a:rPr lang="en-US" sz="1600" dirty="0">
+                  <a:solidFill>
+                    <a:schemeClr val="bg1"/>
+                  </a:solidFill>
+                </a:rPr>
+                <a:t>( "Available are: \n" ) ;</a:t>
+              </a:r>
+            </a:p>
+            <a:p>
+              <a:pPr algn="l"/>
+              <a:endParaRPr lang="en-US" sz="1600" dirty="0">
+                <a:solidFill>
+                  <a:schemeClr val="bg1"/>
+                </a:solidFill>
+              </a:endParaRPr>
+            </a:p>
+            <a:p>
+              <a:pPr algn="l"/>
+              <a:r>
+                <a:rPr lang="en-US" sz="1600" dirty="0">
+                  <a:solidFill>
+                    <a:schemeClr val="bg1"/>
+                  </a:solidFill>
+                </a:rPr>
+                <a:t>   if( </a:t>
+              </a:r>
+              <a:r>
+                <a:rPr lang="en-US" sz="1600" dirty="0" err="1">
+                  <a:solidFill>
+                    <a:schemeClr val="bg1"/>
+                  </a:solidFill>
+                </a:rPr>
+                <a:t>pwstatus</a:t>
+              </a:r>
+              <a:r>
+                <a:rPr lang="en-US" sz="1600" dirty="0">
+                  <a:solidFill>
+                    <a:schemeClr val="bg1"/>
+                  </a:solidFill>
+                </a:rPr>
+                <a:t>[c1] == 1 )</a:t>
+              </a:r>
+            </a:p>
+            <a:p>
+              <a:pPr algn="l"/>
+              <a:r>
+                <a:rPr lang="en-US" sz="1600" dirty="0">
+                  <a:solidFill>
+                    <a:schemeClr val="bg1"/>
+                  </a:solidFill>
+                </a:rPr>
+                <a:t>    {</a:t>
+              </a:r>
+            </a:p>
+            <a:p>
+              <a:pPr algn="l"/>
+              <a:r>
+                <a:rPr lang="en-US" sz="1600" dirty="0">
+                  <a:solidFill>
+                    <a:schemeClr val="bg1"/>
+                  </a:solidFill>
+                </a:rPr>
+                <a:t>        if( board[r1+1][c1] == ' ' ){</a:t>
+              </a:r>
+            </a:p>
+            <a:p>
+              <a:pPr algn="l"/>
+              <a:r>
+                <a:rPr lang="en-US" sz="1600" dirty="0">
+                  <a:solidFill>
+                    <a:schemeClr val="bg1"/>
+                  </a:solidFill>
+                </a:rPr>
+                <a:t>        	</a:t>
+              </a:r>
+              <a:r>
+                <a:rPr lang="en-US" sz="1600" dirty="0" err="1">
+                  <a:solidFill>
+                    <a:schemeClr val="bg1"/>
+                  </a:solidFill>
+                </a:rPr>
+                <a:t>printf</a:t>
+              </a:r>
+              <a:r>
+                <a:rPr lang="en-US" sz="1600" dirty="0">
+                  <a:solidFill>
+                    <a:schemeClr val="bg1"/>
+                  </a:solidFill>
+                </a:rPr>
+                <a:t>( "%</a:t>
+              </a:r>
+              <a:r>
+                <a:rPr lang="en-US" sz="1600" dirty="0" err="1">
+                  <a:solidFill>
+                    <a:schemeClr val="bg1"/>
+                  </a:solidFill>
+                </a:rPr>
+                <a:t>d%d</a:t>
+              </a:r>
+              <a:r>
+                <a:rPr lang="en-US" sz="1600" dirty="0">
+                  <a:solidFill>
+                    <a:schemeClr val="bg1"/>
+                  </a:solidFill>
+                </a:rPr>
+                <a:t> , " , r1+1 , c1 ) ;</a:t>
+              </a:r>
+            </a:p>
+            <a:p>
+              <a:pPr algn="l"/>
+              <a:r>
+                <a:rPr lang="en-US" sz="1600" dirty="0">
+                  <a:solidFill>
+                    <a:schemeClr val="bg1"/>
+                  </a:solidFill>
+                </a:rPr>
+                <a:t>        	</a:t>
+              </a:r>
+              <a:r>
+                <a:rPr lang="en-US" sz="1600" dirty="0" err="1">
+                  <a:solidFill>
+                    <a:schemeClr val="bg1"/>
+                  </a:solidFill>
+                </a:rPr>
+                <a:t>lim</a:t>
+              </a:r>
+              <a:r>
+                <a:rPr lang="en-US" sz="1600" dirty="0">
+                  <a:solidFill>
+                    <a:schemeClr val="bg1"/>
+                  </a:solidFill>
+                </a:rPr>
+                <a:t>[</a:t>
+              </a:r>
+              <a:r>
+                <a:rPr lang="en-US" sz="1600" dirty="0" err="1">
+                  <a:solidFill>
+                    <a:schemeClr val="bg1"/>
+                  </a:solidFill>
+                </a:rPr>
+                <a:t>i</a:t>
+              </a:r>
+              <a:r>
+                <a:rPr lang="en-US" sz="1600" dirty="0">
+                  <a:solidFill>
+                    <a:schemeClr val="bg1"/>
+                  </a:solidFill>
+                </a:rPr>
+                <a:t>]=((r1+1)*10)+c1;</a:t>
+              </a:r>
             </a:p>
           </p:txBody>
         </p:sp>
@@ -13469,7 +13316,7 @@
             <a:p>
               <a:pPr algn="l"/>
               <a:r>
-                <a:rPr lang="en-US" sz="1600" dirty="0" smtClean="0">
+                <a:rPr lang="en-US" sz="1600" dirty="0">
                   <a:solidFill>
                     <a:schemeClr val="bg1"/>
                   </a:solidFill>
@@ -13477,7 +13324,7 @@
                 <a:t>void rook( </a:t>
               </a:r>
               <a:r>
-                <a:rPr lang="en-US" sz="1600" dirty="0" err="1" smtClean="0">
+                <a:rPr lang="en-US" sz="1600" dirty="0" err="1">
                   <a:solidFill>
                     <a:schemeClr val="bg1"/>
                   </a:solidFill>
@@ -13485,7 +13332,7 @@
                 <a:t>int</a:t>
               </a:r>
               <a:r>
-                <a:rPr lang="en-US" sz="1600" dirty="0" smtClean="0">
+                <a:rPr lang="en-US" sz="1600" dirty="0">
                   <a:solidFill>
                     <a:schemeClr val="bg1"/>
                   </a:solidFill>
@@ -13493,7 +13340,7 @@
                 <a:t> r1 , </a:t>
               </a:r>
               <a:r>
-                <a:rPr lang="en-US" sz="1600" dirty="0" err="1" smtClean="0">
+                <a:rPr lang="en-US" sz="1600" dirty="0" err="1">
                   <a:solidFill>
                     <a:schemeClr val="bg1"/>
                   </a:solidFill>
@@ -13501,7 +13348,7 @@
                 <a:t>int</a:t>
               </a:r>
               <a:r>
-                <a:rPr lang="en-US" sz="1600" dirty="0" smtClean="0">
+                <a:rPr lang="en-US" sz="1600" dirty="0">
                   <a:solidFill>
                     <a:schemeClr val="bg1"/>
                   </a:solidFill>
@@ -13512,7 +13359,7 @@
             <a:p>
               <a:pPr algn="l"/>
               <a:r>
-                <a:rPr lang="en-US" sz="1600" dirty="0" smtClean="0">
+                <a:rPr lang="en-US" sz="1600" dirty="0">
                   <a:solidFill>
                     <a:schemeClr val="bg1"/>
                   </a:solidFill>
@@ -13523,7 +13370,7 @@
             <a:p>
               <a:pPr algn="l"/>
               <a:r>
-                <a:rPr lang="en-US" sz="1600" dirty="0" smtClean="0">
+                <a:rPr lang="en-US" sz="1600" dirty="0">
                   <a:solidFill>
                     <a:schemeClr val="bg1"/>
                   </a:solidFill>
@@ -13531,7 +13378,7 @@
                 <a:t>    </a:t>
               </a:r>
               <a:r>
-                <a:rPr lang="en-US" sz="1600" dirty="0" err="1" smtClean="0">
+                <a:rPr lang="en-US" sz="1600" dirty="0" err="1">
                   <a:solidFill>
                     <a:schemeClr val="bg1"/>
                   </a:solidFill>
@@ -13539,7 +13386,7 @@
                 <a:t>int</a:t>
               </a:r>
               <a:r>
-                <a:rPr lang="en-US" sz="1600" dirty="0" smtClean="0">
+                <a:rPr lang="en-US" sz="1600" dirty="0">
                   <a:solidFill>
                     <a:schemeClr val="bg1"/>
                   </a:solidFill>
@@ -13547,7 +13394,7 @@
                 <a:t> </a:t>
               </a:r>
               <a:r>
-                <a:rPr lang="en-US" sz="1600" dirty="0" err="1" smtClean="0">
+                <a:rPr lang="en-US" sz="1600" dirty="0" err="1">
                   <a:solidFill>
                     <a:schemeClr val="bg1"/>
                   </a:solidFill>
@@ -13555,7 +13402,7 @@
                 <a:t>i</a:t>
               </a:r>
               <a:r>
-                <a:rPr lang="en-US" sz="1600" dirty="0" smtClean="0">
+                <a:rPr lang="en-US" sz="1600" dirty="0">
                   <a:solidFill>
                     <a:schemeClr val="bg1"/>
                   </a:solidFill>
@@ -13565,7 +13412,7 @@
             </a:p>
             <a:p>
               <a:pPr algn="l"/>
-              <a:endParaRPr lang="en-US" sz="1600" dirty="0" smtClean="0">
+              <a:endParaRPr lang="en-US" sz="1600" dirty="0">
                 <a:solidFill>
                   <a:schemeClr val="bg1"/>
                 </a:solidFill>
@@ -13574,7 +13421,7 @@
             <a:p>
               <a:pPr algn="l"/>
               <a:r>
-                <a:rPr lang="en-US" sz="1600" dirty="0" smtClean="0">
+                <a:rPr lang="en-US" sz="1600" dirty="0">
                   <a:solidFill>
                     <a:schemeClr val="bg1"/>
                   </a:solidFill>
@@ -13582,7 +13429,7 @@
                 <a:t>    </a:t>
               </a:r>
               <a:r>
-                <a:rPr lang="en-US" sz="1600" dirty="0" err="1" smtClean="0">
+                <a:rPr lang="en-US" sz="1600" dirty="0" err="1">
                   <a:solidFill>
                     <a:schemeClr val="bg1"/>
                   </a:solidFill>
@@ -13590,7 +13437,7 @@
                 <a:t>printf</a:t>
               </a:r>
               <a:r>
-                <a:rPr lang="en-US" sz="1600" dirty="0" smtClean="0">
+                <a:rPr lang="en-US" sz="1600" dirty="0">
                   <a:solidFill>
                     <a:schemeClr val="bg1"/>
                   </a:solidFill>
@@ -13600,7 +13447,7 @@
             </a:p>
             <a:p>
               <a:pPr algn="l"/>
-              <a:endParaRPr lang="en-US" sz="1600" dirty="0" smtClean="0">
+              <a:endParaRPr lang="en-US" sz="1600" dirty="0">
                 <a:solidFill>
                   <a:schemeClr val="bg1"/>
                 </a:solidFill>
@@ -13609,7 +13456,7 @@
             <a:p>
               <a:pPr algn="l"/>
               <a:r>
-                <a:rPr lang="en-US" sz="1600" dirty="0" smtClean="0">
+                <a:rPr lang="en-US" sz="1600" dirty="0">
                   <a:solidFill>
                     <a:schemeClr val="bg1"/>
                   </a:solidFill>
@@ -13620,7 +13467,7 @@
             <a:p>
               <a:pPr algn="l"/>
               <a:r>
-                <a:rPr lang="en-US" sz="1600" dirty="0" smtClean="0">
+                <a:rPr lang="en-US" sz="1600" dirty="0">
                   <a:solidFill>
                     <a:schemeClr val="bg1"/>
                   </a:solidFill>
@@ -13631,7 +13478,7 @@
             <a:p>
               <a:pPr algn="l"/>
               <a:r>
-                <a:rPr lang="en-US" sz="1600" dirty="0" smtClean="0">
+                <a:rPr lang="en-US" sz="1600" dirty="0">
                   <a:solidFill>
                     <a:schemeClr val="bg1"/>
                   </a:solidFill>
@@ -13639,7 +13486,7 @@
                 <a:t>    </a:t>
               </a:r>
               <a:r>
-                <a:rPr lang="en-US" sz="1600" dirty="0" err="1" smtClean="0">
+                <a:rPr lang="en-US" sz="1600" dirty="0" err="1">
                   <a:solidFill>
                     <a:schemeClr val="bg1"/>
                   </a:solidFill>
@@ -13647,7 +13494,7 @@
                 <a:t>printf</a:t>
               </a:r>
               <a:r>
-                <a:rPr lang="en-US" sz="1600" dirty="0" smtClean="0">
+                <a:rPr lang="en-US" sz="1600" dirty="0">
                   <a:solidFill>
                     <a:schemeClr val="bg1"/>
                   </a:solidFill>
@@ -13657,7 +13504,7 @@
             </a:p>
             <a:p>
               <a:pPr algn="l"/>
-              <a:endParaRPr lang="en-US" sz="1600" dirty="0" smtClean="0">
+              <a:endParaRPr lang="en-US" sz="1600" dirty="0">
                 <a:solidFill>
                   <a:schemeClr val="bg1"/>
                 </a:solidFill>
@@ -13666,7 +13513,7 @@
             <a:p>
               <a:pPr algn="l"/>
               <a:r>
-                <a:rPr lang="en-US" sz="1600" dirty="0" smtClean="0">
+                <a:rPr lang="en-US" sz="1600" dirty="0">
                   <a:solidFill>
                     <a:schemeClr val="bg1"/>
                   </a:solidFill>
@@ -13677,7 +13524,7 @@
             <a:p>
               <a:pPr algn="l"/>
               <a:r>
-                <a:rPr lang="en-US" sz="1600" dirty="0" smtClean="0">
+                <a:rPr lang="en-US" sz="1600" dirty="0">
                   <a:solidFill>
                     <a:schemeClr val="bg1"/>
                   </a:solidFill>
@@ -13688,7 +13535,7 @@
             <a:p>
               <a:pPr algn="l"/>
               <a:r>
-                <a:rPr lang="en-US" sz="1600" dirty="0" smtClean="0">
+                <a:rPr lang="en-US" sz="1600" dirty="0">
                   <a:solidFill>
                     <a:schemeClr val="bg1"/>
                   </a:solidFill>
@@ -13699,7 +13546,7 @@
             <a:p>
               <a:pPr algn="l"/>
               <a:r>
-                <a:rPr lang="en-US" sz="1600" dirty="0" smtClean="0">
+                <a:rPr lang="en-US" sz="1600" dirty="0">
                   <a:solidFill>
                     <a:schemeClr val="bg1"/>
                   </a:solidFill>
@@ -13707,7 +13554,7 @@
                 <a:t>        </a:t>
               </a:r>
               <a:r>
-                <a:rPr lang="en-US" sz="1600" dirty="0" err="1" smtClean="0">
+                <a:rPr lang="en-US" sz="1600" dirty="0" err="1">
                   <a:solidFill>
                     <a:schemeClr val="bg1"/>
                   </a:solidFill>
@@ -13715,7 +13562,7 @@
                 <a:t>printf</a:t>
               </a:r>
               <a:r>
-                <a:rPr lang="en-US" sz="1600" dirty="0" smtClean="0">
+                <a:rPr lang="en-US" sz="1600" dirty="0">
                   <a:solidFill>
                     <a:schemeClr val="bg1"/>
                   </a:solidFill>
@@ -13723,7 +13570,7 @@
                 <a:t>( "%</a:t>
               </a:r>
               <a:r>
-                <a:rPr lang="en-US" sz="1600" dirty="0" err="1" smtClean="0">
+                <a:rPr lang="en-US" sz="1600" dirty="0" err="1">
                   <a:solidFill>
                     <a:schemeClr val="bg1"/>
                   </a:solidFill>
@@ -13731,7 +13578,7 @@
                 <a:t>d%d</a:t>
               </a:r>
               <a:r>
-                <a:rPr lang="en-US" sz="1600" dirty="0" smtClean="0">
+                <a:rPr lang="en-US" sz="1600" dirty="0">
                   <a:solidFill>
                     <a:schemeClr val="bg1"/>
                   </a:solidFill>
@@ -13742,7 +13589,7 @@
             <a:p>
               <a:pPr algn="l"/>
               <a:r>
-                <a:rPr lang="en-US" sz="1600" dirty="0" smtClean="0">
+                <a:rPr lang="en-US" sz="1600" dirty="0">
                   <a:solidFill>
                     <a:schemeClr val="bg1"/>
                   </a:solidFill>
@@ -13750,7 +13597,7 @@
                 <a:t>        </a:t>
               </a:r>
               <a:r>
-                <a:rPr lang="en-US" sz="1600" dirty="0" err="1" smtClean="0">
+                <a:rPr lang="en-US" sz="1600" dirty="0" err="1">
                   <a:solidFill>
                     <a:schemeClr val="bg1"/>
                   </a:solidFill>
@@ -13758,7 +13605,7 @@
                 <a:t>lim</a:t>
               </a:r>
               <a:r>
-                <a:rPr lang="en-US" sz="1600" dirty="0" smtClean="0">
+                <a:rPr lang="en-US" sz="1600" dirty="0">
                   <a:solidFill>
                     <a:schemeClr val="bg1"/>
                   </a:solidFill>
@@ -13769,7 +13616,7 @@
             <a:p>
               <a:pPr algn="l"/>
               <a:r>
-                <a:rPr lang="en-US" sz="1600" dirty="0" smtClean="0">
+                <a:rPr lang="en-US" sz="1600" dirty="0">
                   <a:solidFill>
                     <a:schemeClr val="bg1"/>
                   </a:solidFill>
@@ -13780,7 +13627,7 @@
             <a:p>
               <a:pPr algn="l"/>
               <a:r>
-                <a:rPr lang="en-US" sz="1600" dirty="0" smtClean="0">
+                <a:rPr lang="en-US" sz="1600" dirty="0">
                   <a:solidFill>
                     <a:schemeClr val="bg1"/>
                   </a:solidFill>
@@ -13791,7 +13638,7 @@
             <a:p>
               <a:pPr algn="l"/>
               <a:r>
-                <a:rPr lang="en-US" sz="1600" dirty="0" smtClean="0">
+                <a:rPr lang="en-US" sz="1600" dirty="0">
                   <a:solidFill>
                     <a:schemeClr val="bg1"/>
                   </a:solidFill>
@@ -13801,7 +13648,7 @@
             </a:p>
             <a:p>
               <a:pPr algn="l"/>
-              <a:endParaRPr lang="en-US" sz="1600" dirty="0" smtClean="0">
+              <a:endParaRPr lang="en-US" sz="1600" dirty="0">
                 <a:solidFill>
                   <a:schemeClr val="bg1"/>
                 </a:solidFill>
@@ -13941,7 +13788,7 @@
             <a:p>
               <a:pPr algn="l"/>
               <a:r>
-                <a:rPr lang="en-US" sz="1600" dirty="0" smtClean="0">
+                <a:rPr lang="en-US" sz="1600" dirty="0">
                   <a:solidFill>
                     <a:schemeClr val="bg1"/>
                   </a:solidFill>
@@ -13949,7 +13796,7 @@
                 <a:t>void horse( </a:t>
               </a:r>
               <a:r>
-                <a:rPr lang="en-US" sz="1600" dirty="0" err="1" smtClean="0">
+                <a:rPr lang="en-US" sz="1600" dirty="0" err="1">
                   <a:solidFill>
                     <a:schemeClr val="bg1"/>
                   </a:solidFill>
@@ -13957,7 +13804,7 @@
                 <a:t>int</a:t>
               </a:r>
               <a:r>
-                <a:rPr lang="en-US" sz="1600" dirty="0" smtClean="0">
+                <a:rPr lang="en-US" sz="1600" dirty="0">
                   <a:solidFill>
                     <a:schemeClr val="bg1"/>
                   </a:solidFill>
@@ -13965,7 +13812,7 @@
                 <a:t> r1 , </a:t>
               </a:r>
               <a:r>
-                <a:rPr lang="en-US" sz="1600" dirty="0" err="1" smtClean="0">
+                <a:rPr lang="en-US" sz="1600" dirty="0" err="1">
                   <a:solidFill>
                     <a:schemeClr val="bg1"/>
                   </a:solidFill>
@@ -13973,7 +13820,7 @@
                 <a:t>int</a:t>
               </a:r>
               <a:r>
-                <a:rPr lang="en-US" sz="1600" dirty="0" smtClean="0">
+                <a:rPr lang="en-US" sz="1600" dirty="0">
                   <a:solidFill>
                     <a:schemeClr val="bg1"/>
                   </a:solidFill>
@@ -13984,7 +13831,7 @@
             <a:p>
               <a:pPr algn="l"/>
               <a:r>
-                <a:rPr lang="en-US" sz="1600" dirty="0" smtClean="0">
+                <a:rPr lang="en-US" sz="1600" dirty="0">
                   <a:solidFill>
                     <a:schemeClr val="bg1"/>
                   </a:solidFill>
@@ -13995,7 +13842,7 @@
             <a:p>
               <a:pPr algn="l"/>
               <a:r>
-                <a:rPr lang="en-US" sz="1600" dirty="0" smtClean="0">
+                <a:rPr lang="en-US" sz="1600" dirty="0">
                   <a:solidFill>
                     <a:schemeClr val="bg1"/>
                   </a:solidFill>
@@ -14003,7 +13850,7 @@
                 <a:t>	</a:t>
               </a:r>
               <a:r>
-                <a:rPr lang="en-US" sz="1600" dirty="0" err="1" smtClean="0">
+                <a:rPr lang="en-US" sz="1600" dirty="0" err="1">
                   <a:solidFill>
                     <a:schemeClr val="bg1"/>
                   </a:solidFill>
@@ -14011,7 +13858,7 @@
                 <a:t>int</a:t>
               </a:r>
               <a:r>
-                <a:rPr lang="en-US" sz="1600" dirty="0" smtClean="0">
+                <a:rPr lang="en-US" sz="1600" dirty="0">
                   <a:solidFill>
                     <a:schemeClr val="bg1"/>
                   </a:solidFill>
@@ -14019,7 +13866,7 @@
                 <a:t> </a:t>
               </a:r>
               <a:r>
-                <a:rPr lang="en-US" sz="1600" dirty="0" err="1" smtClean="0">
+                <a:rPr lang="en-US" sz="1600" dirty="0" err="1">
                   <a:solidFill>
                     <a:schemeClr val="bg1"/>
                   </a:solidFill>
@@ -14027,7 +13874,7 @@
                 <a:t>i</a:t>
               </a:r>
               <a:r>
-                <a:rPr lang="en-US" sz="1600" dirty="0" smtClean="0">
+                <a:rPr lang="en-US" sz="1600" dirty="0">
                   <a:solidFill>
                     <a:schemeClr val="bg1"/>
                   </a:solidFill>
@@ -14038,7 +13885,7 @@
             <a:p>
               <a:pPr algn="l"/>
               <a:r>
-                <a:rPr lang="en-US" sz="1600" dirty="0" smtClean="0">
+                <a:rPr lang="en-US" sz="1600" dirty="0">
                   <a:solidFill>
                     <a:schemeClr val="bg1"/>
                   </a:solidFill>
@@ -14046,7 +13893,7 @@
                 <a:t>    </a:t>
               </a:r>
               <a:r>
-                <a:rPr lang="en-US" sz="1600" dirty="0" err="1" smtClean="0">
+                <a:rPr lang="en-US" sz="1600" dirty="0" err="1">
                   <a:solidFill>
                     <a:schemeClr val="bg1"/>
                   </a:solidFill>
@@ -14054,7 +13901,7 @@
                 <a:t>printf</a:t>
               </a:r>
               <a:r>
-                <a:rPr lang="en-US" sz="1600" dirty="0" smtClean="0">
+                <a:rPr lang="en-US" sz="1600" dirty="0">
                   <a:solidFill>
                     <a:schemeClr val="bg1"/>
                   </a:solidFill>
@@ -14064,7 +13911,7 @@
             </a:p>
             <a:p>
               <a:pPr algn="l"/>
-              <a:endParaRPr lang="en-US" sz="1600" dirty="0" smtClean="0">
+              <a:endParaRPr lang="en-US" sz="1600" dirty="0">
                 <a:solidFill>
                   <a:schemeClr val="bg1"/>
                 </a:solidFill>
@@ -14072,7 +13919,7 @@
             </a:p>
             <a:p>
               <a:pPr algn="l"/>
-              <a:endParaRPr lang="en-US" sz="1600" dirty="0" smtClean="0">
+              <a:endParaRPr lang="en-US" sz="1600" dirty="0">
                 <a:solidFill>
                   <a:schemeClr val="bg1"/>
                 </a:solidFill>
@@ -14081,7 +13928,7 @@
             <a:p>
               <a:pPr algn="l"/>
               <a:r>
-                <a:rPr lang="en-US" sz="1600" dirty="0" smtClean="0">
+                <a:rPr lang="en-US" sz="1600" dirty="0">
                   <a:solidFill>
                     <a:schemeClr val="bg1"/>
                   </a:solidFill>
@@ -14092,7 +13939,7 @@
             <a:p>
               <a:pPr algn="l"/>
               <a:r>
-                <a:rPr lang="en-US" sz="1600" dirty="0" smtClean="0">
+                <a:rPr lang="en-US" sz="1600" dirty="0">
                   <a:solidFill>
                     <a:schemeClr val="bg1"/>
                   </a:solidFill>
@@ -14100,7 +13947,7 @@
                 <a:t>		</a:t>
               </a:r>
               <a:r>
-                <a:rPr lang="en-US" sz="1600" dirty="0" err="1" smtClean="0">
+                <a:rPr lang="en-US" sz="1600" dirty="0" err="1">
                   <a:solidFill>
                     <a:schemeClr val="bg1"/>
                   </a:solidFill>
@@ -14108,7 +13955,7 @@
                 <a:t>printf</a:t>
               </a:r>
               <a:r>
-                <a:rPr lang="en-US" sz="1600" dirty="0" smtClean="0">
+                <a:rPr lang="en-US" sz="1600" dirty="0">
                   <a:solidFill>
                     <a:schemeClr val="bg1"/>
                   </a:solidFill>
@@ -14116,7 +13963,7 @@
                 <a:t>( "%</a:t>
               </a:r>
               <a:r>
-                <a:rPr lang="en-US" sz="1600" dirty="0" err="1" smtClean="0">
+                <a:rPr lang="en-US" sz="1600" dirty="0" err="1">
                   <a:solidFill>
                     <a:schemeClr val="bg1"/>
                   </a:solidFill>
@@ -14124,7 +13971,7 @@
                 <a:t>d%d</a:t>
               </a:r>
               <a:r>
-                <a:rPr lang="en-US" sz="1600" dirty="0" smtClean="0">
+                <a:rPr lang="en-US" sz="1600" dirty="0">
                   <a:solidFill>
                     <a:schemeClr val="bg1"/>
                   </a:solidFill>
@@ -14135,7 +13982,7 @@
             <a:p>
               <a:pPr algn="l"/>
               <a:r>
-                <a:rPr lang="en-US" sz="1600" dirty="0" smtClean="0">
+                <a:rPr lang="en-US" sz="1600" dirty="0">
                   <a:solidFill>
                     <a:schemeClr val="bg1"/>
                   </a:solidFill>
@@ -14143,7 +13990,7 @@
                 <a:t>		</a:t>
               </a:r>
               <a:r>
-                <a:rPr lang="en-US" sz="1600" dirty="0" err="1" smtClean="0">
+                <a:rPr lang="en-US" sz="1600" dirty="0" err="1">
                   <a:solidFill>
                     <a:schemeClr val="bg1"/>
                   </a:solidFill>
@@ -14151,7 +13998,7 @@
                 <a:t>lim</a:t>
               </a:r>
               <a:r>
-                <a:rPr lang="en-US" sz="1600" dirty="0" smtClean="0">
+                <a:rPr lang="en-US" sz="1600" dirty="0">
                   <a:solidFill>
                     <a:schemeClr val="bg1"/>
                   </a:solidFill>
@@ -14159,7 +14006,7 @@
                 <a:t>[</a:t>
               </a:r>
               <a:r>
-                <a:rPr lang="en-US" sz="1600" dirty="0" err="1" smtClean="0">
+                <a:rPr lang="en-US" sz="1600" dirty="0" err="1">
                   <a:solidFill>
                     <a:schemeClr val="bg1"/>
                   </a:solidFill>
@@ -14167,7 +14014,7 @@
                 <a:t>i</a:t>
               </a:r>
               <a:r>
-                <a:rPr lang="en-US" sz="1600" dirty="0" smtClean="0">
+                <a:rPr lang="en-US" sz="1600" dirty="0">
                   <a:solidFill>
                     <a:schemeClr val="bg1"/>
                   </a:solidFill>
@@ -14178,7 +14025,7 @@
             <a:p>
               <a:pPr algn="l"/>
               <a:r>
-                <a:rPr lang="en-US" sz="1600" dirty="0" smtClean="0">
+                <a:rPr lang="en-US" sz="1600" dirty="0">
                   <a:solidFill>
                     <a:schemeClr val="bg1"/>
                   </a:solidFill>
@@ -14186,7 +14033,7 @@
                 <a:t>		++</a:t>
               </a:r>
               <a:r>
-                <a:rPr lang="en-US" sz="1600" dirty="0" err="1" smtClean="0">
+                <a:rPr lang="en-US" sz="1600" dirty="0" err="1">
                   <a:solidFill>
                     <a:schemeClr val="bg1"/>
                   </a:solidFill>
@@ -14194,7 +14041,7 @@
                 <a:t>i</a:t>
               </a:r>
               <a:r>
-                <a:rPr lang="en-US" sz="1600" dirty="0" smtClean="0">
+                <a:rPr lang="en-US" sz="1600" dirty="0">
                   <a:solidFill>
                     <a:schemeClr val="bg1"/>
                   </a:solidFill>
@@ -14205,7 +14052,7 @@
             <a:p>
               <a:pPr algn="l"/>
               <a:r>
-                <a:rPr lang="en-US" sz="1600" dirty="0" smtClean="0">
+                <a:rPr lang="en-US" sz="1600" dirty="0">
                   <a:solidFill>
                     <a:schemeClr val="bg1"/>
                   </a:solidFill>
@@ -14216,7 +14063,7 @@
             <a:p>
               <a:pPr algn="l"/>
               <a:r>
-                <a:rPr lang="en-US" sz="1600" dirty="0" smtClean="0">
+                <a:rPr lang="en-US" sz="1600" dirty="0">
                   <a:solidFill>
                     <a:schemeClr val="bg1"/>
                   </a:solidFill>
@@ -14227,7 +14074,7 @@
             <a:p>
               <a:pPr algn="l"/>
               <a:r>
-                <a:rPr lang="en-US" sz="1600" dirty="0" smtClean="0">
+                <a:rPr lang="en-US" sz="1600" dirty="0">
                   <a:solidFill>
                     <a:schemeClr val="bg1"/>
                   </a:solidFill>
@@ -14238,7 +14085,7 @@
             <a:p>
               <a:pPr algn="l"/>
               <a:r>
-                <a:rPr lang="en-US" sz="1600" dirty="0" smtClean="0">
+                <a:rPr lang="en-US" sz="1600" dirty="0">
                   <a:solidFill>
                     <a:schemeClr val="bg1"/>
                   </a:solidFill>
@@ -14246,7 +14093,7 @@
                 <a:t>			</a:t>
               </a:r>
               <a:r>
-                <a:rPr lang="en-US" sz="1600" dirty="0" err="1" smtClean="0">
+                <a:rPr lang="en-US" sz="1600" dirty="0" err="1">
                   <a:solidFill>
                     <a:schemeClr val="bg1"/>
                   </a:solidFill>
@@ -14254,7 +14101,7 @@
                 <a:t>printf</a:t>
               </a:r>
               <a:r>
-                <a:rPr lang="en-US" sz="1600" dirty="0" smtClean="0">
+                <a:rPr lang="en-US" sz="1600" dirty="0">
                   <a:solidFill>
                     <a:schemeClr val="bg1"/>
                   </a:solidFill>
@@ -14262,7 +14109,7 @@
                 <a:t>( "%</a:t>
               </a:r>
               <a:r>
-                <a:rPr lang="en-US" sz="1600" dirty="0" err="1" smtClean="0">
+                <a:rPr lang="en-US" sz="1600" dirty="0" err="1">
                   <a:solidFill>
                     <a:schemeClr val="bg1"/>
                   </a:solidFill>
@@ -14270,7 +14117,7 @@
                 <a:t>d%d</a:t>
               </a:r>
               <a:r>
-                <a:rPr lang="en-US" sz="1600" dirty="0" smtClean="0">
+                <a:rPr lang="en-US" sz="1600" dirty="0">
                   <a:solidFill>
                     <a:schemeClr val="bg1"/>
                   </a:solidFill>
@@ -14281,7 +14128,7 @@
             <a:p>
               <a:pPr algn="l"/>
               <a:r>
-                <a:rPr lang="en-US" sz="1600" dirty="0" smtClean="0">
+                <a:rPr lang="en-US" sz="1600" dirty="0">
                   <a:solidFill>
                     <a:schemeClr val="bg1"/>
                   </a:solidFill>
@@ -14289,7 +14136,7 @@
                 <a:t>			</a:t>
               </a:r>
               <a:r>
-                <a:rPr lang="en-US" sz="1600" dirty="0" err="1" smtClean="0">
+                <a:rPr lang="en-US" sz="1600" dirty="0" err="1">
                   <a:solidFill>
                     <a:schemeClr val="bg1"/>
                   </a:solidFill>
@@ -14297,7 +14144,7 @@
                 <a:t>lim</a:t>
               </a:r>
               <a:r>
-                <a:rPr lang="en-US" sz="1600" dirty="0" smtClean="0">
+                <a:rPr lang="en-US" sz="1600" dirty="0">
                   <a:solidFill>
                     <a:schemeClr val="bg1"/>
                   </a:solidFill>
@@ -14305,7 +14152,7 @@
                 <a:t>[</a:t>
               </a:r>
               <a:r>
-                <a:rPr lang="en-US" sz="1600" dirty="0" err="1" smtClean="0">
+                <a:rPr lang="en-US" sz="1600" dirty="0" err="1">
                   <a:solidFill>
                     <a:schemeClr val="bg1"/>
                   </a:solidFill>
@@ -14313,7 +14160,7 @@
                 <a:t>i</a:t>
               </a:r>
               <a:r>
-                <a:rPr lang="en-US" sz="1600" dirty="0" smtClean="0">
+                <a:rPr lang="en-US" sz="1600" dirty="0">
                   <a:solidFill>
                     <a:schemeClr val="bg1"/>
                   </a:solidFill>
@@ -14324,7 +14171,7 @@
             <a:p>
               <a:pPr algn="l"/>
               <a:r>
-                <a:rPr lang="en-US" sz="1600" dirty="0" smtClean="0">
+                <a:rPr lang="en-US" sz="1600" dirty="0">
                   <a:solidFill>
                     <a:schemeClr val="bg1"/>
                   </a:solidFill>
@@ -14332,7 +14179,7 @@
                 <a:t>			++</a:t>
               </a:r>
               <a:r>
-                <a:rPr lang="en-US" sz="1600" dirty="0" err="1" smtClean="0">
+                <a:rPr lang="en-US" sz="1600" dirty="0" err="1">
                   <a:solidFill>
                     <a:schemeClr val="bg1"/>
                   </a:solidFill>
@@ -14340,7 +14187,7 @@
                 <a:t>i</a:t>
               </a:r>
               <a:r>
-                <a:rPr lang="en-US" sz="1600" dirty="0" smtClean="0">
+                <a:rPr lang="en-US" sz="1600" dirty="0">
                   <a:solidFill>
                     <a:schemeClr val="bg1"/>
                   </a:solidFill>
@@ -14351,7 +14198,7 @@
             <a:p>
               <a:pPr algn="l"/>
               <a:r>
-                <a:rPr lang="en-US" sz="1600" dirty="0" smtClean="0">
+                <a:rPr lang="en-US" sz="1600" dirty="0">
                   <a:solidFill>
                     <a:schemeClr val="bg1"/>
                   </a:solidFill>
@@ -14359,7 +14206,7 @@
                 <a:t>		}	++</a:t>
               </a:r>
               <a:r>
-                <a:rPr lang="en-US" sz="1600" dirty="0" err="1" smtClean="0">
+                <a:rPr lang="en-US" sz="1600" dirty="0" err="1">
                   <a:solidFill>
                     <a:schemeClr val="bg1"/>
                   </a:solidFill>
@@ -14367,7 +14214,7 @@
                 <a:t>i</a:t>
               </a:r>
               <a:r>
-                <a:rPr lang="en-US" sz="1600" dirty="0" smtClean="0">
+                <a:rPr lang="en-US" sz="1600" dirty="0">
                   <a:solidFill>
                     <a:schemeClr val="bg1"/>
                   </a:solidFill>
@@ -14509,7 +14356,7 @@
             <a:p>
               <a:pPr algn="l"/>
               <a:r>
-                <a:rPr lang="en-US" sz="1600" dirty="0" smtClean="0">
+                <a:rPr lang="en-US" sz="1600" dirty="0">
                   <a:solidFill>
                     <a:schemeClr val="bg1"/>
                   </a:solidFill>
@@ -14517,7 +14364,7 @@
                 <a:t>void camel( </a:t>
               </a:r>
               <a:r>
-                <a:rPr lang="en-US" sz="1600" dirty="0" err="1" smtClean="0">
+                <a:rPr lang="en-US" sz="1600" dirty="0" err="1">
                   <a:solidFill>
                     <a:schemeClr val="bg1"/>
                   </a:solidFill>
@@ -14525,7 +14372,7 @@
                 <a:t>int</a:t>
               </a:r>
               <a:r>
-                <a:rPr lang="en-US" sz="1600" dirty="0" smtClean="0">
+                <a:rPr lang="en-US" sz="1600" dirty="0">
                   <a:solidFill>
                     <a:schemeClr val="bg1"/>
                   </a:solidFill>
@@ -14533,7 +14380,7 @@
                 <a:t> r1 , </a:t>
               </a:r>
               <a:r>
-                <a:rPr lang="en-US" sz="1600" dirty="0" err="1" smtClean="0">
+                <a:rPr lang="en-US" sz="1600" dirty="0" err="1">
                   <a:solidFill>
                     <a:schemeClr val="bg1"/>
                   </a:solidFill>
@@ -14541,7 +14388,7 @@
                 <a:t>int</a:t>
               </a:r>
               <a:r>
-                <a:rPr lang="en-US" sz="1600" dirty="0" smtClean="0">
+                <a:rPr lang="en-US" sz="1600" dirty="0">
                   <a:solidFill>
                     <a:schemeClr val="bg1"/>
                   </a:solidFill>
@@ -14552,7 +14399,7 @@
             <a:p>
               <a:pPr algn="l"/>
               <a:r>
-                <a:rPr lang="en-US" sz="1600" dirty="0" smtClean="0">
+                <a:rPr lang="en-US" sz="1600" dirty="0">
                   <a:solidFill>
                     <a:schemeClr val="bg1"/>
                   </a:solidFill>
@@ -14563,7 +14410,7 @@
             <a:p>
               <a:pPr algn="l"/>
               <a:r>
-                <a:rPr lang="en-US" sz="1600" dirty="0" smtClean="0">
+                <a:rPr lang="en-US" sz="1600" dirty="0">
                   <a:solidFill>
                     <a:schemeClr val="bg1"/>
                   </a:solidFill>
@@ -14571,7 +14418,7 @@
                 <a:t>    </a:t>
               </a:r>
               <a:r>
-                <a:rPr lang="en-US" sz="1600" dirty="0" err="1" smtClean="0">
+                <a:rPr lang="en-US" sz="1600" dirty="0" err="1">
                   <a:solidFill>
                     <a:schemeClr val="bg1"/>
                   </a:solidFill>
@@ -14579,7 +14426,7 @@
                 <a:t>int</a:t>
               </a:r>
               <a:r>
-                <a:rPr lang="en-US" sz="1600" dirty="0" smtClean="0">
+                <a:rPr lang="en-US" sz="1600" dirty="0">
                   <a:solidFill>
                     <a:schemeClr val="bg1"/>
                   </a:solidFill>
@@ -14587,7 +14434,7 @@
                 <a:t> a , b , c , d , </a:t>
               </a:r>
               <a:r>
-                <a:rPr lang="en-US" sz="1600" dirty="0" err="1" smtClean="0">
+                <a:rPr lang="en-US" sz="1600" dirty="0" err="1">
                   <a:solidFill>
                     <a:schemeClr val="bg1"/>
                   </a:solidFill>
@@ -14595,7 +14442,7 @@
                 <a:t>i</a:t>
               </a:r>
               <a:r>
-                <a:rPr lang="en-US" sz="1600" dirty="0" smtClean="0">
+                <a:rPr lang="en-US" sz="1600" dirty="0">
                   <a:solidFill>
                     <a:schemeClr val="bg1"/>
                   </a:solidFill>
@@ -14606,7 +14453,7 @@
             <a:p>
               <a:pPr algn="l"/>
               <a:r>
-                <a:rPr lang="en-US" sz="1600" dirty="0" smtClean="0">
+                <a:rPr lang="en-US" sz="1600" dirty="0">
                   <a:solidFill>
                     <a:schemeClr val="bg1"/>
                   </a:solidFill>
@@ -14614,7 +14461,7 @@
                 <a:t>    </a:t>
               </a:r>
               <a:r>
-                <a:rPr lang="en-US" sz="1600" dirty="0" err="1" smtClean="0">
+                <a:rPr lang="en-US" sz="1600" dirty="0" err="1">
                   <a:solidFill>
                     <a:schemeClr val="bg1"/>
                   </a:solidFill>
@@ -14622,7 +14469,7 @@
                 <a:t>printf</a:t>
               </a:r>
               <a:r>
-                <a:rPr lang="en-US" sz="1600" dirty="0" smtClean="0">
+                <a:rPr lang="en-US" sz="1600" dirty="0">
                   <a:solidFill>
                     <a:schemeClr val="bg1"/>
                   </a:solidFill>
@@ -14632,7 +14479,7 @@
             </a:p>
             <a:p>
               <a:pPr algn="l"/>
-              <a:endParaRPr lang="en-US" sz="1600" dirty="0" smtClean="0">
+              <a:endParaRPr lang="en-US" sz="1600" dirty="0">
                 <a:solidFill>
                   <a:schemeClr val="bg1"/>
                 </a:solidFill>
@@ -14640,7 +14487,7 @@
             </a:p>
             <a:p>
               <a:pPr algn="l"/>
-              <a:endParaRPr lang="en-US" sz="1600" dirty="0" smtClean="0">
+              <a:endParaRPr lang="en-US" sz="1600" dirty="0">
                 <a:solidFill>
                   <a:schemeClr val="bg1"/>
                 </a:solidFill>
@@ -14649,7 +14496,7 @@
             <a:p>
               <a:pPr algn="l"/>
               <a:r>
-                <a:rPr lang="en-US" sz="1600" dirty="0" smtClean="0">
+                <a:rPr lang="en-US" sz="1600" dirty="0">
                   <a:solidFill>
                     <a:schemeClr val="bg1"/>
                   </a:solidFill>
@@ -14659,7 +14506,7 @@
             </a:p>
             <a:p>
               <a:pPr algn="l"/>
-              <a:endParaRPr lang="en-US" sz="1600" dirty="0" smtClean="0">
+              <a:endParaRPr lang="en-US" sz="1600" dirty="0">
                 <a:solidFill>
                   <a:schemeClr val="bg1"/>
                 </a:solidFill>
@@ -14668,7 +14515,7 @@
             <a:p>
               <a:pPr algn="l"/>
               <a:r>
-                <a:rPr lang="en-US" sz="1600" dirty="0" smtClean="0">
+                <a:rPr lang="en-US" sz="1600" dirty="0">
                   <a:solidFill>
                     <a:schemeClr val="bg1"/>
                   </a:solidFill>
@@ -14679,7 +14526,7 @@
             <a:p>
               <a:pPr algn="l"/>
               <a:r>
-                <a:rPr lang="en-US" sz="1600" dirty="0" smtClean="0">
+                <a:rPr lang="en-US" sz="1600" dirty="0">
                   <a:solidFill>
                     <a:schemeClr val="bg1"/>
                   </a:solidFill>
@@ -14690,7 +14537,7 @@
             <a:p>
               <a:pPr algn="l"/>
               <a:r>
-                <a:rPr lang="en-US" sz="1600" dirty="0" smtClean="0">
+                <a:rPr lang="en-US" sz="1600" dirty="0">
                   <a:solidFill>
                     <a:schemeClr val="bg1"/>
                   </a:solidFill>
@@ -14701,7 +14548,7 @@
             <a:p>
               <a:pPr algn="l"/>
               <a:r>
-                <a:rPr lang="en-US" sz="1600" dirty="0" smtClean="0">
+                <a:rPr lang="en-US" sz="1600" dirty="0">
                   <a:solidFill>
                     <a:schemeClr val="bg1"/>
                   </a:solidFill>
@@ -14709,7 +14556,7 @@
                 <a:t>        </a:t>
               </a:r>
               <a:r>
-                <a:rPr lang="en-US" sz="1600" dirty="0" err="1" smtClean="0">
+                <a:rPr lang="en-US" sz="1600" dirty="0" err="1">
                   <a:solidFill>
                     <a:schemeClr val="bg1"/>
                   </a:solidFill>
@@ -14717,7 +14564,7 @@
                 <a:t>printf</a:t>
               </a:r>
               <a:r>
-                <a:rPr lang="en-US" sz="1600" dirty="0" smtClean="0">
+                <a:rPr lang="en-US" sz="1600" dirty="0">
                   <a:solidFill>
                     <a:schemeClr val="bg1"/>
                   </a:solidFill>
@@ -14725,7 +14572,7 @@
                 <a:t>( "%</a:t>
               </a:r>
               <a:r>
-                <a:rPr lang="en-US" sz="1600" dirty="0" err="1" smtClean="0">
+                <a:rPr lang="en-US" sz="1600" dirty="0" err="1">
                   <a:solidFill>
                     <a:schemeClr val="bg1"/>
                   </a:solidFill>
@@ -14733,7 +14580,7 @@
                 <a:t>d%d</a:t>
               </a:r>
               <a:r>
-                <a:rPr lang="en-US" sz="1600" dirty="0" smtClean="0">
+                <a:rPr lang="en-US" sz="1600" dirty="0">
                   <a:solidFill>
                     <a:schemeClr val="bg1"/>
                   </a:solidFill>
@@ -14744,7 +14591,7 @@
             <a:p>
               <a:pPr algn="l"/>
               <a:r>
-                <a:rPr lang="en-US" sz="1600" dirty="0" smtClean="0">
+                <a:rPr lang="en-US" sz="1600" dirty="0">
                   <a:solidFill>
                     <a:schemeClr val="bg1"/>
                   </a:solidFill>
@@ -14752,7 +14599,7 @@
                 <a:t>        </a:t>
               </a:r>
               <a:r>
-                <a:rPr lang="en-US" sz="1600" dirty="0" err="1" smtClean="0">
+                <a:rPr lang="en-US" sz="1600" dirty="0" err="1">
                   <a:solidFill>
                     <a:schemeClr val="bg1"/>
                   </a:solidFill>
@@ -14760,7 +14607,7 @@
                 <a:t>lim</a:t>
               </a:r>
               <a:r>
-                <a:rPr lang="en-US" sz="1600" dirty="0" smtClean="0">
+                <a:rPr lang="en-US" sz="1600" dirty="0">
                   <a:solidFill>
                     <a:schemeClr val="bg1"/>
                   </a:solidFill>
@@ -14768,7 +14615,7 @@
                 <a:t>[</a:t>
               </a:r>
               <a:r>
-                <a:rPr lang="en-US" sz="1600" dirty="0" err="1" smtClean="0">
+                <a:rPr lang="en-US" sz="1600" dirty="0" err="1">
                   <a:solidFill>
                     <a:schemeClr val="bg1"/>
                   </a:solidFill>
@@ -14776,7 +14623,7 @@
                 <a:t>i</a:t>
               </a:r>
               <a:r>
-                <a:rPr lang="en-US" sz="1600" dirty="0" smtClean="0">
+                <a:rPr lang="en-US" sz="1600" dirty="0">
                   <a:solidFill>
                     <a:schemeClr val="bg1"/>
                   </a:solidFill>
@@ -14787,7 +14634,7 @@
             <a:p>
               <a:pPr algn="l"/>
               <a:r>
-                <a:rPr lang="en-US" sz="1600" dirty="0" smtClean="0">
+                <a:rPr lang="en-US" sz="1600" dirty="0">
                   <a:solidFill>
                     <a:schemeClr val="bg1"/>
                   </a:solidFill>
@@ -14795,7 +14642,7 @@
                 <a:t>        ++</a:t>
               </a:r>
               <a:r>
-                <a:rPr lang="en-US" sz="1600" dirty="0" err="1" smtClean="0">
+                <a:rPr lang="en-US" sz="1600" dirty="0" err="1">
                   <a:solidFill>
                     <a:schemeClr val="bg1"/>
                   </a:solidFill>
@@ -14803,7 +14650,7 @@
                 <a:t>i</a:t>
               </a:r>
               <a:r>
-                <a:rPr lang="en-US" sz="1600" dirty="0" smtClean="0">
+                <a:rPr lang="en-US" sz="1600" dirty="0">
                   <a:solidFill>
                     <a:schemeClr val="bg1"/>
                   </a:solidFill>
@@ -14814,7 +14661,7 @@
             <a:p>
               <a:pPr algn="l"/>
               <a:r>
-                <a:rPr lang="en-US" sz="1600" dirty="0" smtClean="0">
+                <a:rPr lang="en-US" sz="1600" dirty="0">
                   <a:solidFill>
                     <a:schemeClr val="bg1"/>
                   </a:solidFill>
@@ -14825,7 +14672,7 @@
             <a:p>
               <a:pPr algn="l"/>
               <a:r>
-                <a:rPr lang="en-US" sz="1600" dirty="0" smtClean="0">
+                <a:rPr lang="en-US" sz="1600" dirty="0">
                   <a:solidFill>
                     <a:schemeClr val="bg1"/>
                   </a:solidFill>
@@ -14836,7 +14683,7 @@
             <a:p>
               <a:pPr algn="l"/>
               <a:r>
-                <a:rPr lang="en-US" sz="1600" dirty="0" smtClean="0">
+                <a:rPr lang="en-US" sz="1600" dirty="0">
                   <a:solidFill>
                     <a:schemeClr val="bg1"/>
                   </a:solidFill>
@@ -14978,7 +14825,7 @@
             <a:p>
               <a:pPr algn="l"/>
               <a:r>
-                <a:rPr lang="en-US" sz="1600" dirty="0" smtClean="0">
+                <a:rPr lang="en-US" sz="1600" dirty="0">
                   <a:solidFill>
                     <a:schemeClr val="bg1"/>
                   </a:solidFill>
@@ -14986,7 +14833,7 @@
                 <a:t>void king( </a:t>
               </a:r>
               <a:r>
-                <a:rPr lang="en-US" sz="1600" dirty="0" err="1" smtClean="0">
+                <a:rPr lang="en-US" sz="1600" dirty="0" err="1">
                   <a:solidFill>
                     <a:schemeClr val="bg1"/>
                   </a:solidFill>
@@ -14994,7 +14841,7 @@
                 <a:t>int</a:t>
               </a:r>
               <a:r>
-                <a:rPr lang="en-US" sz="1600" dirty="0" smtClean="0">
+                <a:rPr lang="en-US" sz="1600" dirty="0">
                   <a:solidFill>
                     <a:schemeClr val="bg1"/>
                   </a:solidFill>
@@ -15002,7 +14849,7 @@
                 <a:t> r1 , </a:t>
               </a:r>
               <a:r>
-                <a:rPr lang="en-US" sz="1600" dirty="0" err="1" smtClean="0">
+                <a:rPr lang="en-US" sz="1600" dirty="0" err="1">
                   <a:solidFill>
                     <a:schemeClr val="bg1"/>
                   </a:solidFill>
@@ -15010,7 +14857,7 @@
                 <a:t>int</a:t>
               </a:r>
               <a:r>
-                <a:rPr lang="en-US" sz="1600" dirty="0" smtClean="0">
+                <a:rPr lang="en-US" sz="1600" dirty="0">
                   <a:solidFill>
                     <a:schemeClr val="bg1"/>
                   </a:solidFill>
@@ -15021,7 +14868,7 @@
             <a:p>
               <a:pPr algn="l"/>
               <a:r>
-                <a:rPr lang="en-US" sz="1600" dirty="0" smtClean="0">
+                <a:rPr lang="en-US" sz="1600" dirty="0">
                   <a:solidFill>
                     <a:schemeClr val="bg1"/>
                   </a:solidFill>
@@ -15032,7 +14879,7 @@
             <a:p>
               <a:pPr algn="l"/>
               <a:r>
-                <a:rPr lang="en-US" sz="1600" dirty="0" smtClean="0">
+                <a:rPr lang="en-US" sz="1600" dirty="0">
                   <a:solidFill>
                     <a:schemeClr val="bg1"/>
                   </a:solidFill>
@@ -15040,7 +14887,7 @@
                 <a:t>	</a:t>
               </a:r>
               <a:r>
-                <a:rPr lang="en-US" sz="1600" dirty="0" err="1" smtClean="0">
+                <a:rPr lang="en-US" sz="1600" dirty="0" err="1">
                   <a:solidFill>
                     <a:schemeClr val="bg1"/>
                   </a:solidFill>
@@ -15048,7 +14895,7 @@
                 <a:t>int</a:t>
               </a:r>
               <a:r>
-                <a:rPr lang="en-US" sz="1600" dirty="0" smtClean="0">
+                <a:rPr lang="en-US" sz="1600" dirty="0">
                   <a:solidFill>
                     <a:schemeClr val="bg1"/>
                   </a:solidFill>
@@ -15056,7 +14903,7 @@
                 <a:t> </a:t>
               </a:r>
               <a:r>
-                <a:rPr lang="en-US" sz="1600" dirty="0" err="1" smtClean="0">
+                <a:rPr lang="en-US" sz="1600" dirty="0" err="1">
                   <a:solidFill>
                     <a:schemeClr val="bg1"/>
                   </a:solidFill>
@@ -15064,7 +14911,7 @@
                 <a:t>i</a:t>
               </a:r>
               <a:r>
-                <a:rPr lang="en-US" sz="1600" dirty="0" smtClean="0">
+                <a:rPr lang="en-US" sz="1600" dirty="0">
                   <a:solidFill>
                     <a:schemeClr val="bg1"/>
                   </a:solidFill>
@@ -15075,7 +14922,7 @@
             <a:p>
               <a:pPr algn="l"/>
               <a:r>
-                <a:rPr lang="en-US" sz="1600" dirty="0" smtClean="0">
+                <a:rPr lang="en-US" sz="1600" dirty="0">
                   <a:solidFill>
                     <a:schemeClr val="bg1"/>
                   </a:solidFill>
@@ -15083,7 +14930,7 @@
                 <a:t>    </a:t>
               </a:r>
               <a:r>
-                <a:rPr lang="en-US" sz="1600" dirty="0" err="1" smtClean="0">
+                <a:rPr lang="en-US" sz="1600" dirty="0" err="1">
                   <a:solidFill>
                     <a:schemeClr val="bg1"/>
                   </a:solidFill>
@@ -15091,7 +14938,7 @@
                 <a:t>printf</a:t>
               </a:r>
               <a:r>
-                <a:rPr lang="en-US" sz="1600" dirty="0" smtClean="0">
+                <a:rPr lang="en-US" sz="1600" dirty="0">
                   <a:solidFill>
                     <a:schemeClr val="bg1"/>
                   </a:solidFill>
@@ -15102,7 +14949,7 @@
             <a:p>
               <a:pPr algn="l"/>
               <a:r>
-                <a:rPr lang="en-US" sz="1600" dirty="0" smtClean="0">
+                <a:rPr lang="en-US" sz="1600" dirty="0">
                   <a:solidFill>
                     <a:schemeClr val="bg1"/>
                   </a:solidFill>
@@ -15113,7 +14960,7 @@
             <a:p>
               <a:pPr algn="l"/>
               <a:r>
-                <a:rPr lang="en-US" sz="1600" dirty="0" smtClean="0">
+                <a:rPr lang="en-US" sz="1600" dirty="0">
                   <a:solidFill>
                     <a:schemeClr val="bg1"/>
                   </a:solidFill>
@@ -15124,7 +14971,7 @@
             <a:p>
               <a:pPr algn="l"/>
               <a:r>
-                <a:rPr lang="en-US" sz="1600" dirty="0" smtClean="0">
+                <a:rPr lang="en-US" sz="1600" dirty="0">
                   <a:solidFill>
                     <a:schemeClr val="bg1"/>
                   </a:solidFill>
@@ -15132,7 +14979,7 @@
                 <a:t>		</a:t>
               </a:r>
               <a:r>
-                <a:rPr lang="en-US" sz="1600" dirty="0" err="1" smtClean="0">
+                <a:rPr lang="en-US" sz="1600" dirty="0" err="1">
                   <a:solidFill>
                     <a:schemeClr val="bg1"/>
                   </a:solidFill>
@@ -15140,7 +14987,7 @@
                 <a:t>printf</a:t>
               </a:r>
               <a:r>
-                <a:rPr lang="en-US" sz="1600" dirty="0" smtClean="0">
+                <a:rPr lang="en-US" sz="1600" dirty="0">
                   <a:solidFill>
                     <a:schemeClr val="bg1"/>
                   </a:solidFill>
@@ -15148,7 +14995,7 @@
                 <a:t>( "%</a:t>
               </a:r>
               <a:r>
-                <a:rPr lang="en-US" sz="1600" dirty="0" err="1" smtClean="0">
+                <a:rPr lang="en-US" sz="1600" dirty="0" err="1">
                   <a:solidFill>
                     <a:schemeClr val="bg1"/>
                   </a:solidFill>
@@ -15156,7 +15003,7 @@
                 <a:t>d%d</a:t>
               </a:r>
               <a:r>
-                <a:rPr lang="en-US" sz="1600" dirty="0" smtClean="0">
+                <a:rPr lang="en-US" sz="1600" dirty="0">
                   <a:solidFill>
                     <a:schemeClr val="bg1"/>
                   </a:solidFill>
@@ -15167,7 +15014,7 @@
             <a:p>
               <a:pPr algn="l"/>
               <a:r>
-                <a:rPr lang="en-US" sz="1600" dirty="0" smtClean="0">
+                <a:rPr lang="en-US" sz="1600" dirty="0">
                   <a:solidFill>
                     <a:schemeClr val="bg1"/>
                   </a:solidFill>
@@ -15175,7 +15022,7 @@
                 <a:t>		</a:t>
               </a:r>
               <a:r>
-                <a:rPr lang="en-US" sz="1600" dirty="0" err="1" smtClean="0">
+                <a:rPr lang="en-US" sz="1600" dirty="0" err="1">
                   <a:solidFill>
                     <a:schemeClr val="bg1"/>
                   </a:solidFill>
@@ -15183,7 +15030,7 @@
                 <a:t>lim</a:t>
               </a:r>
               <a:r>
-                <a:rPr lang="en-US" sz="1600" dirty="0" smtClean="0">
+                <a:rPr lang="en-US" sz="1600" dirty="0">
                   <a:solidFill>
                     <a:schemeClr val="bg1"/>
                   </a:solidFill>
@@ -15191,7 +15038,7 @@
                 <a:t>[</a:t>
               </a:r>
               <a:r>
-                <a:rPr lang="en-US" sz="1600" dirty="0" err="1" smtClean="0">
+                <a:rPr lang="en-US" sz="1600" dirty="0" err="1">
                   <a:solidFill>
                     <a:schemeClr val="bg1"/>
                   </a:solidFill>
@@ -15199,7 +15046,7 @@
                 <a:t>i</a:t>
               </a:r>
               <a:r>
-                <a:rPr lang="en-US" sz="1600" dirty="0" smtClean="0">
+                <a:rPr lang="en-US" sz="1600" dirty="0">
                   <a:solidFill>
                     <a:schemeClr val="bg1"/>
                   </a:solidFill>
@@ -15210,7 +15057,7 @@
             <a:p>
               <a:pPr algn="l"/>
               <a:r>
-                <a:rPr lang="en-US" sz="1600" dirty="0" smtClean="0">
+                <a:rPr lang="en-US" sz="1600" dirty="0">
                   <a:solidFill>
                     <a:schemeClr val="bg1"/>
                   </a:solidFill>
@@ -15218,7 +15065,7 @@
                 <a:t>		++</a:t>
               </a:r>
               <a:r>
-                <a:rPr lang="en-US" sz="1600" dirty="0" err="1" smtClean="0">
+                <a:rPr lang="en-US" sz="1600" dirty="0" err="1">
                   <a:solidFill>
                     <a:schemeClr val="bg1"/>
                   </a:solidFill>
@@ -15226,7 +15073,7 @@
                 <a:t>i</a:t>
               </a:r>
               <a:r>
-                <a:rPr lang="en-US" sz="1600" dirty="0" smtClean="0">
+                <a:rPr lang="en-US" sz="1600" dirty="0">
                   <a:solidFill>
                     <a:schemeClr val="bg1"/>
                   </a:solidFill>
@@ -15237,7 +15084,7 @@
             <a:p>
               <a:pPr algn="l"/>
               <a:r>
-                <a:rPr lang="en-US" sz="1600" dirty="0" smtClean="0">
+                <a:rPr lang="en-US" sz="1600" dirty="0">
                   <a:solidFill>
                     <a:schemeClr val="bg1"/>
                   </a:solidFill>
@@ -15247,7 +15094,7 @@
             </a:p>
             <a:p>
               <a:pPr algn="l"/>
-              <a:endParaRPr lang="en-US" sz="1600" dirty="0" smtClean="0">
+              <a:endParaRPr lang="en-US" sz="1600" dirty="0">
                 <a:solidFill>
                   <a:schemeClr val="bg1"/>
                 </a:solidFill>
@@ -15256,7 +15103,7 @@
             <a:p>
               <a:pPr algn="l"/>
               <a:r>
-                <a:rPr lang="en-US" sz="1600" dirty="0" smtClean="0">
+                <a:rPr lang="en-US" sz="1600" dirty="0">
                   <a:solidFill>
                     <a:schemeClr val="bg1"/>
                   </a:solidFill>
@@ -15267,7 +15114,7 @@
             <a:p>
               <a:pPr algn="l"/>
               <a:r>
-                <a:rPr lang="en-US" sz="1600" dirty="0" smtClean="0">
+                <a:rPr lang="en-US" sz="1600" dirty="0">
                   <a:solidFill>
                     <a:schemeClr val="bg1"/>
                   </a:solidFill>
@@ -15275,7 +15122,7 @@
                 <a:t>		</a:t>
               </a:r>
               <a:r>
-                <a:rPr lang="en-US" sz="1600" dirty="0" err="1" smtClean="0">
+                <a:rPr lang="en-US" sz="1600" dirty="0" err="1">
                   <a:solidFill>
                     <a:schemeClr val="bg1"/>
                   </a:solidFill>
@@ -15283,7 +15130,7 @@
                 <a:t>printf</a:t>
               </a:r>
               <a:r>
-                <a:rPr lang="en-US" sz="1600" dirty="0" smtClean="0">
+                <a:rPr lang="en-US" sz="1600" dirty="0">
                   <a:solidFill>
                     <a:schemeClr val="bg1"/>
                   </a:solidFill>
@@ -15291,7 +15138,7 @@
                 <a:t>( "%</a:t>
               </a:r>
               <a:r>
-                <a:rPr lang="en-US" sz="1600" dirty="0" err="1" smtClean="0">
+                <a:rPr lang="en-US" sz="1600" dirty="0" err="1">
                   <a:solidFill>
                     <a:schemeClr val="bg1"/>
                   </a:solidFill>
@@ -15299,7 +15146,7 @@
                 <a:t>d%d</a:t>
               </a:r>
               <a:r>
-                <a:rPr lang="en-US" sz="1600" dirty="0" smtClean="0">
+                <a:rPr lang="en-US" sz="1600" dirty="0">
                   <a:solidFill>
                     <a:schemeClr val="bg1"/>
                   </a:solidFill>
@@ -15310,7 +15157,7 @@
             <a:p>
               <a:pPr algn="l"/>
               <a:r>
-                <a:rPr lang="en-US" sz="1600" dirty="0" smtClean="0">
+                <a:rPr lang="en-US" sz="1600" dirty="0">
                   <a:solidFill>
                     <a:schemeClr val="bg1"/>
                   </a:solidFill>
@@ -15318,7 +15165,7 @@
                 <a:t>		</a:t>
               </a:r>
               <a:r>
-                <a:rPr lang="en-US" sz="1600" dirty="0" err="1" smtClean="0">
+                <a:rPr lang="en-US" sz="1600" dirty="0" err="1">
                   <a:solidFill>
                     <a:schemeClr val="bg1"/>
                   </a:solidFill>
@@ -15326,7 +15173,7 @@
                 <a:t>lim</a:t>
               </a:r>
               <a:r>
-                <a:rPr lang="en-US" sz="1600" dirty="0" smtClean="0">
+                <a:rPr lang="en-US" sz="1600" dirty="0">
                   <a:solidFill>
                     <a:schemeClr val="bg1"/>
                   </a:solidFill>
@@ -15334,7 +15181,7 @@
                 <a:t>[</a:t>
               </a:r>
               <a:r>
-                <a:rPr lang="en-US" sz="1600" dirty="0" err="1" smtClean="0">
+                <a:rPr lang="en-US" sz="1600" dirty="0" err="1">
                   <a:solidFill>
                     <a:schemeClr val="bg1"/>
                   </a:solidFill>
@@ -15342,7 +15189,7 @@
                 <a:t>i</a:t>
               </a:r>
               <a:r>
-                <a:rPr lang="en-US" sz="1600" dirty="0" smtClean="0">
+                <a:rPr lang="en-US" sz="1600" dirty="0">
                   <a:solidFill>
                     <a:schemeClr val="bg1"/>
                   </a:solidFill>
@@ -15353,7 +15200,7 @@
             <a:p>
               <a:pPr algn="l"/>
               <a:r>
-                <a:rPr lang="en-US" sz="1600" dirty="0" smtClean="0">
+                <a:rPr lang="en-US" sz="1600" dirty="0">
                   <a:solidFill>
                     <a:schemeClr val="bg1"/>
                   </a:solidFill>
@@ -15361,7 +15208,7 @@
                 <a:t>		++</a:t>
               </a:r>
               <a:r>
-                <a:rPr lang="en-US" sz="1600" dirty="0" err="1" smtClean="0">
+                <a:rPr lang="en-US" sz="1600" dirty="0" err="1">
                   <a:solidFill>
                     <a:schemeClr val="bg1"/>
                   </a:solidFill>
@@ -15369,7 +15216,7 @@
                 <a:t>i</a:t>
               </a:r>
               <a:r>
-                <a:rPr lang="en-US" sz="1600" dirty="0" smtClean="0">
+                <a:rPr lang="en-US" sz="1600" dirty="0">
                   <a:solidFill>
                     <a:schemeClr val="bg1"/>
                   </a:solidFill>
@@ -15380,7 +15227,7 @@
             <a:p>
               <a:pPr algn="l"/>
               <a:r>
-                <a:rPr lang="en-US" sz="1600" dirty="0" smtClean="0">
+                <a:rPr lang="en-US" sz="1600" dirty="0">
                   <a:solidFill>
                     <a:schemeClr val="bg1"/>
                   </a:solidFill>
@@ -16345,7 +16192,7 @@
           <a:lstStyle/>
           <a:p>
             <a:r>
-              <a:rPr lang="en-US" sz="5400" b="1" dirty="0" smtClean="0">
+              <a:rPr lang="en-US" sz="5400" b="1" dirty="0">
                 <a:solidFill>
                   <a:schemeClr val="bg1"/>
                 </a:solidFill>
@@ -16360,19 +16207,6 @@
               </a:rPr>
               <a:t>3 - Player</a:t>
             </a:r>
-            <a:endParaRPr lang="en-US" sz="5400" b="1" dirty="0">
-              <a:solidFill>
-                <a:schemeClr val="bg1"/>
-              </a:solidFill>
-              <a:effectLst>
-                <a:outerShdw blurRad="38100" dist="38100" dir="2700000" algn="tl">
-                  <a:srgbClr val="000000">
-                    <a:alpha val="43137"/>
-                  </a:srgbClr>
-                </a:outerShdw>
-              </a:effectLst>
-              <a:latin typeface="Britannic Bold" panose="020B0903060703020204" pitchFamily="34" charset="0"/>
-            </a:endParaRPr>
           </a:p>
         </p:txBody>
       </p:sp>
@@ -16400,7 +16234,7 @@
           <a:p>
             <a:pPr algn="l"/>
             <a:r>
-              <a:rPr lang="en-US" dirty="0" smtClean="0">
+              <a:rPr lang="en-US" dirty="0">
                 <a:solidFill>
                   <a:schemeClr val="bg1">
                     <a:lumMod val="65000"/>
@@ -16413,7 +16247,7 @@
           <a:p>
             <a:pPr algn="l"/>
             <a:r>
-              <a:rPr lang="en-US" dirty="0" smtClean="0">
+              <a:rPr lang="en-US" dirty="0">
                 <a:solidFill>
                   <a:schemeClr val="bg1">
                     <a:lumMod val="65000"/>
@@ -16490,7 +16324,7 @@
             <a:lstStyle/>
             <a:p>
               <a:pPr algn="ctr"/>
-              <a:endParaRPr lang="en-US" dirty="0" smtClean="0"/>
+              <a:endParaRPr lang="en-US" dirty="0"/>
             </a:p>
           </p:txBody>
         </p:sp>
@@ -16517,7 +16351,7 @@
             <a:lstStyle/>
             <a:p>
               <a:r>
-                <a:rPr lang="en-US" sz="2800" dirty="0" smtClean="0">
+                <a:rPr lang="en-US" sz="2800" dirty="0">
                   <a:solidFill>
                     <a:schemeClr val="bg1"/>
                   </a:solidFill>
@@ -16555,7 +16389,7 @@
             <a:lstStyle/>
             <a:p>
               <a:r>
-                <a:rPr lang="en-US" sz="2800" dirty="0" smtClean="0">
+                <a:rPr lang="en-US" sz="2800" dirty="0">
                   <a:solidFill>
                     <a:schemeClr val="bg1"/>
                   </a:solidFill>
@@ -16952,7 +16786,7 @@
             <a:p>
               <a:pPr algn="l"/>
               <a:r>
-                <a:rPr lang="en-US" dirty="0" smtClean="0">
+                <a:rPr lang="en-US" dirty="0">
                   <a:solidFill>
                     <a:schemeClr val="bg1"/>
                   </a:solidFill>
@@ -16963,7 +16797,7 @@
             <a:p>
               <a:pPr algn="l"/>
               <a:r>
-                <a:rPr lang="en-US" dirty="0" smtClean="0">
+                <a:rPr lang="en-US" dirty="0">
                   <a:solidFill>
                     <a:schemeClr val="bg1"/>
                   </a:solidFill>
@@ -16974,7 +16808,7 @@
             <a:p>
               <a:pPr algn="l"/>
               <a:r>
-                <a:rPr lang="en-US" dirty="0" smtClean="0">
+                <a:rPr lang="en-US" dirty="0">
                   <a:solidFill>
                     <a:schemeClr val="bg1"/>
                   </a:solidFill>
@@ -16982,7 +16816,7 @@
                 <a:t>    </a:t>
               </a:r>
               <a:r>
-                <a:rPr lang="en-US" dirty="0" err="1" smtClean="0">
+                <a:rPr lang="en-US" dirty="0" err="1">
                   <a:solidFill>
                     <a:schemeClr val="bg1"/>
                   </a:solidFill>
@@ -16990,7 +16824,7 @@
                 <a:t>int</a:t>
               </a:r>
               <a:r>
-                <a:rPr lang="en-US" dirty="0" smtClean="0">
+                <a:rPr lang="en-US" dirty="0">
                   <a:solidFill>
                     <a:schemeClr val="bg1"/>
                   </a:solidFill>
@@ -16998,7 +16832,7 @@
                 <a:t> p1 , p2 , c1 , r1 , c2 , r2 , </a:t>
               </a:r>
               <a:r>
-                <a:rPr lang="en-US" dirty="0" err="1" smtClean="0">
+                <a:rPr lang="en-US" dirty="0" err="1">
                   <a:solidFill>
                     <a:schemeClr val="bg1"/>
                   </a:solidFill>
@@ -17006,7 +16840,7 @@
                 <a:t>i</a:t>
               </a:r>
               <a:r>
-                <a:rPr lang="en-US" dirty="0" smtClean="0">
+                <a:rPr lang="en-US" dirty="0">
                   <a:solidFill>
                     <a:schemeClr val="bg1"/>
                   </a:solidFill>
@@ -17016,7 +16850,7 @@
             </a:p>
             <a:p>
               <a:pPr algn="l"/>
-              <a:endParaRPr lang="en-US" dirty="0" smtClean="0">
+              <a:endParaRPr lang="en-US" dirty="0">
                 <a:solidFill>
                   <a:schemeClr val="bg1"/>
                 </a:solidFill>
@@ -17025,7 +16859,7 @@
             <a:p>
               <a:pPr algn="l"/>
               <a:r>
-                <a:rPr lang="en-US" dirty="0" smtClean="0">
+                <a:rPr lang="en-US" dirty="0">
                   <a:solidFill>
                     <a:schemeClr val="bg1"/>
                   </a:solidFill>
@@ -17033,7 +16867,7 @@
                 <a:t>    </a:t>
               </a:r>
               <a:r>
-                <a:rPr lang="en-US" dirty="0" err="1" smtClean="0">
+                <a:rPr lang="en-US" dirty="0" err="1">
                   <a:solidFill>
                     <a:schemeClr val="bg1"/>
                   </a:solidFill>
@@ -17041,7 +16875,7 @@
                 <a:t>printf</a:t>
               </a:r>
               <a:r>
-                <a:rPr lang="en-US" dirty="0" smtClean="0">
+                <a:rPr lang="en-US" dirty="0">
                   <a:solidFill>
                     <a:schemeClr val="bg1"/>
                   </a:solidFill>
@@ -17049,7 +16883,7 @@
                 <a:t>( "\</a:t>
               </a:r>
               <a:r>
-                <a:rPr lang="en-US" dirty="0" err="1" smtClean="0">
+                <a:rPr lang="en-US" dirty="0" err="1">
                   <a:solidFill>
                     <a:schemeClr val="bg1"/>
                   </a:solidFill>
@@ -17057,7 +16891,7 @@
                 <a:t>nPLAYER</a:t>
               </a:r>
               <a:r>
-                <a:rPr lang="en-US" dirty="0" smtClean="0">
+                <a:rPr lang="en-US" dirty="0">
                   <a:solidFill>
                     <a:schemeClr val="bg1"/>
                   </a:solidFill>
@@ -17068,7 +16902,7 @@
             <a:p>
               <a:pPr algn="l"/>
               <a:r>
-                <a:rPr lang="en-US" dirty="0" smtClean="0">
+                <a:rPr lang="en-US" dirty="0">
                   <a:solidFill>
                     <a:schemeClr val="bg1"/>
                   </a:solidFill>
@@ -17076,7 +16910,7 @@
                 <a:t>    </a:t>
               </a:r>
               <a:r>
-                <a:rPr lang="en-US" dirty="0" err="1" smtClean="0">
+                <a:rPr lang="en-US" dirty="0" err="1">
                   <a:solidFill>
                     <a:schemeClr val="bg1"/>
                   </a:solidFill>
@@ -17084,7 +16918,7 @@
                 <a:t>printf</a:t>
               </a:r>
               <a:r>
-                <a:rPr lang="en-US" dirty="0" smtClean="0">
+                <a:rPr lang="en-US" dirty="0">
                   <a:solidFill>
                     <a:schemeClr val="bg1"/>
                   </a:solidFill>
@@ -17092,7 +16926,7 @@
                 <a:t>("\</a:t>
               </a:r>
               <a:r>
-                <a:rPr lang="en-US" dirty="0" err="1" smtClean="0">
+                <a:rPr lang="en-US" dirty="0" err="1">
                   <a:solidFill>
                     <a:schemeClr val="bg1"/>
                   </a:solidFill>
@@ -17100,7 +16934,7 @@
                 <a:t>tWHITE</a:t>
               </a:r>
               <a:r>
-                <a:rPr lang="en-US" dirty="0" smtClean="0">
+                <a:rPr lang="en-US" dirty="0">
                   <a:solidFill>
                     <a:schemeClr val="bg1"/>
                   </a:solidFill>
@@ -17108,7 +16942,7 @@
                 <a:t> KILL: %d\</a:t>
               </a:r>
               <a:r>
-                <a:rPr lang="en-US" dirty="0" err="1" smtClean="0">
+                <a:rPr lang="en-US" dirty="0" err="1">
                   <a:solidFill>
                     <a:schemeClr val="bg1"/>
                   </a:solidFill>
@@ -17116,7 +16950,7 @@
                 <a:t>tBLACK</a:t>
               </a:r>
               <a:r>
-                <a:rPr lang="en-US" dirty="0" smtClean="0">
+                <a:rPr lang="en-US" dirty="0">
                   <a:solidFill>
                     <a:schemeClr val="bg1"/>
                   </a:solidFill>
@@ -17124,7 +16958,7 @@
                 <a:t> KILL: %d\n",</a:t>
               </a:r>
               <a:r>
-                <a:rPr lang="en-US" dirty="0" err="1" smtClean="0">
+                <a:rPr lang="en-US" dirty="0" err="1">
                   <a:solidFill>
                     <a:schemeClr val="bg1"/>
                   </a:solidFill>
@@ -17132,7 +16966,7 @@
                 <a:t>killw,killb</a:t>
               </a:r>
               <a:r>
-                <a:rPr lang="en-US" dirty="0" smtClean="0">
+                <a:rPr lang="en-US" dirty="0">
                   <a:solidFill>
                     <a:schemeClr val="bg1"/>
                   </a:solidFill>
@@ -17143,7 +16977,7 @@
             <a:p>
               <a:pPr algn="l"/>
               <a:r>
-                <a:rPr lang="en-US" dirty="0" smtClean="0">
+                <a:rPr lang="en-US" dirty="0">
                   <a:solidFill>
                     <a:schemeClr val="bg1"/>
                   </a:solidFill>
@@ -17154,7 +16988,7 @@
             <a:p>
               <a:pPr algn="l"/>
               <a:r>
-                <a:rPr lang="en-US" dirty="0" smtClean="0">
+                <a:rPr lang="en-US" dirty="0">
                   <a:solidFill>
                     <a:schemeClr val="bg1"/>
                   </a:solidFill>
@@ -17162,7 +16996,7 @@
                 <a:t>    </a:t>
               </a:r>
               <a:r>
-                <a:rPr lang="en-US" dirty="0" err="1" smtClean="0">
+                <a:rPr lang="en-US" dirty="0" err="1">
                   <a:solidFill>
                     <a:schemeClr val="bg1"/>
                   </a:solidFill>
@@ -17170,7 +17004,7 @@
                 <a:t>printf</a:t>
               </a:r>
               <a:r>
-                <a:rPr lang="en-US" dirty="0" smtClean="0">
+                <a:rPr lang="en-US" dirty="0">
                   <a:solidFill>
                     <a:schemeClr val="bg1"/>
                   </a:solidFill>
@@ -17178,7 +17012,7 @@
                 <a:t>( "\</a:t>
               </a:r>
               <a:r>
-                <a:rPr lang="en-US" dirty="0" err="1" smtClean="0">
+                <a:rPr lang="en-US" dirty="0" err="1">
                   <a:solidFill>
                     <a:schemeClr val="bg1"/>
                   </a:solidFill>
@@ -17186,7 +17020,7 @@
                 <a:t>nEnter</a:t>
               </a:r>
               <a:r>
-                <a:rPr lang="en-US" dirty="0" smtClean="0">
+                <a:rPr lang="en-US" dirty="0">
                   <a:solidFill>
                     <a:schemeClr val="bg1"/>
                   </a:solidFill>
@@ -17197,7 +17031,7 @@
             <a:p>
               <a:pPr algn="l"/>
               <a:r>
-                <a:rPr lang="en-US" dirty="0" smtClean="0">
+                <a:rPr lang="en-US" dirty="0">
                   <a:solidFill>
                     <a:schemeClr val="bg1"/>
                   </a:solidFill>
@@ -17205,7 +17039,7 @@
                 <a:t>    </a:t>
               </a:r>
               <a:r>
-                <a:rPr lang="en-US" dirty="0" err="1" smtClean="0">
+                <a:rPr lang="en-US" dirty="0" err="1">
                   <a:solidFill>
                     <a:schemeClr val="bg1"/>
                   </a:solidFill>
@@ -17213,7 +17047,7 @@
                 <a:t>scanf</a:t>
               </a:r>
               <a:r>
-                <a:rPr lang="en-US" dirty="0" smtClean="0">
+                <a:rPr lang="en-US" dirty="0">
                   <a:solidFill>
                     <a:schemeClr val="bg1"/>
                   </a:solidFill>
@@ -17223,7 +17057,7 @@
             </a:p>
             <a:p>
               <a:pPr algn="l"/>
-              <a:endParaRPr lang="en-US" dirty="0" smtClean="0">
+              <a:endParaRPr lang="en-US" dirty="0">
                 <a:solidFill>
                   <a:schemeClr val="bg1"/>
                 </a:solidFill>
@@ -17232,7 +17066,7 @@
             <a:p>
               <a:pPr algn="l"/>
               <a:r>
-                <a:rPr lang="en-US" dirty="0" smtClean="0">
+                <a:rPr lang="en-US" dirty="0">
                   <a:solidFill>
                     <a:schemeClr val="bg1"/>
                   </a:solidFill>
@@ -17243,7 +17077,7 @@
             <a:p>
               <a:pPr algn="l"/>
               <a:r>
-                <a:rPr lang="en-US" dirty="0" smtClean="0">
+                <a:rPr lang="en-US" dirty="0">
                   <a:solidFill>
                     <a:schemeClr val="bg1"/>
                   </a:solidFill>
@@ -17254,7 +17088,7 @@
             <a:p>
               <a:pPr algn="l"/>
               <a:r>
-                <a:rPr lang="en-US" dirty="0" smtClean="0">
+                <a:rPr lang="en-US" dirty="0">
                   <a:solidFill>
                     <a:schemeClr val="bg1"/>
                   </a:solidFill>
@@ -17265,7 +17099,7 @@
             <a:p>
               <a:pPr algn="l"/>
               <a:r>
-                <a:rPr lang="en-US" dirty="0" smtClean="0">
+                <a:rPr lang="en-US" dirty="0">
                   <a:solidFill>
                     <a:schemeClr val="bg1"/>
                   </a:solidFill>
@@ -17276,7 +17110,7 @@
             <a:p>
               <a:pPr algn="l"/>
               <a:r>
-                <a:rPr lang="en-US" dirty="0" smtClean="0">
+                <a:rPr lang="en-US" dirty="0">
                   <a:solidFill>
                     <a:schemeClr val="bg1"/>
                   </a:solidFill>
@@ -17284,7 +17118,7 @@
                 <a:t>    for (</a:t>
               </a:r>
               <a:r>
-                <a:rPr lang="en-US" dirty="0" err="1" smtClean="0">
+                <a:rPr lang="en-US" dirty="0" err="1">
                   <a:solidFill>
                     <a:schemeClr val="bg1"/>
                   </a:solidFill>
@@ -17292,7 +17126,7 @@
                 <a:t>i</a:t>
               </a:r>
               <a:r>
-                <a:rPr lang="en-US" dirty="0" smtClean="0">
+                <a:rPr lang="en-US" dirty="0">
                   <a:solidFill>
                     <a:schemeClr val="bg1"/>
                   </a:solidFill>
@@ -17300,7 +17134,7 @@
                 <a:t>=0 ; </a:t>
               </a:r>
               <a:r>
-                <a:rPr lang="en-US" dirty="0" err="1" smtClean="0">
+                <a:rPr lang="en-US" dirty="0" err="1">
                   <a:solidFill>
                     <a:schemeClr val="bg1"/>
                   </a:solidFill>
@@ -17308,7 +17142,7 @@
                 <a:t>i</a:t>
               </a:r>
               <a:r>
-                <a:rPr lang="en-US" dirty="0" smtClean="0">
+                <a:rPr lang="en-US" dirty="0">
                   <a:solidFill>
                     <a:schemeClr val="bg1"/>
                   </a:solidFill>
@@ -17316,7 +17150,7 @@
                 <a:t>&lt;100 ; ++</a:t>
               </a:r>
               <a:r>
-                <a:rPr lang="en-US" dirty="0" err="1" smtClean="0">
+                <a:rPr lang="en-US" dirty="0" err="1">
                   <a:solidFill>
                     <a:schemeClr val="bg1"/>
                   </a:solidFill>
@@ -17324,7 +17158,7 @@
                 <a:t>i</a:t>
               </a:r>
               <a:r>
-                <a:rPr lang="en-US" dirty="0" smtClean="0">
+                <a:rPr lang="en-US" dirty="0">
                   <a:solidFill>
                     <a:schemeClr val="bg1"/>
                   </a:solidFill>
@@ -17335,7 +17169,7 @@
             <a:p>
               <a:pPr algn="l"/>
               <a:r>
-                <a:rPr lang="en-US" dirty="0" smtClean="0">
+                <a:rPr lang="en-US" dirty="0">
                   <a:solidFill>
                     <a:schemeClr val="bg1"/>
                   </a:solidFill>
@@ -17343,7 +17177,7 @@
                 <a:t>    	</a:t>
               </a:r>
               <a:r>
-                <a:rPr lang="en-US" dirty="0" err="1" smtClean="0">
+                <a:rPr lang="en-US" dirty="0" err="1">
                   <a:solidFill>
                     <a:schemeClr val="bg1"/>
                   </a:solidFill>
@@ -17351,7 +17185,7 @@
                 <a:t>lim</a:t>
               </a:r>
               <a:r>
-                <a:rPr lang="en-US" dirty="0" smtClean="0">
+                <a:rPr lang="en-US" dirty="0">
                   <a:solidFill>
                     <a:schemeClr val="bg1"/>
                   </a:solidFill>
@@ -17359,7 +17193,7 @@
                 <a:t>[</a:t>
               </a:r>
               <a:r>
-                <a:rPr lang="en-US" dirty="0" err="1" smtClean="0">
+                <a:rPr lang="en-US" dirty="0" err="1">
                   <a:solidFill>
                     <a:schemeClr val="bg1"/>
                   </a:solidFill>
@@ -17367,7 +17201,7 @@
                 <a:t>i</a:t>
               </a:r>
               <a:r>
-                <a:rPr lang="en-US" dirty="0" smtClean="0">
+                <a:rPr lang="en-US" dirty="0">
                   <a:solidFill>
                     <a:schemeClr val="bg1"/>
                   </a:solidFill>
@@ -17509,7 +17343,7 @@
             <a:p>
               <a:pPr algn="l"/>
               <a:r>
-                <a:rPr lang="en-US" sz="1400" dirty="0" smtClean="0">
+                <a:rPr lang="en-US" sz="1400" dirty="0">
                   <a:solidFill>
                     <a:schemeClr val="bg1"/>
                   </a:solidFill>
@@ -17520,7 +17354,7 @@
             <a:p>
               <a:pPr algn="l"/>
               <a:r>
-                <a:rPr lang="en-US" sz="1400" dirty="0" smtClean="0">
+                <a:rPr lang="en-US" sz="1400" dirty="0">
                   <a:solidFill>
                     <a:schemeClr val="bg1"/>
                   </a:solidFill>
@@ -17531,7 +17365,7 @@
             <a:p>
               <a:pPr algn="l"/>
               <a:r>
-                <a:rPr lang="en-US" sz="1400" dirty="0" smtClean="0">
+                <a:rPr lang="en-US" sz="1400" dirty="0">
                   <a:solidFill>
                     <a:schemeClr val="bg1"/>
                   </a:solidFill>
@@ -17539,7 +17373,7 @@
                 <a:t>    </a:t>
               </a:r>
               <a:r>
-                <a:rPr lang="en-US" sz="1400" dirty="0" err="1" smtClean="0">
+                <a:rPr lang="en-US" sz="1400" dirty="0" err="1">
                   <a:solidFill>
                     <a:schemeClr val="bg1"/>
                   </a:solidFill>
@@ -17547,7 +17381,7 @@
                 <a:t>int</a:t>
               </a:r>
               <a:r>
-                <a:rPr lang="en-US" sz="1400" dirty="0" smtClean="0">
+                <a:rPr lang="en-US" sz="1400" dirty="0">
                   <a:solidFill>
                     <a:schemeClr val="bg1"/>
                   </a:solidFill>
@@ -17555,7 +17389,7 @@
                 <a:t> p1 , p2 , c1 , r1 , c2 , r2 , </a:t>
               </a:r>
               <a:r>
-                <a:rPr lang="en-US" sz="1400" dirty="0" err="1" smtClean="0">
+                <a:rPr lang="en-US" sz="1400" dirty="0" err="1">
                   <a:solidFill>
                     <a:schemeClr val="bg1"/>
                   </a:solidFill>
@@ -17563,7 +17397,7 @@
                 <a:t>i</a:t>
               </a:r>
               <a:r>
-                <a:rPr lang="en-US" sz="1400" dirty="0" smtClean="0">
+                <a:rPr lang="en-US" sz="1400" dirty="0">
                   <a:solidFill>
                     <a:schemeClr val="bg1"/>
                   </a:solidFill>
@@ -17573,7 +17407,7 @@
             </a:p>
             <a:p>
               <a:pPr algn="l"/>
-              <a:endParaRPr lang="en-US" sz="1400" dirty="0" smtClean="0">
+              <a:endParaRPr lang="en-US" sz="1400" dirty="0">
                 <a:solidFill>
                   <a:schemeClr val="bg1"/>
                 </a:solidFill>
@@ -17582,7 +17416,7 @@
             <a:p>
               <a:pPr algn="l"/>
               <a:r>
-                <a:rPr lang="en-US" sz="1400" dirty="0" smtClean="0">
+                <a:rPr lang="en-US" sz="1400" dirty="0">
                   <a:solidFill>
                     <a:schemeClr val="bg1"/>
                   </a:solidFill>
@@ -17590,7 +17424,7 @@
                 <a:t>    </a:t>
               </a:r>
               <a:r>
-                <a:rPr lang="en-US" sz="1400" dirty="0" err="1" smtClean="0">
+                <a:rPr lang="en-US" sz="1400" dirty="0" err="1">
                   <a:solidFill>
                     <a:schemeClr val="bg1"/>
                   </a:solidFill>
@@ -17598,7 +17432,7 @@
                 <a:t>printf</a:t>
               </a:r>
               <a:r>
-                <a:rPr lang="en-US" sz="1400" dirty="0" smtClean="0">
+                <a:rPr lang="en-US" sz="1400" dirty="0">
                   <a:solidFill>
                     <a:schemeClr val="bg1"/>
                   </a:solidFill>
@@ -17606,7 +17440,7 @@
                 <a:t>( "\</a:t>
               </a:r>
               <a:r>
-                <a:rPr lang="en-US" sz="1400" dirty="0" err="1" smtClean="0">
+                <a:rPr lang="en-US" sz="1400" dirty="0" err="1">
                   <a:solidFill>
                     <a:schemeClr val="bg1"/>
                   </a:solidFill>
@@ -17614,7 +17448,7 @@
                 <a:t>nPLAYER</a:t>
               </a:r>
               <a:r>
-                <a:rPr lang="en-US" sz="1400" dirty="0" smtClean="0">
+                <a:rPr lang="en-US" sz="1400" dirty="0">
                   <a:solidFill>
                     <a:schemeClr val="bg1"/>
                   </a:solidFill>
@@ -17625,7 +17459,7 @@
             <a:p>
               <a:pPr algn="l"/>
               <a:r>
-                <a:rPr lang="en-US" sz="1400" dirty="0" smtClean="0">
+                <a:rPr lang="en-US" sz="1400" dirty="0">
                   <a:solidFill>
                     <a:schemeClr val="bg1"/>
                   </a:solidFill>
@@ -17633,7 +17467,7 @@
                 <a:t>    </a:t>
               </a:r>
               <a:r>
-                <a:rPr lang="en-US" sz="1400" dirty="0" err="1" smtClean="0">
+                <a:rPr lang="en-US" sz="1400" dirty="0" err="1">
                   <a:solidFill>
                     <a:schemeClr val="bg1"/>
                   </a:solidFill>
@@ -17641,7 +17475,7 @@
                 <a:t>printf</a:t>
               </a:r>
               <a:r>
-                <a:rPr lang="en-US" sz="1400" dirty="0" smtClean="0">
+                <a:rPr lang="en-US" sz="1400" dirty="0">
                   <a:solidFill>
                     <a:schemeClr val="bg1"/>
                   </a:solidFill>
@@ -17649,7 +17483,7 @@
                 <a:t>("\</a:t>
               </a:r>
               <a:r>
-                <a:rPr lang="en-US" sz="1400" dirty="0" err="1" smtClean="0">
+                <a:rPr lang="en-US" sz="1400" dirty="0" err="1">
                   <a:solidFill>
                     <a:schemeClr val="bg1"/>
                   </a:solidFill>
@@ -17657,7 +17491,7 @@
                 <a:t>tWHITE</a:t>
               </a:r>
               <a:r>
-                <a:rPr lang="en-US" sz="1400" dirty="0" smtClean="0">
+                <a:rPr lang="en-US" sz="1400" dirty="0">
                   <a:solidFill>
                     <a:schemeClr val="bg1"/>
                   </a:solidFill>
@@ -17665,7 +17499,7 @@
                 <a:t> KILL: %d\</a:t>
               </a:r>
               <a:r>
-                <a:rPr lang="en-US" sz="1400" dirty="0" err="1" smtClean="0">
+                <a:rPr lang="en-US" sz="1400" dirty="0" err="1">
                   <a:solidFill>
                     <a:schemeClr val="bg1"/>
                   </a:solidFill>
@@ -17673,7 +17507,7 @@
                 <a:t>tBLACK</a:t>
               </a:r>
               <a:r>
-                <a:rPr lang="en-US" sz="1400" dirty="0" smtClean="0">
+                <a:rPr lang="en-US" sz="1400" dirty="0">
                   <a:solidFill>
                     <a:schemeClr val="bg1"/>
                   </a:solidFill>
@@ -17681,7 +17515,7 @@
                 <a:t> KILL: %d\n",</a:t>
               </a:r>
               <a:r>
-                <a:rPr lang="en-US" sz="1400" dirty="0" err="1" smtClean="0">
+                <a:rPr lang="en-US" sz="1400" dirty="0" err="1">
                   <a:solidFill>
                     <a:schemeClr val="bg1"/>
                   </a:solidFill>
@@ -17689,7 +17523,7 @@
                 <a:t>killw,killb</a:t>
               </a:r>
               <a:r>
-                <a:rPr lang="en-US" sz="1400" dirty="0" smtClean="0">
+                <a:rPr lang="en-US" sz="1400" dirty="0">
                   <a:solidFill>
                     <a:schemeClr val="bg1"/>
                   </a:solidFill>
@@ -17700,7 +17534,7 @@
             <a:p>
               <a:pPr algn="l"/>
               <a:r>
-                <a:rPr lang="en-US" sz="1400" dirty="0" smtClean="0">
+                <a:rPr lang="en-US" sz="1400" dirty="0">
                   <a:solidFill>
                     <a:schemeClr val="bg1"/>
                   </a:solidFill>
@@ -17711,7 +17545,7 @@
             <a:p>
               <a:pPr algn="l"/>
               <a:r>
-                <a:rPr lang="en-US" sz="1400" dirty="0" smtClean="0">
+                <a:rPr lang="en-US" sz="1400" dirty="0">
                   <a:solidFill>
                     <a:schemeClr val="bg1"/>
                   </a:solidFill>
@@ -17719,7 +17553,7 @@
                 <a:t>    </a:t>
               </a:r>
               <a:r>
-                <a:rPr lang="en-US" sz="1400" dirty="0" err="1" smtClean="0">
+                <a:rPr lang="en-US" sz="1400" dirty="0" err="1">
                   <a:solidFill>
                     <a:schemeClr val="bg1"/>
                   </a:solidFill>
@@ -17727,7 +17561,7 @@
                 <a:t>printf</a:t>
               </a:r>
               <a:r>
-                <a:rPr lang="en-US" sz="1400" dirty="0" smtClean="0">
+                <a:rPr lang="en-US" sz="1400" dirty="0">
                   <a:solidFill>
                     <a:schemeClr val="bg1"/>
                   </a:solidFill>
@@ -17735,7 +17569,7 @@
                 <a:t>( "\</a:t>
               </a:r>
               <a:r>
-                <a:rPr lang="en-US" sz="1400" dirty="0" err="1" smtClean="0">
+                <a:rPr lang="en-US" sz="1400" dirty="0" err="1">
                   <a:solidFill>
                     <a:schemeClr val="bg1"/>
                   </a:solidFill>
@@ -17743,7 +17577,7 @@
                 <a:t>nEnter</a:t>
               </a:r>
               <a:r>
-                <a:rPr lang="en-US" sz="1400" dirty="0" smtClean="0">
+                <a:rPr lang="en-US" sz="1400" dirty="0">
                   <a:solidFill>
                     <a:schemeClr val="bg1"/>
                   </a:solidFill>
@@ -17754,7 +17588,7 @@
             <a:p>
               <a:pPr algn="l"/>
               <a:r>
-                <a:rPr lang="en-US" sz="1400" dirty="0" smtClean="0">
+                <a:rPr lang="en-US" sz="1400" dirty="0">
                   <a:solidFill>
                     <a:schemeClr val="bg1"/>
                   </a:solidFill>
@@ -17762,7 +17596,7 @@
                 <a:t>    </a:t>
               </a:r>
               <a:r>
-                <a:rPr lang="en-US" sz="1400" dirty="0" err="1" smtClean="0">
+                <a:rPr lang="en-US" sz="1400" dirty="0" err="1">
                   <a:solidFill>
                     <a:schemeClr val="bg1"/>
                   </a:solidFill>
@@ -17770,7 +17604,7 @@
                 <a:t>scanf</a:t>
               </a:r>
               <a:r>
-                <a:rPr lang="en-US" sz="1400" dirty="0" smtClean="0">
+                <a:rPr lang="en-US" sz="1400" dirty="0">
                   <a:solidFill>
                     <a:schemeClr val="bg1"/>
                   </a:solidFill>
@@ -17780,7 +17614,7 @@
             </a:p>
             <a:p>
               <a:pPr algn="l"/>
-              <a:endParaRPr lang="en-US" sz="1400" dirty="0" smtClean="0">
+              <a:endParaRPr lang="en-US" sz="1400" dirty="0">
                 <a:solidFill>
                   <a:schemeClr val="bg1"/>
                 </a:solidFill>
@@ -17789,7 +17623,7 @@
             <a:p>
               <a:pPr algn="l"/>
               <a:r>
-                <a:rPr lang="en-US" sz="1400" dirty="0" smtClean="0">
+                <a:rPr lang="en-US" sz="1400" dirty="0">
                   <a:solidFill>
                     <a:schemeClr val="bg1"/>
                   </a:solidFill>
@@ -17800,7 +17634,7 @@
             <a:p>
               <a:pPr algn="l"/>
               <a:r>
-                <a:rPr lang="en-US" sz="1400" dirty="0" smtClean="0">
+                <a:rPr lang="en-US" sz="1400" dirty="0">
                   <a:solidFill>
                     <a:schemeClr val="bg1"/>
                   </a:solidFill>
@@ -17811,7 +17645,7 @@
             <a:p>
               <a:pPr algn="l"/>
               <a:r>
-                <a:rPr lang="en-US" sz="1400" dirty="0" smtClean="0">
+                <a:rPr lang="en-US" sz="1400" dirty="0">
                   <a:solidFill>
                     <a:schemeClr val="bg1"/>
                   </a:solidFill>
@@ -17822,7 +17656,7 @@
             <a:p>
               <a:pPr algn="l"/>
               <a:r>
-                <a:rPr lang="en-US" sz="1400" dirty="0" smtClean="0">
+                <a:rPr lang="en-US" sz="1400" dirty="0">
                   <a:solidFill>
                     <a:schemeClr val="bg1"/>
                   </a:solidFill>
@@ -17833,7 +17667,7 @@
             <a:p>
               <a:pPr algn="l"/>
               <a:r>
-                <a:rPr lang="en-US" sz="1400" dirty="0" smtClean="0">
+                <a:rPr lang="en-US" sz="1400" dirty="0">
                   <a:solidFill>
                     <a:schemeClr val="bg1"/>
                   </a:solidFill>
@@ -17841,7 +17675,7 @@
                 <a:t>    for (</a:t>
               </a:r>
               <a:r>
-                <a:rPr lang="en-US" sz="1400" dirty="0" err="1" smtClean="0">
+                <a:rPr lang="en-US" sz="1400" dirty="0" err="1">
                   <a:solidFill>
                     <a:schemeClr val="bg1"/>
                   </a:solidFill>
@@ -17849,7 +17683,7 @@
                 <a:t>i</a:t>
               </a:r>
               <a:r>
-                <a:rPr lang="en-US" sz="1400" dirty="0" smtClean="0">
+                <a:rPr lang="en-US" sz="1400" dirty="0">
                   <a:solidFill>
                     <a:schemeClr val="bg1"/>
                   </a:solidFill>
@@ -17857,7 +17691,7 @@
                 <a:t>=0 ; </a:t>
               </a:r>
               <a:r>
-                <a:rPr lang="en-US" sz="1400" dirty="0" err="1" smtClean="0">
+                <a:rPr lang="en-US" sz="1400" dirty="0" err="1">
                   <a:solidFill>
                     <a:schemeClr val="bg1"/>
                   </a:solidFill>
@@ -17865,7 +17699,7 @@
                 <a:t>i</a:t>
               </a:r>
               <a:r>
-                <a:rPr lang="en-US" sz="1400" dirty="0" smtClean="0">
+                <a:rPr lang="en-US" sz="1400" dirty="0">
                   <a:solidFill>
                     <a:schemeClr val="bg1"/>
                   </a:solidFill>
@@ -17873,7 +17707,7 @@
                 <a:t>&lt;100 ; ++</a:t>
               </a:r>
               <a:r>
-                <a:rPr lang="en-US" sz="1400" dirty="0" err="1" smtClean="0">
+                <a:rPr lang="en-US" sz="1400" dirty="0" err="1">
                   <a:solidFill>
                     <a:schemeClr val="bg1"/>
                   </a:solidFill>
@@ -17881,7 +17715,7 @@
                 <a:t>i</a:t>
               </a:r>
               <a:r>
-                <a:rPr lang="en-US" sz="1400" dirty="0" smtClean="0">
+                <a:rPr lang="en-US" sz="1400" dirty="0">
                   <a:solidFill>
                     <a:schemeClr val="bg1"/>
                   </a:solidFill>
@@ -17892,7 +17726,7 @@
             <a:p>
               <a:pPr algn="l"/>
               <a:r>
-                <a:rPr lang="en-US" sz="1400" dirty="0" smtClean="0">
+                <a:rPr lang="en-US" sz="1400" dirty="0">
                   <a:solidFill>
                     <a:schemeClr val="bg1"/>
                   </a:solidFill>
@@ -17900,7 +17734,7 @@
                 <a:t>    	</a:t>
               </a:r>
               <a:r>
-                <a:rPr lang="en-US" sz="1400" dirty="0" err="1" smtClean="0">
+                <a:rPr lang="en-US" sz="1400" dirty="0" err="1">
                   <a:solidFill>
                     <a:schemeClr val="bg1"/>
                   </a:solidFill>
@@ -17908,7 +17742,7 @@
                 <a:t>lim</a:t>
               </a:r>
               <a:r>
-                <a:rPr lang="en-US" sz="1400" dirty="0" smtClean="0">
+                <a:rPr lang="en-US" sz="1400" dirty="0">
                   <a:solidFill>
                     <a:schemeClr val="bg1"/>
                   </a:solidFill>
@@ -17916,7 +17750,7 @@
                 <a:t>[</a:t>
               </a:r>
               <a:r>
-                <a:rPr lang="en-US" sz="1400" dirty="0" err="1" smtClean="0">
+                <a:rPr lang="en-US" sz="1400" dirty="0" err="1">
                   <a:solidFill>
                     <a:schemeClr val="bg1"/>
                   </a:solidFill>
@@ -17924,7 +17758,7 @@
                 <a:t>i</a:t>
               </a:r>
               <a:r>
-                <a:rPr lang="en-US" sz="1400" dirty="0" smtClean="0">
+                <a:rPr lang="en-US" sz="1400" dirty="0">
                   <a:solidFill>
                     <a:schemeClr val="bg1"/>
                   </a:solidFill>
@@ -17935,7 +17769,7 @@
             <a:p>
               <a:pPr algn="l"/>
               <a:r>
-                <a:rPr lang="en-US" sz="1400" dirty="0" smtClean="0">
+                <a:rPr lang="en-US" sz="1400" dirty="0">
                   <a:solidFill>
                     <a:schemeClr val="bg1"/>
                   </a:solidFill>
@@ -17946,7 +17780,7 @@
             <a:p>
               <a:pPr algn="l"/>
               <a:r>
-                <a:rPr lang="en-US" sz="1400" dirty="0" smtClean="0">
+                <a:rPr lang="en-US" sz="1400" dirty="0">
                   <a:solidFill>
                     <a:schemeClr val="bg1"/>
                   </a:solidFill>
@@ -17956,7 +17790,7 @@
             </a:p>
             <a:p>
               <a:pPr algn="l"/>
-              <a:endParaRPr lang="en-US" sz="1400" dirty="0" smtClean="0">
+              <a:endParaRPr lang="en-US" sz="1400" dirty="0">
                 <a:solidFill>
                   <a:schemeClr val="bg1"/>
                 </a:solidFill>
@@ -17965,7 +17799,7 @@
             <a:p>
               <a:pPr algn="l"/>
               <a:r>
-                <a:rPr lang="en-US" sz="1400" dirty="0" smtClean="0">
+                <a:rPr lang="en-US" sz="1400" dirty="0">
                   <a:solidFill>
                     <a:schemeClr val="bg1"/>
                   </a:solidFill>
@@ -18452,7 +18286,7 @@
           <a:lstStyle/>
           <a:p>
             <a:r>
-              <a:rPr lang="en-US" sz="5400" b="1" dirty="0" smtClean="0">
+              <a:rPr lang="en-US" sz="5400" b="1" dirty="0">
                 <a:solidFill>
                   <a:schemeClr val="bg1"/>
                 </a:solidFill>
@@ -18467,19 +18301,6 @@
               </a:rPr>
               <a:t>4 – The problems</a:t>
             </a:r>
-            <a:endParaRPr lang="en-US" sz="5400" b="1" dirty="0">
-              <a:solidFill>
-                <a:schemeClr val="bg1"/>
-              </a:solidFill>
-              <a:effectLst>
-                <a:outerShdw blurRad="38100" dist="38100" dir="2700000" algn="tl">
-                  <a:srgbClr val="000000">
-                    <a:alpha val="43137"/>
-                  </a:srgbClr>
-                </a:outerShdw>
-              </a:effectLst>
-              <a:latin typeface="Britannic Bold" panose="020B0903060703020204" pitchFamily="34" charset="0"/>
-            </a:endParaRPr>
           </a:p>
         </p:txBody>
       </p:sp>
@@ -18491,8 +18312,8 @@
         </p:nvSpPr>
         <p:spPr>
           <a:xfrm>
-            <a:off x="834958" y="3937295"/>
-            <a:ext cx="4464685" cy="461665"/>
+            <a:off x="780456" y="3937295"/>
+            <a:ext cx="4519187" cy="461665"/>
           </a:xfrm>
           <a:prstGeom prst="rect">
             <a:avLst/>
@@ -18507,14 +18328,14 @@
           <a:p>
             <a:pPr algn="r" rtl="0"/>
             <a:r>
-              <a:rPr lang="fa-IR" sz="2400" dirty="0" smtClean="0">
+              <a:rPr lang="fa-IR" sz="2400" dirty="0">
                 <a:solidFill>
                   <a:schemeClr val="bg1">
                     <a:lumMod val="65000"/>
                   </a:schemeClr>
                 </a:solidFill>
               </a:rPr>
-              <a:t>1- نشان دادن موقعتی که قابلیت کشتن داده </a:t>
+              <a:t>1- نشان دادن موقعیتی که قابلیت کشتن دارد</a:t>
             </a:r>
             <a:endParaRPr lang="ar-SY" sz="2400" dirty="0">
               <a:solidFill>
@@ -18584,7 +18405,7 @@
             <a:lstStyle/>
             <a:p>
               <a:pPr algn="ctr"/>
-              <a:endParaRPr lang="en-US" dirty="0" smtClean="0"/>
+              <a:endParaRPr lang="en-US" dirty="0"/>
             </a:p>
           </p:txBody>
         </p:sp>
@@ -18944,7 +18765,7 @@
           <a:lstStyle/>
           <a:p>
             <a:r>
-              <a:rPr lang="en-US" sz="5400" b="1" dirty="0" smtClean="0">
+              <a:rPr lang="en-US" sz="5400" b="1" dirty="0">
                 <a:solidFill>
                   <a:schemeClr val="bg1"/>
                 </a:solidFill>
@@ -18959,19 +18780,6 @@
               </a:rPr>
               <a:t>4 – The problems</a:t>
             </a:r>
-            <a:endParaRPr lang="en-US" sz="5400" b="1" dirty="0">
-              <a:solidFill>
-                <a:schemeClr val="bg1"/>
-              </a:solidFill>
-              <a:effectLst>
-                <a:outerShdw blurRad="38100" dist="38100" dir="2700000" algn="tl">
-                  <a:srgbClr val="000000">
-                    <a:alpha val="43137"/>
-                  </a:srgbClr>
-                </a:outerShdw>
-              </a:effectLst>
-              <a:latin typeface="Britannic Bold" panose="020B0903060703020204" pitchFamily="34" charset="0"/>
-            </a:endParaRPr>
           </a:p>
         </p:txBody>
       </p:sp>
@@ -18983,8 +18791,8 @@
         </p:nvSpPr>
         <p:spPr>
           <a:xfrm>
-            <a:off x="2728105" y="3937295"/>
-            <a:ext cx="2571538" cy="461665"/>
+            <a:off x="2051638" y="3937295"/>
+            <a:ext cx="3248005" cy="461665"/>
           </a:xfrm>
           <a:prstGeom prst="rect">
             <a:avLst/>
@@ -18999,14 +18807,14 @@
           <a:p>
             <a:pPr algn="r" rtl="0"/>
             <a:r>
-              <a:rPr lang="fa-IR" sz="2400" dirty="0" smtClean="0">
+              <a:rPr lang="fa-IR" sz="2400" dirty="0">
                 <a:solidFill>
                   <a:schemeClr val="bg1">
                     <a:lumMod val="65000"/>
                   </a:schemeClr>
                 </a:solidFill>
               </a:rPr>
-              <a:t>2 – قابلیت حذف خودی</a:t>
+              <a:t>2 – قابلیت حذف نکردن خودی</a:t>
             </a:r>
             <a:endParaRPr lang="ar-SY" sz="2400" dirty="0">
               <a:solidFill>
@@ -19076,7 +18884,7 @@
             <a:lstStyle/>
             <a:p>
               <a:pPr algn="ctr"/>
-              <a:endParaRPr lang="en-US" dirty="0" smtClean="0"/>
+              <a:endParaRPr lang="en-US" dirty="0"/>
             </a:p>
           </p:txBody>
         </p:sp>
